--- a/Slides/Baseball 5/Baseball_5_Lecture.pptx
+++ b/Slides/Baseball 5/Baseball_5_Lecture.pptx
@@ -210,7 +210,7 @@
           <a:p>
             <a:fld id="{C04E5E84-956F-4423-97B3-5936A6D8EEEE}" type="datetimeFigureOut">
               <a:rPr lang="en-US" smtClean="0"/>
-              <a:t>9/12/2019</a:t>
+              <a:t>9/17/2019</a:t>
             </a:fld>
             <a:endParaRPr lang="en-US"/>
           </a:p>
@@ -560,35 +560,35 @@
               <a:buNone/>
               <a:defRPr sz="2400"/>
             </a:lvl1pPr>
-            <a:lvl2pPr marL="457200" indent="0" algn="ctr">
+            <a:lvl2pPr marL="457189" indent="0" algn="ctr">
               <a:buNone/>
               <a:defRPr sz="2000"/>
             </a:lvl2pPr>
-            <a:lvl3pPr marL="914400" indent="0" algn="ctr">
+            <a:lvl3pPr marL="914377" indent="0" algn="ctr">
               <a:buNone/>
               <a:defRPr sz="1800"/>
             </a:lvl3pPr>
-            <a:lvl4pPr marL="1371600" indent="0" algn="ctr">
+            <a:lvl4pPr marL="1371566" indent="0" algn="ctr">
               <a:buNone/>
               <a:defRPr sz="1600"/>
             </a:lvl4pPr>
-            <a:lvl5pPr marL="1828800" indent="0" algn="ctr">
+            <a:lvl5pPr marL="1828754" indent="0" algn="ctr">
               <a:buNone/>
               <a:defRPr sz="1600"/>
             </a:lvl5pPr>
-            <a:lvl6pPr marL="2286000" indent="0" algn="ctr">
+            <a:lvl6pPr marL="2285943" indent="0" algn="ctr">
               <a:buNone/>
               <a:defRPr sz="1600"/>
             </a:lvl6pPr>
-            <a:lvl7pPr marL="2743200" indent="0" algn="ctr">
+            <a:lvl7pPr marL="2743131" indent="0" algn="ctr">
               <a:buNone/>
               <a:defRPr sz="1600"/>
             </a:lvl7pPr>
-            <a:lvl8pPr marL="3200400" indent="0" algn="ctr">
+            <a:lvl8pPr marL="3200320" indent="0" algn="ctr">
               <a:buNone/>
               <a:defRPr sz="1600"/>
             </a:lvl8pPr>
-            <a:lvl9pPr marL="3657600" indent="0" algn="ctr">
+            <a:lvl9pPr marL="3657509" indent="0" algn="ctr">
               <a:buNone/>
               <a:defRPr sz="1600"/>
             </a:lvl9pPr>
@@ -624,7 +624,7 @@
           <a:p>
             <a:fld id="{3881C039-66A3-4640-815B-3B5A8B7D868D}" type="datetimeFigureOut">
               <a:rPr lang="en-US" smtClean="0"/>
-              <a:t>9/12/2019</a:t>
+              <a:t>9/17/2019</a:t>
             </a:fld>
             <a:endParaRPr lang="en-US"/>
           </a:p>
@@ -822,7 +822,7 @@
           <a:p>
             <a:fld id="{3881C039-66A3-4640-815B-3B5A8B7D868D}" type="datetimeFigureOut">
               <a:rPr lang="en-US" smtClean="0"/>
-              <a:t>9/12/2019</a:t>
+              <a:t>9/17/2019</a:t>
             </a:fld>
             <a:endParaRPr lang="en-US"/>
           </a:p>
@@ -930,7 +930,7 @@
         </p:nvSpPr>
         <p:spPr>
           <a:xfrm>
-            <a:off x="8724900" y="365125"/>
+            <a:off x="8724901" y="365125"/>
             <a:ext cx="2628900" cy="5811838"/>
           </a:xfrm>
         </p:spPr>
@@ -963,7 +963,7 @@
         </p:nvSpPr>
         <p:spPr>
           <a:xfrm>
-            <a:off x="838200" y="365125"/>
+            <a:off x="838201" y="365125"/>
             <a:ext cx="7734300" cy="5811838"/>
           </a:xfrm>
         </p:spPr>
@@ -1030,7 +1030,7 @@
           <a:p>
             <a:fld id="{3881C039-66A3-4640-815B-3B5A8B7D868D}" type="datetimeFigureOut">
               <a:rPr lang="en-US" smtClean="0"/>
-              <a:t>9/12/2019</a:t>
+              <a:t>9/17/2019</a:t>
             </a:fld>
             <a:endParaRPr lang="en-US"/>
           </a:p>
@@ -1228,7 +1228,7 @@
           <a:p>
             <a:fld id="{3881C039-66A3-4640-815B-3B5A8B7D868D}" type="datetimeFigureOut">
               <a:rPr lang="en-US" smtClean="0"/>
-              <a:t>9/12/2019</a:t>
+              <a:t>9/17/2019</a:t>
             </a:fld>
             <a:endParaRPr lang="en-US"/>
           </a:p>
@@ -1336,7 +1336,7 @@
         </p:nvSpPr>
         <p:spPr>
           <a:xfrm>
-            <a:off x="831850" y="1709738"/>
+            <a:off x="831851" y="1709740"/>
             <a:ext cx="10515600" cy="2852737"/>
           </a:xfrm>
         </p:spPr>
@@ -1373,7 +1373,7 @@
         </p:nvSpPr>
         <p:spPr>
           <a:xfrm>
-            <a:off x="831850" y="4589463"/>
+            <a:off x="831851" y="4589465"/>
             <a:ext cx="10515600" cy="1500187"/>
           </a:xfrm>
         </p:spPr>
@@ -1390,7 +1390,7 @@
                 </a:solidFill>
               </a:defRPr>
             </a:lvl1pPr>
-            <a:lvl2pPr marL="457200" indent="0">
+            <a:lvl2pPr marL="457189" indent="0">
               <a:buNone/>
               <a:defRPr sz="2000">
                 <a:solidFill>
@@ -1400,7 +1400,7 @@
                 </a:solidFill>
               </a:defRPr>
             </a:lvl2pPr>
-            <a:lvl3pPr marL="914400" indent="0">
+            <a:lvl3pPr marL="914377" indent="0">
               <a:buNone/>
               <a:defRPr sz="1800">
                 <a:solidFill>
@@ -1410,7 +1410,7 @@
                 </a:solidFill>
               </a:defRPr>
             </a:lvl3pPr>
-            <a:lvl4pPr marL="1371600" indent="0">
+            <a:lvl4pPr marL="1371566" indent="0">
               <a:buNone/>
               <a:defRPr sz="1600">
                 <a:solidFill>
@@ -1420,7 +1420,7 @@
                 </a:solidFill>
               </a:defRPr>
             </a:lvl4pPr>
-            <a:lvl5pPr marL="1828800" indent="0">
+            <a:lvl5pPr marL="1828754" indent="0">
               <a:buNone/>
               <a:defRPr sz="1600">
                 <a:solidFill>
@@ -1430,7 +1430,7 @@
                 </a:solidFill>
               </a:defRPr>
             </a:lvl5pPr>
-            <a:lvl6pPr marL="2286000" indent="0">
+            <a:lvl6pPr marL="2285943" indent="0">
               <a:buNone/>
               <a:defRPr sz="1600">
                 <a:solidFill>
@@ -1440,7 +1440,7 @@
                 </a:solidFill>
               </a:defRPr>
             </a:lvl6pPr>
-            <a:lvl7pPr marL="2743200" indent="0">
+            <a:lvl7pPr marL="2743131" indent="0">
               <a:buNone/>
               <a:defRPr sz="1600">
                 <a:solidFill>
@@ -1450,7 +1450,7 @@
                 </a:solidFill>
               </a:defRPr>
             </a:lvl7pPr>
-            <a:lvl8pPr marL="3200400" indent="0">
+            <a:lvl8pPr marL="3200320" indent="0">
               <a:buNone/>
               <a:defRPr sz="1600">
                 <a:solidFill>
@@ -1460,7 +1460,7 @@
                 </a:solidFill>
               </a:defRPr>
             </a:lvl8pPr>
-            <a:lvl9pPr marL="3657600" indent="0">
+            <a:lvl9pPr marL="3657509" indent="0">
               <a:buNone/>
               <a:defRPr sz="1600">
                 <a:solidFill>
@@ -1503,7 +1503,7 @@
           <a:p>
             <a:fld id="{3881C039-66A3-4640-815B-3B5A8B7D868D}" type="datetimeFigureOut">
               <a:rPr lang="en-US" smtClean="0"/>
-              <a:t>9/12/2019</a:t>
+              <a:t>9/17/2019</a:t>
             </a:fld>
             <a:endParaRPr lang="en-US"/>
           </a:p>
@@ -1768,7 +1768,7 @@
           <a:p>
             <a:fld id="{3881C039-66A3-4640-815B-3B5A8B7D868D}" type="datetimeFigureOut">
               <a:rPr lang="en-US" smtClean="0"/>
-              <a:t>9/12/2019</a:t>
+              <a:t>9/17/2019</a:t>
             </a:fld>
             <a:endParaRPr lang="en-US"/>
           </a:p>
@@ -1876,7 +1876,7 @@
         </p:nvSpPr>
         <p:spPr>
           <a:xfrm>
-            <a:off x="839788" y="365125"/>
+            <a:off x="839788" y="365127"/>
             <a:ext cx="10515600" cy="1325563"/>
           </a:xfrm>
         </p:spPr>
@@ -1909,7 +1909,7 @@
         </p:nvSpPr>
         <p:spPr>
           <a:xfrm>
-            <a:off x="839788" y="1681163"/>
+            <a:off x="839789" y="1681163"/>
             <a:ext cx="5157787" cy="823912"/>
           </a:xfrm>
         </p:spPr>
@@ -1920,35 +1920,35 @@
               <a:buNone/>
               <a:defRPr sz="2400" b="1"/>
             </a:lvl1pPr>
-            <a:lvl2pPr marL="457200" indent="0">
+            <a:lvl2pPr marL="457189" indent="0">
               <a:buNone/>
               <a:defRPr sz="2000" b="1"/>
             </a:lvl2pPr>
-            <a:lvl3pPr marL="914400" indent="0">
+            <a:lvl3pPr marL="914377" indent="0">
               <a:buNone/>
               <a:defRPr sz="1800" b="1"/>
             </a:lvl3pPr>
-            <a:lvl4pPr marL="1371600" indent="0">
+            <a:lvl4pPr marL="1371566" indent="0">
               <a:buNone/>
               <a:defRPr sz="1600" b="1"/>
             </a:lvl4pPr>
-            <a:lvl5pPr marL="1828800" indent="0">
+            <a:lvl5pPr marL="1828754" indent="0">
               <a:buNone/>
               <a:defRPr sz="1600" b="1"/>
             </a:lvl5pPr>
-            <a:lvl6pPr marL="2286000" indent="0">
+            <a:lvl6pPr marL="2285943" indent="0">
               <a:buNone/>
               <a:defRPr sz="1600" b="1"/>
             </a:lvl6pPr>
-            <a:lvl7pPr marL="2743200" indent="0">
+            <a:lvl7pPr marL="2743131" indent="0">
               <a:buNone/>
               <a:defRPr sz="1600" b="1"/>
             </a:lvl7pPr>
-            <a:lvl8pPr marL="3200400" indent="0">
+            <a:lvl8pPr marL="3200320" indent="0">
               <a:buNone/>
               <a:defRPr sz="1600" b="1"/>
             </a:lvl8pPr>
-            <a:lvl9pPr marL="3657600" indent="0">
+            <a:lvl9pPr marL="3657509" indent="0">
               <a:buNone/>
               <a:defRPr sz="1600" b="1"/>
             </a:lvl9pPr>
@@ -1980,7 +1980,7 @@
         </p:nvSpPr>
         <p:spPr>
           <a:xfrm>
-            <a:off x="839788" y="2505075"/>
+            <a:off x="839789" y="2505075"/>
             <a:ext cx="5157787" cy="3684588"/>
           </a:xfrm>
         </p:spPr>
@@ -2042,7 +2042,7 @@
         </p:nvSpPr>
         <p:spPr>
           <a:xfrm>
-            <a:off x="6172200" y="1681163"/>
+            <a:off x="6172201" y="1681163"/>
             <a:ext cx="5183188" cy="823912"/>
           </a:xfrm>
         </p:spPr>
@@ -2053,35 +2053,35 @@
               <a:buNone/>
               <a:defRPr sz="2400" b="1"/>
             </a:lvl1pPr>
-            <a:lvl2pPr marL="457200" indent="0">
+            <a:lvl2pPr marL="457189" indent="0">
               <a:buNone/>
               <a:defRPr sz="2000" b="1"/>
             </a:lvl2pPr>
-            <a:lvl3pPr marL="914400" indent="0">
+            <a:lvl3pPr marL="914377" indent="0">
               <a:buNone/>
               <a:defRPr sz="1800" b="1"/>
             </a:lvl3pPr>
-            <a:lvl4pPr marL="1371600" indent="0">
+            <a:lvl4pPr marL="1371566" indent="0">
               <a:buNone/>
               <a:defRPr sz="1600" b="1"/>
             </a:lvl4pPr>
-            <a:lvl5pPr marL="1828800" indent="0">
+            <a:lvl5pPr marL="1828754" indent="0">
               <a:buNone/>
               <a:defRPr sz="1600" b="1"/>
             </a:lvl5pPr>
-            <a:lvl6pPr marL="2286000" indent="0">
+            <a:lvl6pPr marL="2285943" indent="0">
               <a:buNone/>
               <a:defRPr sz="1600" b="1"/>
             </a:lvl6pPr>
-            <a:lvl7pPr marL="2743200" indent="0">
+            <a:lvl7pPr marL="2743131" indent="0">
               <a:buNone/>
               <a:defRPr sz="1600" b="1"/>
             </a:lvl7pPr>
-            <a:lvl8pPr marL="3200400" indent="0">
+            <a:lvl8pPr marL="3200320" indent="0">
               <a:buNone/>
               <a:defRPr sz="1600" b="1"/>
             </a:lvl8pPr>
-            <a:lvl9pPr marL="3657600" indent="0">
+            <a:lvl9pPr marL="3657509" indent="0">
               <a:buNone/>
               <a:defRPr sz="1600" b="1"/>
             </a:lvl9pPr>
@@ -2113,7 +2113,7 @@
         </p:nvSpPr>
         <p:spPr>
           <a:xfrm>
-            <a:off x="6172200" y="2505075"/>
+            <a:off x="6172201" y="2505075"/>
             <a:ext cx="5183188" cy="3684588"/>
           </a:xfrm>
         </p:spPr>
@@ -2180,7 +2180,7 @@
           <a:p>
             <a:fld id="{3881C039-66A3-4640-815B-3B5A8B7D868D}" type="datetimeFigureOut">
               <a:rPr lang="en-US" smtClean="0"/>
-              <a:t>9/12/2019</a:t>
+              <a:t>9/17/2019</a:t>
             </a:fld>
             <a:endParaRPr lang="en-US"/>
           </a:p>
@@ -2321,7 +2321,7 @@
           <a:p>
             <a:fld id="{3881C039-66A3-4640-815B-3B5A8B7D868D}" type="datetimeFigureOut">
               <a:rPr lang="en-US" smtClean="0"/>
-              <a:t>9/12/2019</a:t>
+              <a:t>9/17/2019</a:t>
             </a:fld>
             <a:endParaRPr lang="en-US"/>
           </a:p>
@@ -2434,7 +2434,7 @@
           <a:p>
             <a:fld id="{3881C039-66A3-4640-815B-3B5A8B7D868D}" type="datetimeFigureOut">
               <a:rPr lang="en-US" smtClean="0"/>
-              <a:t>9/12/2019</a:t>
+              <a:t>9/17/2019</a:t>
             </a:fld>
             <a:endParaRPr lang="en-US"/>
           </a:p>
@@ -2579,7 +2579,7 @@
         </p:nvSpPr>
         <p:spPr>
           <a:xfrm>
-            <a:off x="5183188" y="987425"/>
+            <a:off x="5183188" y="987427"/>
             <a:ext cx="6172200" cy="4873625"/>
           </a:xfrm>
         </p:spPr>
@@ -2680,35 +2680,35 @@
               <a:buNone/>
               <a:defRPr sz="1600"/>
             </a:lvl1pPr>
-            <a:lvl2pPr marL="457200" indent="0">
+            <a:lvl2pPr marL="457189" indent="0">
               <a:buNone/>
               <a:defRPr sz="1400"/>
             </a:lvl2pPr>
-            <a:lvl3pPr marL="914400" indent="0">
+            <a:lvl3pPr marL="914377" indent="0">
               <a:buNone/>
               <a:defRPr sz="1200"/>
             </a:lvl3pPr>
-            <a:lvl4pPr marL="1371600" indent="0">
+            <a:lvl4pPr marL="1371566" indent="0">
               <a:buNone/>
               <a:defRPr sz="1000"/>
             </a:lvl4pPr>
-            <a:lvl5pPr marL="1828800" indent="0">
+            <a:lvl5pPr marL="1828754" indent="0">
               <a:buNone/>
               <a:defRPr sz="1000"/>
             </a:lvl5pPr>
-            <a:lvl6pPr marL="2286000" indent="0">
+            <a:lvl6pPr marL="2285943" indent="0">
               <a:buNone/>
               <a:defRPr sz="1000"/>
             </a:lvl6pPr>
-            <a:lvl7pPr marL="2743200" indent="0">
+            <a:lvl7pPr marL="2743131" indent="0">
               <a:buNone/>
               <a:defRPr sz="1000"/>
             </a:lvl7pPr>
-            <a:lvl8pPr marL="3200400" indent="0">
+            <a:lvl8pPr marL="3200320" indent="0">
               <a:buNone/>
               <a:defRPr sz="1000"/>
             </a:lvl8pPr>
-            <a:lvl9pPr marL="3657600" indent="0">
+            <a:lvl9pPr marL="3657509" indent="0">
               <a:buNone/>
               <a:defRPr sz="1000"/>
             </a:lvl9pPr>
@@ -2745,7 +2745,7 @@
           <a:p>
             <a:fld id="{3881C039-66A3-4640-815B-3B5A8B7D868D}" type="datetimeFigureOut">
               <a:rPr lang="en-US" smtClean="0"/>
-              <a:t>9/12/2019</a:t>
+              <a:t>9/17/2019</a:t>
             </a:fld>
             <a:endParaRPr lang="en-US"/>
           </a:p>
@@ -2890,7 +2890,7 @@
         </p:nvSpPr>
         <p:spPr>
           <a:xfrm>
-            <a:off x="5183188" y="987425"/>
+            <a:off x="5183188" y="987427"/>
             <a:ext cx="6172200" cy="4873625"/>
           </a:xfrm>
         </p:spPr>
@@ -2901,35 +2901,35 @@
               <a:buNone/>
               <a:defRPr sz="3200"/>
             </a:lvl1pPr>
-            <a:lvl2pPr marL="457200" indent="0">
+            <a:lvl2pPr marL="457189" indent="0">
               <a:buNone/>
               <a:defRPr sz="2800"/>
             </a:lvl2pPr>
-            <a:lvl3pPr marL="914400" indent="0">
+            <a:lvl3pPr marL="914377" indent="0">
               <a:buNone/>
               <a:defRPr sz="2400"/>
             </a:lvl3pPr>
-            <a:lvl4pPr marL="1371600" indent="0">
+            <a:lvl4pPr marL="1371566" indent="0">
               <a:buNone/>
               <a:defRPr sz="2000"/>
             </a:lvl4pPr>
-            <a:lvl5pPr marL="1828800" indent="0">
+            <a:lvl5pPr marL="1828754" indent="0">
               <a:buNone/>
               <a:defRPr sz="2000"/>
             </a:lvl5pPr>
-            <a:lvl6pPr marL="2286000" indent="0">
+            <a:lvl6pPr marL="2285943" indent="0">
               <a:buNone/>
               <a:defRPr sz="2000"/>
             </a:lvl6pPr>
-            <a:lvl7pPr marL="2743200" indent="0">
+            <a:lvl7pPr marL="2743131" indent="0">
               <a:buNone/>
               <a:defRPr sz="2000"/>
             </a:lvl7pPr>
-            <a:lvl8pPr marL="3200400" indent="0">
+            <a:lvl8pPr marL="3200320" indent="0">
               <a:buNone/>
               <a:defRPr sz="2000"/>
             </a:lvl8pPr>
-            <a:lvl9pPr marL="3657600" indent="0">
+            <a:lvl9pPr marL="3657509" indent="0">
               <a:buNone/>
               <a:defRPr sz="2000"/>
             </a:lvl9pPr>
@@ -2968,35 +2968,35 @@
               <a:buNone/>
               <a:defRPr sz="1600"/>
             </a:lvl1pPr>
-            <a:lvl2pPr marL="457200" indent="0">
+            <a:lvl2pPr marL="457189" indent="0">
               <a:buNone/>
               <a:defRPr sz="1400"/>
             </a:lvl2pPr>
-            <a:lvl3pPr marL="914400" indent="0">
+            <a:lvl3pPr marL="914377" indent="0">
               <a:buNone/>
               <a:defRPr sz="1200"/>
             </a:lvl3pPr>
-            <a:lvl4pPr marL="1371600" indent="0">
+            <a:lvl4pPr marL="1371566" indent="0">
               <a:buNone/>
               <a:defRPr sz="1000"/>
             </a:lvl4pPr>
-            <a:lvl5pPr marL="1828800" indent="0">
+            <a:lvl5pPr marL="1828754" indent="0">
               <a:buNone/>
               <a:defRPr sz="1000"/>
             </a:lvl5pPr>
-            <a:lvl6pPr marL="2286000" indent="0">
+            <a:lvl6pPr marL="2285943" indent="0">
               <a:buNone/>
               <a:defRPr sz="1000"/>
             </a:lvl6pPr>
-            <a:lvl7pPr marL="2743200" indent="0">
+            <a:lvl7pPr marL="2743131" indent="0">
               <a:buNone/>
               <a:defRPr sz="1000"/>
             </a:lvl7pPr>
-            <a:lvl8pPr marL="3200400" indent="0">
+            <a:lvl8pPr marL="3200320" indent="0">
               <a:buNone/>
               <a:defRPr sz="1000"/>
             </a:lvl8pPr>
-            <a:lvl9pPr marL="3657600" indent="0">
+            <a:lvl9pPr marL="3657509" indent="0">
               <a:buNone/>
               <a:defRPr sz="1000"/>
             </a:lvl9pPr>
@@ -3033,7 +3033,7 @@
           <a:p>
             <a:fld id="{3881C039-66A3-4640-815B-3B5A8B7D868D}" type="datetimeFigureOut">
               <a:rPr lang="en-US" smtClean="0"/>
-              <a:t>9/12/2019</a:t>
+              <a:t>9/17/2019</a:t>
             </a:fld>
             <a:endParaRPr lang="en-US"/>
           </a:p>
@@ -3149,7 +3149,7 @@
         </p:nvSpPr>
         <p:spPr>
           <a:xfrm>
-            <a:off x="838200" y="365125"/>
+            <a:off x="838200" y="365127"/>
             <a:ext cx="10515600" cy="1325563"/>
           </a:xfrm>
           <a:prstGeom prst="rect">
@@ -3254,7 +3254,7 @@
         </p:nvSpPr>
         <p:spPr>
           <a:xfrm>
-            <a:off x="838200" y="6356350"/>
+            <a:off x="838200" y="6356352"/>
             <a:ext cx="2743200" cy="365125"/>
           </a:xfrm>
           <a:prstGeom prst="rect">
@@ -3277,7 +3277,7 @@
           <a:p>
             <a:fld id="{3881C039-66A3-4640-815B-3B5A8B7D868D}" type="datetimeFigureOut">
               <a:rPr lang="en-US" smtClean="0"/>
-              <a:t>9/12/2019</a:t>
+              <a:t>9/17/2019</a:t>
             </a:fld>
             <a:endParaRPr lang="en-US"/>
           </a:p>
@@ -3301,7 +3301,7 @@
         </p:nvSpPr>
         <p:spPr>
           <a:xfrm>
-            <a:off x="4038600" y="6356350"/>
+            <a:off x="4038600" y="6356352"/>
             <a:ext cx="4114800" cy="365125"/>
           </a:xfrm>
           <a:prstGeom prst="rect">
@@ -3344,7 +3344,7 @@
         </p:nvSpPr>
         <p:spPr>
           <a:xfrm>
-            <a:off x="8610600" y="6356350"/>
+            <a:off x="8610600" y="6356352"/>
             <a:ext cx="2743200" cy="365125"/>
           </a:xfrm>
           <a:prstGeom prst="rect">
@@ -3396,7 +3396,7 @@
   </p:sldLayoutIdLst>
   <p:txStyles>
     <p:titleStyle>
-      <a:lvl1pPr algn="l" defTabSz="914400" rtl="0" eaLnBrk="1" latinLnBrk="0" hangingPunct="1">
+      <a:lvl1pPr algn="l" defTabSz="914377" rtl="0" eaLnBrk="1" latinLnBrk="0" hangingPunct="1">
         <a:lnSpc>
           <a:spcPct val="90000"/>
         </a:lnSpc>
@@ -3415,7 +3415,7 @@
       </a:lvl1pPr>
     </p:titleStyle>
     <p:bodyStyle>
-      <a:lvl1pPr marL="228600" indent="-228600" algn="l" defTabSz="914400" rtl="0" eaLnBrk="1" latinLnBrk="0" hangingPunct="1">
+      <a:lvl1pPr marL="228594" indent="-228594" algn="l" defTabSz="914377" rtl="0" eaLnBrk="1" latinLnBrk="0" hangingPunct="1">
         <a:lnSpc>
           <a:spcPct val="90000"/>
         </a:lnSpc>
@@ -3433,7 +3433,7 @@
           <a:cs typeface="+mn-cs"/>
         </a:defRPr>
       </a:lvl1pPr>
-      <a:lvl2pPr marL="685800" indent="-228600" algn="l" defTabSz="914400" rtl="0" eaLnBrk="1" latinLnBrk="0" hangingPunct="1">
+      <a:lvl2pPr marL="685783" indent="-228594" algn="l" defTabSz="914377" rtl="0" eaLnBrk="1" latinLnBrk="0" hangingPunct="1">
         <a:lnSpc>
           <a:spcPct val="90000"/>
         </a:lnSpc>
@@ -3451,7 +3451,7 @@
           <a:cs typeface="+mn-cs"/>
         </a:defRPr>
       </a:lvl2pPr>
-      <a:lvl3pPr marL="1143000" indent="-228600" algn="l" defTabSz="914400" rtl="0" eaLnBrk="1" latinLnBrk="0" hangingPunct="1">
+      <a:lvl3pPr marL="1142971" indent="-228594" algn="l" defTabSz="914377" rtl="0" eaLnBrk="1" latinLnBrk="0" hangingPunct="1">
         <a:lnSpc>
           <a:spcPct val="90000"/>
         </a:lnSpc>
@@ -3469,7 +3469,7 @@
           <a:cs typeface="+mn-cs"/>
         </a:defRPr>
       </a:lvl3pPr>
-      <a:lvl4pPr marL="1600200" indent="-228600" algn="l" defTabSz="914400" rtl="0" eaLnBrk="1" latinLnBrk="0" hangingPunct="1">
+      <a:lvl4pPr marL="1600160" indent="-228594" algn="l" defTabSz="914377" rtl="0" eaLnBrk="1" latinLnBrk="0" hangingPunct="1">
         <a:lnSpc>
           <a:spcPct val="90000"/>
         </a:lnSpc>
@@ -3487,7 +3487,7 @@
           <a:cs typeface="+mn-cs"/>
         </a:defRPr>
       </a:lvl4pPr>
-      <a:lvl5pPr marL="2057400" indent="-228600" algn="l" defTabSz="914400" rtl="0" eaLnBrk="1" latinLnBrk="0" hangingPunct="1">
+      <a:lvl5pPr marL="2057349" indent="-228594" algn="l" defTabSz="914377" rtl="0" eaLnBrk="1" latinLnBrk="0" hangingPunct="1">
         <a:lnSpc>
           <a:spcPct val="90000"/>
         </a:lnSpc>
@@ -3505,7 +3505,7 @@
           <a:cs typeface="+mn-cs"/>
         </a:defRPr>
       </a:lvl5pPr>
-      <a:lvl6pPr marL="2514600" indent="-228600" algn="l" defTabSz="914400" rtl="0" eaLnBrk="1" latinLnBrk="0" hangingPunct="1">
+      <a:lvl6pPr marL="2514537" indent="-228594" algn="l" defTabSz="914377" rtl="0" eaLnBrk="1" latinLnBrk="0" hangingPunct="1">
         <a:lnSpc>
           <a:spcPct val="90000"/>
         </a:lnSpc>
@@ -3523,7 +3523,7 @@
           <a:cs typeface="+mn-cs"/>
         </a:defRPr>
       </a:lvl6pPr>
-      <a:lvl7pPr marL="2971800" indent="-228600" algn="l" defTabSz="914400" rtl="0" eaLnBrk="1" latinLnBrk="0" hangingPunct="1">
+      <a:lvl7pPr marL="2971726" indent="-228594" algn="l" defTabSz="914377" rtl="0" eaLnBrk="1" latinLnBrk="0" hangingPunct="1">
         <a:lnSpc>
           <a:spcPct val="90000"/>
         </a:lnSpc>
@@ -3541,7 +3541,7 @@
           <a:cs typeface="+mn-cs"/>
         </a:defRPr>
       </a:lvl7pPr>
-      <a:lvl8pPr marL="3429000" indent="-228600" algn="l" defTabSz="914400" rtl="0" eaLnBrk="1" latinLnBrk="0" hangingPunct="1">
+      <a:lvl8pPr marL="3428914" indent="-228594" algn="l" defTabSz="914377" rtl="0" eaLnBrk="1" latinLnBrk="0" hangingPunct="1">
         <a:lnSpc>
           <a:spcPct val="90000"/>
         </a:lnSpc>
@@ -3559,7 +3559,7 @@
           <a:cs typeface="+mn-cs"/>
         </a:defRPr>
       </a:lvl8pPr>
-      <a:lvl9pPr marL="3886200" indent="-228600" algn="l" defTabSz="914400" rtl="0" eaLnBrk="1" latinLnBrk="0" hangingPunct="1">
+      <a:lvl9pPr marL="3886103" indent="-228594" algn="l" defTabSz="914377" rtl="0" eaLnBrk="1" latinLnBrk="0" hangingPunct="1">
         <a:lnSpc>
           <a:spcPct val="90000"/>
         </a:lnSpc>
@@ -3582,7 +3582,7 @@
       <a:defPPr>
         <a:defRPr lang="en-US"/>
       </a:defPPr>
-      <a:lvl1pPr marL="0" algn="l" defTabSz="914400" rtl="0" eaLnBrk="1" latinLnBrk="0" hangingPunct="1">
+      <a:lvl1pPr marL="0" algn="l" defTabSz="914377" rtl="0" eaLnBrk="1" latinLnBrk="0" hangingPunct="1">
         <a:defRPr sz="1800" kern="1200">
           <a:solidFill>
             <a:schemeClr val="tx1"/>
@@ -3592,7 +3592,7 @@
           <a:cs typeface="+mn-cs"/>
         </a:defRPr>
       </a:lvl1pPr>
-      <a:lvl2pPr marL="457200" algn="l" defTabSz="914400" rtl="0" eaLnBrk="1" latinLnBrk="0" hangingPunct="1">
+      <a:lvl2pPr marL="457189" algn="l" defTabSz="914377" rtl="0" eaLnBrk="1" latinLnBrk="0" hangingPunct="1">
         <a:defRPr sz="1800" kern="1200">
           <a:solidFill>
             <a:schemeClr val="tx1"/>
@@ -3602,7 +3602,7 @@
           <a:cs typeface="+mn-cs"/>
         </a:defRPr>
       </a:lvl2pPr>
-      <a:lvl3pPr marL="914400" algn="l" defTabSz="914400" rtl="0" eaLnBrk="1" latinLnBrk="0" hangingPunct="1">
+      <a:lvl3pPr marL="914377" algn="l" defTabSz="914377" rtl="0" eaLnBrk="1" latinLnBrk="0" hangingPunct="1">
         <a:defRPr sz="1800" kern="1200">
           <a:solidFill>
             <a:schemeClr val="tx1"/>
@@ -3612,7 +3612,7 @@
           <a:cs typeface="+mn-cs"/>
         </a:defRPr>
       </a:lvl3pPr>
-      <a:lvl4pPr marL="1371600" algn="l" defTabSz="914400" rtl="0" eaLnBrk="1" latinLnBrk="0" hangingPunct="1">
+      <a:lvl4pPr marL="1371566" algn="l" defTabSz="914377" rtl="0" eaLnBrk="1" latinLnBrk="0" hangingPunct="1">
         <a:defRPr sz="1800" kern="1200">
           <a:solidFill>
             <a:schemeClr val="tx1"/>
@@ -3622,7 +3622,7 @@
           <a:cs typeface="+mn-cs"/>
         </a:defRPr>
       </a:lvl4pPr>
-      <a:lvl5pPr marL="1828800" algn="l" defTabSz="914400" rtl="0" eaLnBrk="1" latinLnBrk="0" hangingPunct="1">
+      <a:lvl5pPr marL="1828754" algn="l" defTabSz="914377" rtl="0" eaLnBrk="1" latinLnBrk="0" hangingPunct="1">
         <a:defRPr sz="1800" kern="1200">
           <a:solidFill>
             <a:schemeClr val="tx1"/>
@@ -3632,7 +3632,7 @@
           <a:cs typeface="+mn-cs"/>
         </a:defRPr>
       </a:lvl5pPr>
-      <a:lvl6pPr marL="2286000" algn="l" defTabSz="914400" rtl="0" eaLnBrk="1" latinLnBrk="0" hangingPunct="1">
+      <a:lvl6pPr marL="2285943" algn="l" defTabSz="914377" rtl="0" eaLnBrk="1" latinLnBrk="0" hangingPunct="1">
         <a:defRPr sz="1800" kern="1200">
           <a:solidFill>
             <a:schemeClr val="tx1"/>
@@ -3642,7 +3642,7 @@
           <a:cs typeface="+mn-cs"/>
         </a:defRPr>
       </a:lvl6pPr>
-      <a:lvl7pPr marL="2743200" algn="l" defTabSz="914400" rtl="0" eaLnBrk="1" latinLnBrk="0" hangingPunct="1">
+      <a:lvl7pPr marL="2743131" algn="l" defTabSz="914377" rtl="0" eaLnBrk="1" latinLnBrk="0" hangingPunct="1">
         <a:defRPr sz="1800" kern="1200">
           <a:solidFill>
             <a:schemeClr val="tx1"/>
@@ -3652,7 +3652,7 @@
           <a:cs typeface="+mn-cs"/>
         </a:defRPr>
       </a:lvl7pPr>
-      <a:lvl8pPr marL="3200400" algn="l" defTabSz="914400" rtl="0" eaLnBrk="1" latinLnBrk="0" hangingPunct="1">
+      <a:lvl8pPr marL="3200320" algn="l" defTabSz="914377" rtl="0" eaLnBrk="1" latinLnBrk="0" hangingPunct="1">
         <a:defRPr sz="1800" kern="1200">
           <a:solidFill>
             <a:schemeClr val="tx1"/>
@@ -3662,7 +3662,7 @@
           <a:cs typeface="+mn-cs"/>
         </a:defRPr>
       </a:lvl8pPr>
-      <a:lvl9pPr marL="3657600" algn="l" defTabSz="914400" rtl="0" eaLnBrk="1" latinLnBrk="0" hangingPunct="1">
+      <a:lvl9pPr marL="3657509" algn="l" defTabSz="914377" rtl="0" eaLnBrk="1" latinLnBrk="0" hangingPunct="1">
         <a:defRPr sz="1800" kern="1200">
           <a:solidFill>
             <a:schemeClr val="tx1"/>
@@ -3769,7 +3769,7 @@
         </p:nvSpPr>
         <p:spPr>
           <a:xfrm>
-            <a:off x="4710658" y="839084"/>
+            <a:off x="4710659" y="839086"/>
             <a:ext cx="7572232" cy="930447"/>
           </a:xfrm>
         </p:spPr>
@@ -3809,7 +3809,7 @@
         </p:nvSpPr>
         <p:spPr>
           <a:xfrm>
-            <a:off x="4710658" y="6322060"/>
+            <a:off x="4710659" y="6322061"/>
             <a:ext cx="7572232" cy="420001"/>
           </a:xfrm>
         </p:spPr>
@@ -3894,7 +3894,7 @@
         </p:blipFill>
         <p:spPr>
           <a:xfrm>
-            <a:off x="7149546" y="2553610"/>
+            <a:off x="7149547" y="2553611"/>
             <a:ext cx="2684015" cy="2684015"/>
           </a:xfrm>
           <a:prstGeom prst="ellipse">
@@ -3940,8 +3940,8 @@
         </p:nvSpPr>
         <p:spPr>
           <a:xfrm rot="16200000">
-            <a:off x="1278981" y="3345872"/>
-            <a:ext cx="6858000" cy="166254"/>
+            <a:off x="1278981" y="3345873"/>
+            <a:ext cx="6858000" cy="166255"/>
           </a:xfrm>
           <a:prstGeom prst="rect">
             <a:avLst/>
@@ -4034,7 +4034,7 @@
         </p:nvSpPr>
         <p:spPr>
           <a:xfrm>
-            <a:off x="682906" y="-56668"/>
+            <a:off x="-2" y="-52157"/>
             <a:ext cx="12192000" cy="6910157"/>
           </a:xfrm>
           <a:prstGeom prst="rect">
@@ -4096,7 +4096,7 @@
         </p:blipFill>
         <p:spPr>
           <a:xfrm>
-            <a:off x="0" y="-52157"/>
+            <a:off x="2" y="-52156"/>
             <a:ext cx="2684015" cy="3969421"/>
           </a:xfrm>
           <a:prstGeom prst="rect">
@@ -4118,8 +4118,8 @@
         </p:nvSpPr>
         <p:spPr>
           <a:xfrm rot="16200000">
-            <a:off x="782431" y="1849427"/>
-            <a:ext cx="3969421" cy="166254"/>
+            <a:off x="782432" y="1849427"/>
+            <a:ext cx="3969421" cy="166255"/>
           </a:xfrm>
           <a:prstGeom prst="rect">
             <a:avLst/>
@@ -4234,7 +4234,7 @@
         </p:nvSpPr>
         <p:spPr>
           <a:xfrm>
-            <a:off x="3007491" y="137620"/>
+            <a:off x="3007491" y="137621"/>
             <a:ext cx="9341732" cy="1684867"/>
           </a:xfrm>
         </p:spPr>
@@ -4285,7 +4285,7 @@
         </p:blipFill>
         <p:spPr>
           <a:xfrm>
-            <a:off x="417789" y="4380288"/>
+            <a:off x="417790" y="4380290"/>
             <a:ext cx="2014687" cy="2014687"/>
           </a:xfrm>
           <a:prstGeom prst="ellipse">
@@ -4331,8 +4331,8 @@
         </p:nvSpPr>
         <p:spPr>
           <a:xfrm rot="10800000">
-            <a:off x="3007493" y="844062"/>
-            <a:ext cx="9027282" cy="137067"/>
+            <a:off x="3007493" y="844063"/>
+            <a:ext cx="9027283" cy="137067"/>
           </a:xfrm>
           <a:prstGeom prst="rect">
             <a:avLst/>
@@ -4387,8 +4387,8 @@
         </p:nvSpPr>
         <p:spPr>
           <a:xfrm>
-            <a:off x="3091280" y="1505396"/>
-            <a:ext cx="9698369" cy="4154984"/>
+            <a:off x="3091281" y="1505396"/>
+            <a:ext cx="9698369" cy="4462760"/>
           </a:xfrm>
           <a:prstGeom prst="rect">
             <a:avLst/>
@@ -4401,7 +4401,7 @@
           </a:bodyPr>
           <a:lstStyle/>
           <a:p>
-            <a:pPr marL="342900" indent="-342900">
+            <a:pPr marL="342891" indent="-342891">
               <a:buFont typeface="Arial" panose="020B0604020202020204" pitchFamily="34" charset="0"/>
               <a:buChar char="•"/>
             </a:pPr>
@@ -4416,7 +4416,7 @@
             </a:r>
           </a:p>
           <a:p>
-            <a:pPr marL="800100" lvl="1" indent="-342900">
+            <a:pPr marL="800080" lvl="1" indent="-342891">
               <a:buFont typeface="Arial" panose="020B0604020202020204" pitchFamily="34" charset="0"/>
               <a:buChar char="•"/>
             </a:pPr>
@@ -4431,7 +4431,7 @@
             </a:r>
           </a:p>
           <a:p>
-            <a:pPr marL="800100" lvl="1" indent="-342900">
+            <a:pPr marL="800080" lvl="1" indent="-342891">
               <a:buFont typeface="Arial" panose="020B0604020202020204" pitchFamily="34" charset="0"/>
               <a:buChar char="•"/>
             </a:pPr>
@@ -4446,7 +4446,7 @@
             </a:r>
           </a:p>
           <a:p>
-            <a:pPr marL="800100" lvl="1" indent="-342900">
+            <a:pPr marL="800080" lvl="1" indent="-342891">
               <a:buFont typeface="Arial" panose="020B0604020202020204" pitchFamily="34" charset="0"/>
               <a:buChar char="•"/>
             </a:pPr>
@@ -4461,7 +4461,7 @@
             </a:r>
           </a:p>
           <a:p>
-            <a:pPr marL="800100" lvl="1" indent="-342900">
+            <a:pPr marL="800080" lvl="1" indent="-342891">
               <a:buFont typeface="Arial" panose="020B0604020202020204" pitchFamily="34" charset="0"/>
               <a:buChar char="•"/>
             </a:pPr>
@@ -4476,7 +4476,7 @@
             </a:r>
           </a:p>
           <a:p>
-            <a:pPr marL="800100" lvl="1" indent="-342900">
+            <a:pPr marL="800080" lvl="1" indent="-342891">
               <a:buFont typeface="Arial" panose="020B0604020202020204" pitchFamily="34" charset="0"/>
               <a:buChar char="•"/>
             </a:pPr>
@@ -4491,7 +4491,7 @@
             </a:r>
           </a:p>
           <a:p>
-            <a:pPr marL="800100" lvl="1" indent="-342900">
+            <a:pPr marL="800080" lvl="1" indent="-342891">
               <a:buFont typeface="Arial" panose="020B0604020202020204" pitchFamily="34" charset="0"/>
               <a:buChar char="•"/>
             </a:pPr>
@@ -4506,7 +4506,7 @@
             </a:r>
           </a:p>
           <a:p>
-            <a:pPr marL="800100" lvl="1" indent="-342900">
+            <a:pPr marL="800080" lvl="1" indent="-342891">
               <a:buFont typeface="Arial" panose="020B0604020202020204" pitchFamily="34" charset="0"/>
               <a:buChar char="•"/>
             </a:pPr>
@@ -4521,7 +4521,7 @@
             </a:r>
           </a:p>
           <a:p>
-            <a:pPr marL="800100" lvl="1" indent="-342900">
+            <a:pPr marL="800080" lvl="1" indent="-342891">
               <a:buFont typeface="Arial" panose="020B0604020202020204" pitchFamily="34" charset="0"/>
               <a:buChar char="•"/>
             </a:pPr>
@@ -4532,11 +4532,23 @@
                 </a:solidFill>
                 <a:latin typeface="Selawik Semibold" panose="020B0702040204020203" pitchFamily="34" charset="0"/>
               </a:rPr>
-              <a:t>Based on Law of Conditional Expectations for Expected Runs After Steal</a:t>
-            </a:r>
-          </a:p>
-          <a:p>
-            <a:pPr marL="800100" lvl="1" indent="-342900">
+              <a:t>Based on Law of Conditional Expectations for </a:t>
+            </a:r>
+          </a:p>
+          <a:p>
+            <a:pPr marL="457189" lvl="1"/>
+            <a:r>
+              <a:rPr lang="en-US" sz="2000" dirty="0">
+                <a:solidFill>
+                  <a:schemeClr val="bg1"/>
+                </a:solidFill>
+                <a:latin typeface="Selawik Semibold" panose="020B0702040204020203" pitchFamily="34" charset="0"/>
+              </a:rPr>
+              <a:t>     Expected Runs After Steal</a:t>
+            </a:r>
+          </a:p>
+          <a:p>
+            <a:pPr marL="800080" lvl="1" indent="-342891">
               <a:buFont typeface="Arial" panose="020B0604020202020204" pitchFamily="34" charset="0"/>
               <a:buChar char="•"/>
             </a:pPr>
@@ -4548,7 +4560,7 @@
             </a:endParaRPr>
           </a:p>
           <a:p>
-            <a:pPr marL="800100" lvl="1" indent="-342900">
+            <a:pPr marL="800080" lvl="1" indent="-342891">
               <a:buFont typeface="Arial" panose="020B0604020202020204" pitchFamily="34" charset="0"/>
               <a:buChar char="•"/>
             </a:pPr>
@@ -4560,7 +4572,7 @@
             </a:endParaRPr>
           </a:p>
           <a:p>
-            <a:pPr marL="800100" lvl="1" indent="-342900">
+            <a:pPr marL="800080" lvl="1" indent="-342891">
               <a:buFont typeface="Arial" panose="020B0604020202020204" pitchFamily="34" charset="0"/>
               <a:buChar char="•"/>
             </a:pPr>
@@ -4575,7 +4587,7 @@
             </a:r>
           </a:p>
           <a:p>
-            <a:pPr marL="800100" lvl="1" indent="-342900">
+            <a:pPr marL="800080" lvl="1" indent="-342891">
               <a:buFont typeface="Arial" panose="020B0604020202020204" pitchFamily="34" charset="0"/>
               <a:buChar char="•"/>
             </a:pPr>
@@ -4588,8 +4600,8 @@
           </a:p>
         </p:txBody>
       </p:sp>
-      <mc:AlternateContent xmlns:mc="http://schemas.openxmlformats.org/markup-compatibility/2006">
-        <mc:Choice xmlns:a14="http://schemas.microsoft.com/office/drawing/2010/main" Requires="a14">
+      <mc:AlternateContent xmlns:mc="http://schemas.openxmlformats.org/markup-compatibility/2006" xmlns:a14="http://schemas.microsoft.com/office/drawing/2010/main">
+        <mc:Choice Requires="a14">
           <p:sp>
             <p:nvSpPr>
               <p:cNvPr id="20" name="Rectangle 19">
@@ -4604,7 +4616,7 @@
             </p:nvSpPr>
             <p:spPr>
               <a:xfrm>
-                <a:off x="3832416" y="4496035"/>
+                <a:off x="3832417" y="4675280"/>
                 <a:ext cx="4108048" cy="400110"/>
               </a:xfrm>
               <a:prstGeom prst="rect">
@@ -4625,7 +4637,7 @@
                     </m:oMathParaPr>
                     <m:oMath xmlns:m="http://schemas.openxmlformats.org/officeDocument/2006/math">
                       <m:r>
-                        <a:rPr lang="en-US" sz="2000" b="1" i="1" smtClean="0">
+                        <a:rPr lang="en-US" sz="2000" b="1" i="1">
                           <a:solidFill>
                             <a:schemeClr val="bg1"/>
                           </a:solidFill>
@@ -4638,7 +4650,7 @@
                           <m:begChr m:val="["/>
                           <m:endChr m:val="]"/>
                           <m:ctrlPr>
-                            <a:rPr lang="en-US" sz="2000" b="1" i="1" smtClean="0">
+                            <a:rPr lang="en-US" sz="2000" b="1" i="1">
                               <a:solidFill>
                                 <a:schemeClr val="bg1"/>
                               </a:solidFill>
@@ -4648,7 +4660,7 @@
                         </m:dPr>
                         <m:e>
                           <m:r>
-                            <a:rPr lang="en-US" sz="2000" b="1" i="1" smtClean="0">
+                            <a:rPr lang="en-US" sz="2000" b="1" i="1">
                               <a:solidFill>
                                 <a:schemeClr val="bg1"/>
                               </a:solidFill>
@@ -4659,7 +4671,7 @@
                         </m:e>
                       </m:d>
                       <m:r>
-                        <a:rPr lang="en-US" sz="2000" b="1" i="1" smtClean="0">
+                        <a:rPr lang="en-US" sz="2000" b="1" i="1">
                           <a:solidFill>
                             <a:schemeClr val="bg1"/>
                           </a:solidFill>
@@ -4668,7 +4680,7 @@
                         <m:t>=</m:t>
                       </m:r>
                       <m:r>
-                        <a:rPr lang="en-US" sz="2000" b="1" i="1" smtClean="0">
+                        <a:rPr lang="en-US" sz="2000" b="1" i="1">
                           <a:solidFill>
                             <a:schemeClr val="bg1"/>
                           </a:solidFill>
@@ -4677,7 +4689,7 @@
                         <m:t>𝒑</m:t>
                       </m:r>
                       <m:r>
-                        <a:rPr lang="en-US" sz="2000" b="1" i="1" smtClean="0">
+                        <a:rPr lang="en-US" sz="2000" b="1" i="1">
                           <a:solidFill>
                             <a:schemeClr val="bg1"/>
                           </a:solidFill>
@@ -4686,7 +4698,7 @@
                         <m:t>×</m:t>
                       </m:r>
                       <m:r>
-                        <a:rPr lang="en-US" sz="2000" b="1" i="1" smtClean="0">
+                        <a:rPr lang="en-US" sz="2000" b="1" i="1">
                           <a:solidFill>
                             <a:schemeClr val="bg1"/>
                           </a:solidFill>
@@ -4695,7 +4707,7 @@
                         <m:t>𝟏</m:t>
                       </m:r>
                       <m:r>
-                        <a:rPr lang="en-US" sz="2000" b="1" i="1" smtClean="0">
+                        <a:rPr lang="en-US" sz="2000" b="1" i="1">
                           <a:solidFill>
                             <a:schemeClr val="bg1"/>
                           </a:solidFill>
@@ -4704,7 +4716,7 @@
                         <m:t>.</m:t>
                       </m:r>
                       <m:r>
-                        <a:rPr lang="en-US" sz="2000" b="1" i="1" smtClean="0">
+                        <a:rPr lang="en-US" sz="2000" b="1" i="1">
                           <a:solidFill>
                             <a:schemeClr val="bg1"/>
                           </a:solidFill>
@@ -4713,7 +4725,7 @@
                         <m:t>𝟏𝟕</m:t>
                       </m:r>
                       <m:r>
-                        <a:rPr lang="en-US" sz="2000" b="1" i="1" smtClean="0">
+                        <a:rPr lang="en-US" sz="2000" b="1" i="1">
                           <a:solidFill>
                             <a:schemeClr val="bg1"/>
                           </a:solidFill>
@@ -4724,7 +4736,7 @@
                       <m:d>
                         <m:dPr>
                           <m:ctrlPr>
-                            <a:rPr lang="en-US" sz="2000" b="1" i="1" smtClean="0">
+                            <a:rPr lang="en-US" sz="2000" b="1" i="1">
                               <a:solidFill>
                                 <a:schemeClr val="bg1"/>
                               </a:solidFill>
@@ -4734,7 +4746,7 @@
                         </m:dPr>
                         <m:e>
                           <m:r>
-                            <a:rPr lang="en-US" sz="2000" b="1" i="1" smtClean="0">
+                            <a:rPr lang="en-US" sz="2000" b="1" i="1">
                               <a:solidFill>
                                 <a:schemeClr val="bg1"/>
                               </a:solidFill>
@@ -4743,7 +4755,7 @@
                             <m:t>𝟏</m:t>
                           </m:r>
                           <m:r>
-                            <a:rPr lang="en-US" sz="2000" b="1" i="1" smtClean="0">
+                            <a:rPr lang="en-US" sz="2000" b="1" i="1">
                               <a:solidFill>
                                 <a:schemeClr val="bg1"/>
                               </a:solidFill>
@@ -4752,7 +4764,7 @@
                             <m:t>−</m:t>
                           </m:r>
                           <m:r>
-                            <a:rPr lang="en-US" sz="2000" b="1" i="1" smtClean="0">
+                            <a:rPr lang="en-US" sz="2000" b="1" i="1">
                               <a:solidFill>
                                 <a:schemeClr val="bg1"/>
                               </a:solidFill>
@@ -4763,7 +4775,7 @@
                         </m:e>
                       </m:d>
                       <m:r>
-                        <a:rPr lang="en-US" sz="2000" b="1" i="1" smtClean="0">
+                        <a:rPr lang="en-US" sz="2000" b="1" i="1">
                           <a:solidFill>
                             <a:schemeClr val="bg1"/>
                           </a:solidFill>
@@ -4772,7 +4784,7 @@
                         <m:t>×</m:t>
                       </m:r>
                       <m:r>
-                        <a:rPr lang="en-US" sz="2000" b="1" i="1" smtClean="0">
+                        <a:rPr lang="en-US" sz="2000" b="1" i="1">
                           <a:solidFill>
                             <a:schemeClr val="bg1"/>
                           </a:solidFill>
@@ -4781,7 +4793,7 @@
                         <m:t>𝟎</m:t>
                       </m:r>
                       <m:r>
-                        <a:rPr lang="en-US" sz="2000" b="1" i="1" smtClean="0">
+                        <a:rPr lang="en-US" sz="2000" b="1" i="1">
                           <a:solidFill>
                             <a:schemeClr val="bg1"/>
                           </a:solidFill>
@@ -4790,7 +4802,7 @@
                         <m:t>.</m:t>
                       </m:r>
                       <m:r>
-                        <a:rPr lang="en-US" sz="2000" b="1" i="1" smtClean="0">
+                        <a:rPr lang="en-US" sz="2000" b="1" i="1">
                           <a:solidFill>
                             <a:schemeClr val="bg1"/>
                           </a:solidFill>
@@ -4810,7 +4822,7 @@
             </p:txBody>
           </p:sp>
         </mc:Choice>
-        <mc:Fallback>
+        <mc:Fallback xmlns="">
           <p:sp>
             <p:nvSpPr>
               <p:cNvPr id="20" name="Rectangle 19">
@@ -4827,7 +4839,7 @@
             </p:nvSpPr>
             <p:spPr>
               <a:xfrm>
-                <a:off x="3832416" y="4496035"/>
+                <a:off x="3832417" y="4675280"/>
                 <a:ext cx="4108048" cy="400110"/>
               </a:xfrm>
               <a:prstGeom prst="rect">
@@ -4836,7 +4848,7 @@
               <a:blipFill>
                 <a:blip r:embed="rId4"/>
                 <a:stretch>
-                  <a:fillRect b="-9231"/>
+                  <a:fillRect b="-7576"/>
                 </a:stretch>
               </a:blipFill>
             </p:spPr>
@@ -4855,8 +4867,8 @@
           </p:sp>
         </mc:Fallback>
       </mc:AlternateContent>
-      <mc:AlternateContent xmlns:mc="http://schemas.openxmlformats.org/markup-compatibility/2006">
-        <mc:Choice xmlns:a14="http://schemas.microsoft.com/office/drawing/2010/main" Requires="a14">
+      <mc:AlternateContent xmlns:mc="http://schemas.openxmlformats.org/markup-compatibility/2006" xmlns:a14="http://schemas.microsoft.com/office/drawing/2010/main">
+        <mc:Choice Requires="a14">
           <p:sp>
             <p:nvSpPr>
               <p:cNvPr id="21" name="Rectangle 20">
@@ -4871,7 +4883,7 @@
             </p:nvSpPr>
             <p:spPr>
               <a:xfrm>
-                <a:off x="3865407" y="5329303"/>
+                <a:off x="3898537" y="5576601"/>
                 <a:ext cx="4139595" cy="1015663"/>
               </a:xfrm>
               <a:prstGeom prst="rect">
@@ -4892,7 +4904,7 @@
                     </m:oMathParaPr>
                     <m:oMath xmlns:m="http://schemas.openxmlformats.org/officeDocument/2006/math">
                       <m:r>
-                        <a:rPr lang="en-US" sz="2000" b="1" i="1" smtClean="0">
+                        <a:rPr lang="en-US" sz="2000" b="1" i="1">
                           <a:solidFill>
                             <a:schemeClr val="bg1"/>
                           </a:solidFill>
@@ -4901,7 +4913,7 @@
                         <m:t>𝒑</m:t>
                       </m:r>
                       <m:r>
-                        <a:rPr lang="en-US" sz="2000" b="1" i="1" smtClean="0">
+                        <a:rPr lang="en-US" sz="2000" b="1" i="1">
                           <a:solidFill>
                             <a:schemeClr val="bg1"/>
                           </a:solidFill>
@@ -4910,7 +4922,7 @@
                         <m:t>×</m:t>
                       </m:r>
                       <m:r>
-                        <a:rPr lang="en-US" sz="2000" b="1" i="1" smtClean="0">
+                        <a:rPr lang="en-US" sz="2000" b="1" i="1">
                           <a:solidFill>
                             <a:schemeClr val="bg1"/>
                           </a:solidFill>
@@ -4919,7 +4931,7 @@
                         <m:t>𝟏</m:t>
                       </m:r>
                       <m:r>
-                        <a:rPr lang="en-US" sz="2000" b="1" i="1" smtClean="0">
+                        <a:rPr lang="en-US" sz="2000" b="1" i="1">
                           <a:solidFill>
                             <a:schemeClr val="bg1"/>
                           </a:solidFill>
@@ -4928,7 +4940,7 @@
                         <m:t>.</m:t>
                       </m:r>
                       <m:r>
-                        <a:rPr lang="en-US" sz="2000" b="1" i="1" smtClean="0">
+                        <a:rPr lang="en-US" sz="2000" b="1" i="1">
                           <a:solidFill>
                             <a:schemeClr val="bg1"/>
                           </a:solidFill>
@@ -4937,7 +4949,7 @@
                         <m:t>𝟏𝟕</m:t>
                       </m:r>
                       <m:r>
-                        <a:rPr lang="en-US" sz="2000" b="1" i="1" smtClean="0">
+                        <a:rPr lang="en-US" sz="2000" b="1" i="1">
                           <a:solidFill>
                             <a:schemeClr val="bg1"/>
                           </a:solidFill>
@@ -4948,7 +4960,7 @@
                       <m:d>
                         <m:dPr>
                           <m:ctrlPr>
-                            <a:rPr lang="en-US" sz="2000" b="1" i="1" smtClean="0">
+                            <a:rPr lang="en-US" sz="2000" b="1" i="1">
                               <a:solidFill>
                                 <a:schemeClr val="bg1"/>
                               </a:solidFill>
@@ -4958,7 +4970,7 @@
                         </m:dPr>
                         <m:e>
                           <m:r>
-                            <a:rPr lang="en-US" sz="2000" b="1" i="1" smtClean="0">
+                            <a:rPr lang="en-US" sz="2000" b="1" i="1">
                               <a:solidFill>
                                 <a:schemeClr val="bg1"/>
                               </a:solidFill>
@@ -4967,7 +4979,7 @@
                             <m:t>𝟏</m:t>
                           </m:r>
                           <m:r>
-                            <a:rPr lang="en-US" sz="2000" b="1" i="1" smtClean="0">
+                            <a:rPr lang="en-US" sz="2000" b="1" i="1">
                               <a:solidFill>
                                 <a:schemeClr val="bg1"/>
                               </a:solidFill>
@@ -4976,7 +4988,7 @@
                             <m:t>−</m:t>
                           </m:r>
                           <m:r>
-                            <a:rPr lang="en-US" sz="2000" b="1" i="1" smtClean="0">
+                            <a:rPr lang="en-US" sz="2000" b="1" i="1">
                               <a:solidFill>
                                 <a:schemeClr val="bg1"/>
                               </a:solidFill>
@@ -4987,7 +4999,7 @@
                         </m:e>
                       </m:d>
                       <m:r>
-                        <a:rPr lang="en-US" sz="2000" b="1" i="1" smtClean="0">
+                        <a:rPr lang="en-US" sz="2000" b="1" i="1">
                           <a:solidFill>
                             <a:schemeClr val="bg1"/>
                           </a:solidFill>
@@ -4996,7 +5008,7 @@
                         <m:t>×</m:t>
                       </m:r>
                       <m:r>
-                        <a:rPr lang="en-US" sz="2000" b="1" i="1" smtClean="0">
+                        <a:rPr lang="en-US" sz="2000" b="1" i="1">
                           <a:solidFill>
                             <a:schemeClr val="bg1"/>
                           </a:solidFill>
@@ -5005,7 +5017,7 @@
                         <m:t>𝟎</m:t>
                       </m:r>
                       <m:r>
-                        <a:rPr lang="en-US" sz="2000" b="1" i="1" smtClean="0">
+                        <a:rPr lang="en-US" sz="2000" b="1" i="1">
                           <a:solidFill>
                             <a:schemeClr val="bg1"/>
                           </a:solidFill>
@@ -5014,7 +5026,7 @@
                         <m:t>.</m:t>
                       </m:r>
                       <m:r>
-                        <a:rPr lang="en-US" sz="2000" b="1" i="1" smtClean="0">
+                        <a:rPr lang="en-US" sz="2000" b="1" i="1">
                           <a:solidFill>
                             <a:schemeClr val="bg1"/>
                           </a:solidFill>
@@ -5023,7 +5035,7 @@
                         <m:t>𝟐𝟗</m:t>
                       </m:r>
                       <m:r>
-                        <a:rPr lang="en-US" sz="2000" b="1" i="1" smtClean="0">
+                        <a:rPr lang="en-US" sz="2000" b="1" i="1">
                           <a:solidFill>
                             <a:schemeClr val="bg1"/>
                           </a:solidFill>
@@ -5032,7 +5044,7 @@
                         <m:t>&gt;</m:t>
                       </m:r>
                       <m:r>
-                        <a:rPr lang="en-US" sz="2000" b="1" i="1" smtClean="0">
+                        <a:rPr lang="en-US" sz="2000" b="1" i="1">
                           <a:solidFill>
                             <a:schemeClr val="bg1"/>
                           </a:solidFill>
@@ -5041,7 +5053,7 @@
                         <m:t>𝟎</m:t>
                       </m:r>
                       <m:r>
-                        <a:rPr lang="en-US" sz="2000" b="1" i="1" smtClean="0">
+                        <a:rPr lang="en-US" sz="2000" b="1" i="1">
                           <a:solidFill>
                             <a:schemeClr val="bg1"/>
                           </a:solidFill>
@@ -5050,7 +5062,7 @@
                         <m:t>.</m:t>
                       </m:r>
                       <m:r>
-                        <a:rPr lang="en-US" sz="2000" b="1" i="1" smtClean="0">
+                        <a:rPr lang="en-US" sz="2000" b="1" i="1">
                           <a:solidFill>
                             <a:schemeClr val="bg1"/>
                           </a:solidFill>
@@ -5076,7 +5088,7 @@
                     </m:oMathParaPr>
                     <m:oMath xmlns:m="http://schemas.openxmlformats.org/officeDocument/2006/math">
                       <m:r>
-                        <a:rPr lang="en-US" sz="2000" b="1" i="1" smtClean="0">
+                        <a:rPr lang="en-US" sz="2000" b="1" i="1">
                           <a:solidFill>
                             <a:schemeClr val="bg1"/>
                           </a:solidFill>
@@ -5085,7 +5097,7 @@
                         <m:t>𝟏</m:t>
                       </m:r>
                       <m:r>
-                        <a:rPr lang="en-US" sz="2000" b="1" i="1" smtClean="0">
+                        <a:rPr lang="en-US" sz="2000" b="1" i="1">
                           <a:solidFill>
                             <a:schemeClr val="bg1"/>
                           </a:solidFill>
@@ -5094,7 +5106,7 @@
                         <m:t>.</m:t>
                       </m:r>
                       <m:r>
-                        <a:rPr lang="en-US" sz="2000" b="1" i="1" smtClean="0">
+                        <a:rPr lang="en-US" sz="2000" b="1" i="1">
                           <a:solidFill>
                             <a:schemeClr val="bg1"/>
                           </a:solidFill>
@@ -5103,7 +5115,7 @@
                         <m:t>𝟏𝟕</m:t>
                       </m:r>
                       <m:r>
-                        <a:rPr lang="en-US" sz="2000" b="1" i="1" smtClean="0">
+                        <a:rPr lang="en-US" sz="2000" b="1" i="1">
                           <a:solidFill>
                             <a:schemeClr val="bg1"/>
                           </a:solidFill>
@@ -5112,7 +5124,7 @@
                         <m:t>𝒑</m:t>
                       </m:r>
                       <m:r>
-                        <a:rPr lang="en-US" sz="2000" b="1" i="1" smtClean="0">
+                        <a:rPr lang="en-US" sz="2000" b="1" i="1">
                           <a:solidFill>
                             <a:schemeClr val="bg1"/>
                           </a:solidFill>
@@ -5121,7 +5133,7 @@
                         <m:t>+</m:t>
                       </m:r>
                       <m:r>
-                        <a:rPr lang="en-US" sz="2000" b="1" i="1" smtClean="0">
+                        <a:rPr lang="en-US" sz="2000" b="1" i="1">
                           <a:solidFill>
                             <a:schemeClr val="bg1"/>
                           </a:solidFill>
@@ -5130,7 +5142,7 @@
                         <m:t>𝟎</m:t>
                       </m:r>
                       <m:r>
-                        <a:rPr lang="en-US" sz="2000" b="1" i="1" smtClean="0">
+                        <a:rPr lang="en-US" sz="2000" b="1" i="1">
                           <a:solidFill>
                             <a:schemeClr val="bg1"/>
                           </a:solidFill>
@@ -5139,7 +5151,7 @@
                         <m:t>.</m:t>
                       </m:r>
                       <m:r>
-                        <a:rPr lang="en-US" sz="2000" b="1" i="1" smtClean="0">
+                        <a:rPr lang="en-US" sz="2000" b="1" i="1">
                           <a:solidFill>
                             <a:schemeClr val="bg1"/>
                           </a:solidFill>
@@ -5148,7 +5160,7 @@
                         <m:t>𝟐𝟗</m:t>
                       </m:r>
                       <m:r>
-                        <a:rPr lang="en-US" sz="2000" b="1" i="1" smtClean="0">
+                        <a:rPr lang="en-US" sz="2000" b="1" i="1">
                           <a:solidFill>
                             <a:schemeClr val="bg1"/>
                           </a:solidFill>
@@ -5157,7 +5169,7 @@
                         <m:t>−</m:t>
                       </m:r>
                       <m:r>
-                        <a:rPr lang="en-US" sz="2000" b="1" i="1" smtClean="0">
+                        <a:rPr lang="en-US" sz="2000" b="1" i="1">
                           <a:solidFill>
                             <a:schemeClr val="bg1"/>
                           </a:solidFill>
@@ -5166,7 +5178,7 @@
                         <m:t>𝟎</m:t>
                       </m:r>
                       <m:r>
-                        <a:rPr lang="en-US" sz="2000" b="1" i="1" smtClean="0">
+                        <a:rPr lang="en-US" sz="2000" b="1" i="1">
                           <a:solidFill>
                             <a:schemeClr val="bg1"/>
                           </a:solidFill>
@@ -5175,7 +5187,7 @@
                         <m:t>.</m:t>
                       </m:r>
                       <m:r>
-                        <a:rPr lang="en-US" sz="2000" b="1" i="1" smtClean="0">
+                        <a:rPr lang="en-US" sz="2000" b="1" i="1">
                           <a:solidFill>
                             <a:schemeClr val="bg1"/>
                           </a:solidFill>
@@ -5184,7 +5196,7 @@
                         <m:t>𝟐𝟗</m:t>
                       </m:r>
                       <m:r>
-                        <a:rPr lang="en-US" sz="2000" b="1" i="1" smtClean="0">
+                        <a:rPr lang="en-US" sz="2000" b="1" i="1">
                           <a:solidFill>
                             <a:schemeClr val="bg1"/>
                           </a:solidFill>
@@ -5193,7 +5205,7 @@
                         <m:t>𝒑</m:t>
                       </m:r>
                       <m:r>
-                        <a:rPr lang="en-US" sz="2000" b="1" i="1" smtClean="0">
+                        <a:rPr lang="en-US" sz="2000" b="1" i="1">
                           <a:solidFill>
                             <a:schemeClr val="bg1"/>
                           </a:solidFill>
@@ -5202,7 +5214,7 @@
                         <m:t>&gt;</m:t>
                       </m:r>
                       <m:r>
-                        <a:rPr lang="en-US" sz="2000" b="1" i="1" smtClean="0">
+                        <a:rPr lang="en-US" sz="2000" b="1" i="1">
                           <a:solidFill>
                             <a:schemeClr val="bg1"/>
                           </a:solidFill>
@@ -5211,7 +5223,7 @@
                         <m:t>𝟎</m:t>
                       </m:r>
                       <m:r>
-                        <a:rPr lang="en-US" sz="2000" b="1" i="1" smtClean="0">
+                        <a:rPr lang="en-US" sz="2000" b="1" i="1">
                           <a:solidFill>
                             <a:schemeClr val="bg1"/>
                           </a:solidFill>
@@ -5220,7 +5232,7 @@
                         <m:t>.</m:t>
                       </m:r>
                       <m:r>
-                        <a:rPr lang="en-US" sz="2000" b="1" i="1" smtClean="0">
+                        <a:rPr lang="en-US" sz="2000" b="1" i="1">
                           <a:solidFill>
                             <a:schemeClr val="bg1"/>
                           </a:solidFill>
@@ -5246,7 +5258,7 @@
                     </m:oMathParaPr>
                     <m:oMath xmlns:m="http://schemas.openxmlformats.org/officeDocument/2006/math">
                       <m:r>
-                        <a:rPr lang="en-US" sz="2000" b="1" i="1" smtClean="0">
+                        <a:rPr lang="en-US" sz="2000" b="1" i="1">
                           <a:solidFill>
                             <a:schemeClr val="bg1"/>
                           </a:solidFill>
@@ -5255,7 +5267,7 @@
                         <m:t>𝟎</m:t>
                       </m:r>
                       <m:r>
-                        <a:rPr lang="en-US" sz="2000" b="1" i="1" smtClean="0">
+                        <a:rPr lang="en-US" sz="2000" b="1" i="1">
                           <a:solidFill>
                             <a:schemeClr val="bg1"/>
                           </a:solidFill>
@@ -5264,7 +5276,7 @@
                         <m:t>.</m:t>
                       </m:r>
                       <m:r>
-                        <a:rPr lang="en-US" sz="2000" b="1" i="1" smtClean="0">
+                        <a:rPr lang="en-US" sz="2000" b="1" i="1">
                           <a:solidFill>
                             <a:schemeClr val="bg1"/>
                           </a:solidFill>
@@ -5273,7 +5285,7 @@
                         <m:t>𝟖𝟖</m:t>
                       </m:r>
                       <m:r>
-                        <a:rPr lang="en-US" sz="2000" b="1" i="1" smtClean="0">
+                        <a:rPr lang="en-US" sz="2000" b="1" i="1">
                           <a:solidFill>
                             <a:schemeClr val="bg1"/>
                           </a:solidFill>
@@ -5282,7 +5294,7 @@
                         <m:t>𝒑</m:t>
                       </m:r>
                       <m:r>
-                        <a:rPr lang="en-US" sz="2000" b="1" i="1" smtClean="0">
+                        <a:rPr lang="en-US" sz="2000" b="1" i="1">
                           <a:solidFill>
                             <a:schemeClr val="bg1"/>
                           </a:solidFill>
@@ -5291,7 +5303,7 @@
                         <m:t>+</m:t>
                       </m:r>
                       <m:r>
-                        <a:rPr lang="en-US" sz="2000" b="1" i="1" smtClean="0">
+                        <a:rPr lang="en-US" sz="2000" b="1" i="1">
                           <a:solidFill>
                             <a:schemeClr val="bg1"/>
                           </a:solidFill>
@@ -5300,7 +5312,7 @@
                         <m:t>𝟎</m:t>
                       </m:r>
                       <m:r>
-                        <a:rPr lang="en-US" sz="2000" b="1" i="1" smtClean="0">
+                        <a:rPr lang="en-US" sz="2000" b="1" i="1">
                           <a:solidFill>
                             <a:schemeClr val="bg1"/>
                           </a:solidFill>
@@ -5309,7 +5321,7 @@
                         <m:t>.</m:t>
                       </m:r>
                       <m:r>
-                        <a:rPr lang="en-US" sz="2000" b="1" i="1" smtClean="0">
+                        <a:rPr lang="en-US" sz="2000" b="1" i="1">
                           <a:solidFill>
                             <a:schemeClr val="bg1"/>
                           </a:solidFill>
@@ -5318,7 +5330,7 @@
                         <m:t>𝟐𝟗</m:t>
                       </m:r>
                       <m:r>
-                        <a:rPr lang="en-US" sz="2000" b="1" i="1" smtClean="0">
+                        <a:rPr lang="en-US" sz="2000" b="1" i="1">
                           <a:solidFill>
                             <a:schemeClr val="bg1"/>
                           </a:solidFill>
@@ -5327,7 +5339,7 @@
                         <m:t>&gt;</m:t>
                       </m:r>
                       <m:r>
-                        <a:rPr lang="en-US" sz="2000" b="1" i="1" smtClean="0">
+                        <a:rPr lang="en-US" sz="2000" b="1" i="1">
                           <a:solidFill>
                             <a:schemeClr val="bg1"/>
                           </a:solidFill>
@@ -5336,7 +5348,7 @@
                         <m:t>𝟎</m:t>
                       </m:r>
                       <m:r>
-                        <a:rPr lang="en-US" sz="2000" b="1" i="1" smtClean="0">
+                        <a:rPr lang="en-US" sz="2000" b="1" i="1">
                           <a:solidFill>
                             <a:schemeClr val="bg1"/>
                           </a:solidFill>
@@ -5345,7 +5357,7 @@
                         <m:t>.</m:t>
                       </m:r>
                       <m:r>
-                        <a:rPr lang="en-US" sz="2000" b="1" i="1" smtClean="0">
+                        <a:rPr lang="en-US" sz="2000" b="1" i="1">
                           <a:solidFill>
                             <a:schemeClr val="bg1"/>
                           </a:solidFill>
@@ -5365,7 +5377,7 @@
             </p:txBody>
           </p:sp>
         </mc:Choice>
-        <mc:Fallback>
+        <mc:Fallback xmlns="">
           <p:sp>
             <p:nvSpPr>
               <p:cNvPr id="21" name="Rectangle 20">
@@ -5382,7 +5394,7 @@
             </p:nvSpPr>
             <p:spPr>
               <a:xfrm>
-                <a:off x="3865407" y="5329303"/>
+                <a:off x="3898537" y="5576601"/>
                 <a:ext cx="4139595" cy="1015663"/>
               </a:xfrm>
               <a:prstGeom prst="rect">
@@ -5391,7 +5403,7 @@
               <a:blipFill>
                 <a:blip r:embed="rId5"/>
                 <a:stretch>
-                  <a:fillRect b="-4790"/>
+                  <a:fillRect b="-4819"/>
                 </a:stretch>
               </a:blipFill>
             </p:spPr>
@@ -5410,8 +5422,8 @@
           </p:sp>
         </mc:Fallback>
       </mc:AlternateContent>
-      <mc:AlternateContent xmlns:mc="http://schemas.openxmlformats.org/markup-compatibility/2006">
-        <mc:Choice xmlns:a14="http://schemas.microsoft.com/office/drawing/2010/main" Requires="a14">
+      <mc:AlternateContent xmlns:mc="http://schemas.openxmlformats.org/markup-compatibility/2006" xmlns:a14="http://schemas.microsoft.com/office/drawing/2010/main">
+        <mc:Choice Requires="a14">
           <p:sp>
             <p:nvSpPr>
               <p:cNvPr id="7" name="Rectangle 6">
@@ -5426,7 +5438,7 @@
             </p:nvSpPr>
             <p:spPr>
               <a:xfrm>
-                <a:off x="8527182" y="5501817"/>
+                <a:off x="8528718" y="5684127"/>
                 <a:ext cx="3276731" cy="670633"/>
               </a:xfrm>
               <a:prstGeom prst="rect">
@@ -5447,7 +5459,7 @@
                     </m:oMathParaPr>
                     <m:oMath xmlns:m="http://schemas.openxmlformats.org/officeDocument/2006/math">
                       <m:r>
-                        <a:rPr lang="en-US" sz="2000" b="1" i="1" smtClean="0">
+                        <a:rPr lang="en-US" sz="2000" b="1" i="1">
                           <a:solidFill>
                             <a:schemeClr val="bg1"/>
                           </a:solidFill>
@@ -5456,7 +5468,7 @@
                         <m:t>𝒑</m:t>
                       </m:r>
                       <m:r>
-                        <a:rPr lang="en-US" sz="2000" b="1" i="1" smtClean="0">
+                        <a:rPr lang="en-US" sz="2000" b="1" i="1">
                           <a:solidFill>
                             <a:schemeClr val="bg1"/>
                           </a:solidFill>
@@ -5580,7 +5592,7 @@
                         <m:t>=</m:t>
                       </m:r>
                       <m:r>
-                        <a:rPr lang="en-US" sz="2000" b="1" i="1" smtClean="0">
+                        <a:rPr lang="en-US" sz="2000" b="1" i="1">
                           <a:solidFill>
                             <a:schemeClr val="bg1"/>
                           </a:solidFill>
@@ -5589,7 +5601,7 @@
                         <m:t>𝟕𝟐</m:t>
                       </m:r>
                       <m:r>
-                        <a:rPr lang="en-US" sz="2000" b="1" i="1" smtClean="0">
+                        <a:rPr lang="en-US" sz="2000" b="1" i="1">
                           <a:solidFill>
                             <a:schemeClr val="bg1"/>
                           </a:solidFill>
@@ -5598,7 +5610,7 @@
                         <m:t>.</m:t>
                       </m:r>
                       <m:r>
-                        <a:rPr lang="en-US" sz="2000" b="1" i="1" smtClean="0">
+                        <a:rPr lang="en-US" sz="2000" b="1" i="1">
                           <a:solidFill>
                             <a:schemeClr val="bg1"/>
                           </a:solidFill>
@@ -5627,7 +5639,7 @@
             </p:txBody>
           </p:sp>
         </mc:Choice>
-        <mc:Fallback>
+        <mc:Fallback xmlns="">
           <p:sp>
             <p:nvSpPr>
               <p:cNvPr id="7" name="Rectangle 6">
@@ -5644,7 +5656,7 @@
             </p:nvSpPr>
             <p:spPr>
               <a:xfrm>
-                <a:off x="8527182" y="5501817"/>
+                <a:off x="8528718" y="5684127"/>
                 <a:ext cx="3276731" cy="670633"/>
               </a:xfrm>
               <a:prstGeom prst="rect">
@@ -5688,8 +5700,8 @@
         </p:nvCxnSpPr>
         <p:spPr>
           <a:xfrm flipV="1">
-            <a:off x="7747940" y="5837133"/>
-            <a:ext cx="779242" cy="2"/>
+            <a:off x="7749475" y="6070730"/>
+            <a:ext cx="779243" cy="3"/>
           </a:xfrm>
           <a:prstGeom prst="straightConnector1">
             <a:avLst/>
@@ -5768,7 +5780,7 @@
         </p:nvSpPr>
         <p:spPr>
           <a:xfrm>
-            <a:off x="682905" y="-52157"/>
+            <a:off x="-2" y="-52156"/>
             <a:ext cx="12192000" cy="6910157"/>
           </a:xfrm>
           <a:prstGeom prst="rect">
@@ -5830,7 +5842,7 @@
         </p:blipFill>
         <p:spPr>
           <a:xfrm>
-            <a:off x="0" y="-52157"/>
+            <a:off x="2" y="-52156"/>
             <a:ext cx="2684015" cy="3969421"/>
           </a:xfrm>
           <a:prstGeom prst="rect">
@@ -5852,8 +5864,8 @@
         </p:nvSpPr>
         <p:spPr>
           <a:xfrm rot="16200000">
-            <a:off x="782431" y="1849427"/>
-            <a:ext cx="3969421" cy="166254"/>
+            <a:off x="782432" y="1849427"/>
+            <a:ext cx="3969421" cy="166255"/>
           </a:xfrm>
           <a:prstGeom prst="rect">
             <a:avLst/>
@@ -5968,7 +5980,7 @@
         </p:nvSpPr>
         <p:spPr>
           <a:xfrm>
-            <a:off x="3007491" y="137620"/>
+            <a:off x="3007491" y="137621"/>
             <a:ext cx="9341732" cy="1684867"/>
           </a:xfrm>
         </p:spPr>
@@ -6019,7 +6031,7 @@
         </p:blipFill>
         <p:spPr>
           <a:xfrm>
-            <a:off x="417789" y="4380288"/>
+            <a:off x="417790" y="4380290"/>
             <a:ext cx="2014687" cy="2014687"/>
           </a:xfrm>
           <a:prstGeom prst="ellipse">
@@ -6065,8 +6077,8 @@
         </p:nvSpPr>
         <p:spPr>
           <a:xfrm rot="10800000">
-            <a:off x="3007493" y="844062"/>
-            <a:ext cx="9027282" cy="137067"/>
+            <a:off x="3007493" y="844063"/>
+            <a:ext cx="9027283" cy="137067"/>
           </a:xfrm>
           <a:prstGeom prst="rect">
             <a:avLst/>
@@ -6121,7 +6133,7 @@
         </p:nvSpPr>
         <p:spPr>
           <a:xfrm>
-            <a:off x="3091280" y="1505396"/>
+            <a:off x="3091281" y="1505396"/>
             <a:ext cx="9698369" cy="5078313"/>
           </a:xfrm>
           <a:prstGeom prst="rect">
@@ -6135,7 +6147,7 @@
           </a:bodyPr>
           <a:lstStyle/>
           <a:p>
-            <a:pPr marL="342900" indent="-342900">
+            <a:pPr marL="342891" indent="-342891">
               <a:buFont typeface="Arial" panose="020B0604020202020204" pitchFamily="34" charset="0"/>
               <a:buChar char="•"/>
             </a:pPr>
@@ -6150,7 +6162,7 @@
             </a:r>
           </a:p>
           <a:p>
-            <a:pPr marL="800100" lvl="1" indent="-342900">
+            <a:pPr marL="800080" lvl="1" indent="-342891">
               <a:buFont typeface="Arial" panose="020B0604020202020204" pitchFamily="34" charset="0"/>
               <a:buChar char="•"/>
             </a:pPr>
@@ -6165,7 +6177,7 @@
             </a:r>
           </a:p>
           <a:p>
-            <a:pPr marL="800100" lvl="1" indent="-342900">
+            <a:pPr marL="800080" lvl="1" indent="-342891">
               <a:buFont typeface="Arial" panose="020B0604020202020204" pitchFamily="34" charset="0"/>
               <a:buChar char="•"/>
             </a:pPr>
@@ -6180,7 +6192,7 @@
             </a:r>
           </a:p>
           <a:p>
-            <a:pPr marL="800100" lvl="1" indent="-342900">
+            <a:pPr marL="800080" lvl="1" indent="-342891">
               <a:buFont typeface="Arial" panose="020B0604020202020204" pitchFamily="34" charset="0"/>
               <a:buChar char="•"/>
             </a:pPr>
@@ -6213,7 +6225,7 @@
             </a:r>
           </a:p>
           <a:p>
-            <a:pPr marL="800100" lvl="1" indent="-342900">
+            <a:pPr marL="800080" lvl="1" indent="-342891">
               <a:buFont typeface="Arial" panose="020B0604020202020204" pitchFamily="34" charset="0"/>
               <a:buChar char="•"/>
             </a:pPr>
@@ -6225,7 +6237,7 @@
             </a:endParaRPr>
           </a:p>
           <a:p>
-            <a:pPr marL="800100" lvl="1" indent="-342900">
+            <a:pPr marL="800080" lvl="1" indent="-342891">
               <a:buFont typeface="Arial" panose="020B0604020202020204" pitchFamily="34" charset="0"/>
               <a:buChar char="•"/>
             </a:pPr>
@@ -6237,7 +6249,7 @@
             </a:endParaRPr>
           </a:p>
           <a:p>
-            <a:pPr marL="800100" lvl="1" indent="-342900">
+            <a:pPr marL="800080" lvl="1" indent="-342891">
               <a:buFont typeface="Arial" panose="020B0604020202020204" pitchFamily="34" charset="0"/>
               <a:buChar char="•"/>
             </a:pPr>
@@ -6261,7 +6273,7 @@
             </a:endParaRPr>
           </a:p>
           <a:p>
-            <a:pPr marL="800100" lvl="1" indent="-342900">
+            <a:pPr marL="800080" lvl="1" indent="-342891">
               <a:buFont typeface="Arial" panose="020B0604020202020204" pitchFamily="34" charset="0"/>
               <a:buChar char="•"/>
             </a:pPr>
@@ -6273,7 +6285,7 @@
             </a:endParaRPr>
           </a:p>
           <a:p>
-            <a:pPr marL="800100" lvl="1" indent="-342900">
+            <a:pPr marL="800080" lvl="1" indent="-342891">
               <a:buFont typeface="Arial" panose="020B0604020202020204" pitchFamily="34" charset="0"/>
               <a:buChar char="•"/>
             </a:pPr>
@@ -6288,7 +6300,7 @@
             </a:r>
           </a:p>
           <a:p>
-            <a:pPr marL="800100" lvl="1" indent="-342900">
+            <a:pPr marL="800080" lvl="1" indent="-342891">
               <a:buFont typeface="Arial" panose="020B0604020202020204" pitchFamily="34" charset="0"/>
               <a:buChar char="•"/>
             </a:pPr>
@@ -6300,7 +6312,7 @@
             </a:endParaRPr>
           </a:p>
           <a:p>
-            <a:pPr marL="342900" indent="-342900">
+            <a:pPr marL="342891" indent="-342891">
               <a:buFont typeface="Arial" panose="020B0604020202020204" pitchFamily="34" charset="0"/>
               <a:buChar char="•"/>
             </a:pPr>
@@ -6315,7 +6327,7 @@
             </a:r>
           </a:p>
           <a:p>
-            <a:pPr marL="800100" lvl="1" indent="-342900">
+            <a:pPr marL="800080" lvl="1" indent="-342891">
               <a:buFont typeface="Arial" panose="020B0604020202020204" pitchFamily="34" charset="0"/>
               <a:buChar char="•"/>
             </a:pPr>
@@ -6330,7 +6342,7 @@
             </a:r>
           </a:p>
           <a:p>
-            <a:pPr marL="800100" lvl="1" indent="-342900">
+            <a:pPr marL="800080" lvl="1" indent="-342891">
               <a:buFont typeface="Arial" panose="020B0604020202020204" pitchFamily="34" charset="0"/>
               <a:buChar char="•"/>
             </a:pPr>
@@ -6345,7 +6357,7 @@
             </a:r>
           </a:p>
           <a:p>
-            <a:pPr marL="1257300" lvl="2" indent="-342900">
+            <a:pPr marL="1257269" lvl="2" indent="-342891">
               <a:buFont typeface="Arial" panose="020B0604020202020204" pitchFamily="34" charset="0"/>
               <a:buChar char="•"/>
             </a:pPr>
@@ -6356,7 +6368,7 @@
                 </a:solidFill>
                 <a:latin typeface="Selawik Semibold" panose="020B0702040204020203" pitchFamily="34" charset="0"/>
               </a:rPr>
-              <a:t>Scenario 1: Stop at 2</a:t>
+              <a:t>Scenario 1: Attempt to Get to 3</a:t>
             </a:r>
             <a:r>
               <a:rPr lang="en-US" baseline="30000" dirty="0">
@@ -6365,7 +6377,7 @@
                 </a:solidFill>
                 <a:latin typeface="Selawik Semibold" panose="020B0702040204020203" pitchFamily="34" charset="0"/>
               </a:rPr>
-              <a:t>nd</a:t>
+              <a:t>rd</a:t>
             </a:r>
             <a:r>
               <a:rPr lang="en-US" dirty="0">
@@ -6378,7 +6390,7 @@
             </a:r>
           </a:p>
           <a:p>
-            <a:pPr marL="1257300" lvl="2" indent="-342900">
+            <a:pPr marL="1257269" lvl="2" indent="-342891">
               <a:buFont typeface="Arial" panose="020B0604020202020204" pitchFamily="34" charset="0"/>
               <a:buChar char="•"/>
             </a:pPr>
@@ -6389,31 +6401,46 @@
                 </a:solidFill>
                 <a:latin typeface="Selawik Semibold" panose="020B0702040204020203" pitchFamily="34" charset="0"/>
               </a:rPr>
-              <a:t>Scenario 2: Attempt to Get to 3</a:t>
-            </a:r>
-            <a:r>
-              <a:rPr lang="en-US" baseline="30000" dirty="0">
+              <a:t>Scenario </a:t>
+            </a:r>
+            <a:r>
+              <a:rPr lang="en-US">
                 <a:solidFill>
                   <a:schemeClr val="bg1"/>
                 </a:solidFill>
                 <a:latin typeface="Selawik Semibold" panose="020B0702040204020203" pitchFamily="34" charset="0"/>
               </a:rPr>
-              <a:t>rd</a:t>
-            </a:r>
-            <a:r>
-              <a:rPr lang="en-US" dirty="0">
+              <a:t>2: Stop at 2</a:t>
+            </a:r>
+            <a:r>
+              <a:rPr lang="en-US" baseline="30000">
                 <a:solidFill>
                   <a:schemeClr val="bg1"/>
                 </a:solidFill>
                 <a:latin typeface="Selawik Semibold" panose="020B0702040204020203" pitchFamily="34" charset="0"/>
               </a:rPr>
-              <a:t> Base</a:t>
-            </a:r>
+              <a:t>nd</a:t>
+            </a:r>
+            <a:r>
+              <a:rPr lang="en-US">
+                <a:solidFill>
+                  <a:schemeClr val="bg1"/>
+                </a:solidFill>
+                <a:latin typeface="Selawik Semibold" panose="020B0702040204020203" pitchFamily="34" charset="0"/>
+              </a:rPr>
+              <a:t> Base </a:t>
+            </a:r>
+            <a:endParaRPr lang="en-US" dirty="0">
+              <a:solidFill>
+                <a:schemeClr val="bg1"/>
+              </a:solidFill>
+              <a:latin typeface="Selawik Semibold" panose="020B0702040204020203" pitchFamily="34" charset="0"/>
+            </a:endParaRPr>
           </a:p>
         </p:txBody>
       </p:sp>
-      <mc:AlternateContent xmlns:mc="http://schemas.openxmlformats.org/markup-compatibility/2006">
-        <mc:Choice xmlns:a14="http://schemas.microsoft.com/office/drawing/2010/main" Requires="a14">
+      <mc:AlternateContent xmlns:mc="http://schemas.openxmlformats.org/markup-compatibility/2006" xmlns:a14="http://schemas.microsoft.com/office/drawing/2010/main">
+        <mc:Choice Requires="a14">
           <p:sp>
             <p:nvSpPr>
               <p:cNvPr id="14" name="Rectangle 13">
@@ -6428,7 +6455,7 @@
             </p:nvSpPr>
             <p:spPr>
               <a:xfrm>
-                <a:off x="3803219" y="2953852"/>
+                <a:off x="3803221" y="2953852"/>
                 <a:ext cx="5951373" cy="400110"/>
               </a:xfrm>
               <a:prstGeom prst="rect">
@@ -6449,7 +6476,7 @@
                     </m:oMathParaPr>
                     <m:oMath xmlns:m="http://schemas.openxmlformats.org/officeDocument/2006/math">
                       <m:r>
-                        <a:rPr lang="en-US" sz="2000" b="1" i="1" smtClean="0">
+                        <a:rPr lang="en-US" sz="2000" b="1" i="1">
                           <a:solidFill>
                             <a:schemeClr val="bg1"/>
                           </a:solidFill>
@@ -6462,7 +6489,7 @@
                           <m:begChr m:val="["/>
                           <m:endChr m:val="]"/>
                           <m:ctrlPr>
-                            <a:rPr lang="en-US" sz="2000" b="1" i="1" smtClean="0">
+                            <a:rPr lang="en-US" sz="2000" b="1" i="1">
                               <a:solidFill>
                                 <a:schemeClr val="bg1"/>
                               </a:solidFill>
@@ -6472,7 +6499,7 @@
                         </m:dPr>
                         <m:e>
                           <m:r>
-                            <a:rPr lang="en-US" sz="2000" b="1" i="1" smtClean="0">
+                            <a:rPr lang="en-US" sz="2000" b="1" i="1">
                               <a:solidFill>
                                 <a:schemeClr val="bg1"/>
                               </a:solidFill>
@@ -6483,7 +6510,7 @@
                         </m:e>
                       </m:d>
                       <m:r>
-                        <a:rPr lang="en-US" sz="2000" b="1" i="1" smtClean="0">
+                        <a:rPr lang="en-US" sz="2000" b="1" i="1">
                           <a:solidFill>
                             <a:schemeClr val="bg1"/>
                           </a:solidFill>
@@ -6492,7 +6519,7 @@
                         <m:t>=</m:t>
                       </m:r>
                       <m:r>
-                        <a:rPr lang="en-US" sz="2000" b="1" i="1" smtClean="0">
+                        <a:rPr lang="en-US" sz="2000" b="1" i="1">
                           <a:solidFill>
                             <a:schemeClr val="bg1"/>
                           </a:solidFill>
@@ -6501,7 +6528,7 @@
                         <m:t>𝟎</m:t>
                       </m:r>
                       <m:r>
-                        <a:rPr lang="en-US" sz="2000" b="1" i="1" smtClean="0">
+                        <a:rPr lang="en-US" sz="2000" b="1" i="1">
                           <a:solidFill>
                             <a:schemeClr val="bg1"/>
                           </a:solidFill>
@@ -6510,7 +6537,7 @@
                         <m:t>.</m:t>
                       </m:r>
                       <m:r>
-                        <a:rPr lang="en-US" sz="2000" b="1" i="1" smtClean="0">
+                        <a:rPr lang="en-US" sz="2000" b="1" i="1">
                           <a:solidFill>
                             <a:schemeClr val="bg1"/>
                           </a:solidFill>
@@ -6519,7 +6546,7 @@
                         <m:t>𝟗𝟓</m:t>
                       </m:r>
                       <m:r>
-                        <a:rPr lang="en-US" sz="2000" b="1" i="1" smtClean="0">
+                        <a:rPr lang="en-US" sz="2000" b="1" i="1">
                           <a:solidFill>
                             <a:schemeClr val="bg1"/>
                           </a:solidFill>
@@ -6528,7 +6555,7 @@
                         <m:t>×</m:t>
                       </m:r>
                       <m:r>
-                        <a:rPr lang="en-US" sz="2000" b="1" i="1" smtClean="0">
+                        <a:rPr lang="en-US" sz="2000" b="1" i="1">
                           <a:solidFill>
                             <a:schemeClr val="bg1"/>
                           </a:solidFill>
@@ -6537,7 +6564,7 @@
                         <m:t>𝟏</m:t>
                       </m:r>
                       <m:r>
-                        <a:rPr lang="en-US" sz="2000" b="1" i="1" smtClean="0">
+                        <a:rPr lang="en-US" sz="2000" b="1" i="1">
                           <a:solidFill>
                             <a:schemeClr val="bg1"/>
                           </a:solidFill>
@@ -6546,7 +6573,7 @@
                         <m:t>.</m:t>
                       </m:r>
                       <m:r>
-                        <a:rPr lang="en-US" sz="2000" b="1" i="1" smtClean="0">
+                        <a:rPr lang="en-US" sz="2000" b="1" i="1">
                           <a:solidFill>
                             <a:schemeClr val="bg1"/>
                           </a:solidFill>
@@ -6555,7 +6582,7 @@
                         <m:t>𝟏𝟕</m:t>
                       </m:r>
                       <m:r>
-                        <a:rPr lang="en-US" sz="2000" b="1" i="1" smtClean="0">
+                        <a:rPr lang="en-US" sz="2000" b="1" i="1">
                           <a:solidFill>
                             <a:schemeClr val="bg1"/>
                           </a:solidFill>
@@ -6566,7 +6593,7 @@
                       <m:d>
                         <m:dPr>
                           <m:ctrlPr>
-                            <a:rPr lang="en-US" sz="2000" b="1" i="1" smtClean="0">
+                            <a:rPr lang="en-US" sz="2000" b="1" i="1">
                               <a:solidFill>
                                 <a:schemeClr val="bg1"/>
                               </a:solidFill>
@@ -6576,7 +6603,7 @@
                         </m:dPr>
                         <m:e>
                           <m:r>
-                            <a:rPr lang="en-US" sz="2000" b="1" i="1" smtClean="0">
+                            <a:rPr lang="en-US" sz="2000" b="1" i="1">
                               <a:solidFill>
                                 <a:schemeClr val="bg1"/>
                               </a:solidFill>
@@ -6585,7 +6612,7 @@
                             <m:t>𝟏</m:t>
                           </m:r>
                           <m:r>
-                            <a:rPr lang="en-US" sz="2000" b="1" i="1" smtClean="0">
+                            <a:rPr lang="en-US" sz="2000" b="1" i="1">
                               <a:solidFill>
                                 <a:schemeClr val="bg1"/>
                               </a:solidFill>
@@ -6594,7 +6621,7 @@
                             <m:t>−</m:t>
                           </m:r>
                           <m:r>
-                            <a:rPr lang="en-US" sz="2000" b="1" i="1" smtClean="0">
+                            <a:rPr lang="en-US" sz="2000" b="1" i="1">
                               <a:solidFill>
                                 <a:schemeClr val="bg1"/>
                               </a:solidFill>
@@ -6603,7 +6630,7 @@
                             <m:t>𝟎</m:t>
                           </m:r>
                           <m:r>
-                            <a:rPr lang="en-US" sz="2000" b="1" i="1" smtClean="0">
+                            <a:rPr lang="en-US" sz="2000" b="1" i="1">
                               <a:solidFill>
                                 <a:schemeClr val="bg1"/>
                               </a:solidFill>
@@ -6612,7 +6639,7 @@
                             <m:t>.</m:t>
                           </m:r>
                           <m:r>
-                            <a:rPr lang="en-US" sz="2000" b="1" i="1" smtClean="0">
+                            <a:rPr lang="en-US" sz="2000" b="1" i="1">
                               <a:solidFill>
                                 <a:schemeClr val="bg1"/>
                               </a:solidFill>
@@ -6623,7 +6650,7 @@
                         </m:e>
                       </m:d>
                       <m:r>
-                        <a:rPr lang="en-US" sz="2000" b="1" i="1" smtClean="0">
+                        <a:rPr lang="en-US" sz="2000" b="1" i="1">
                           <a:solidFill>
                             <a:schemeClr val="bg1"/>
                           </a:solidFill>
@@ -6632,7 +6659,7 @@
                         <m:t>×</m:t>
                       </m:r>
                       <m:r>
-                        <a:rPr lang="en-US" sz="2000" b="1" i="1" smtClean="0">
+                        <a:rPr lang="en-US" sz="2000" b="1" i="1">
                           <a:solidFill>
                             <a:schemeClr val="bg1"/>
                           </a:solidFill>
@@ -6641,7 +6668,7 @@
                         <m:t>𝟎</m:t>
                       </m:r>
                       <m:r>
-                        <a:rPr lang="en-US" sz="2000" b="1" i="1" smtClean="0">
+                        <a:rPr lang="en-US" sz="2000" b="1" i="1">
                           <a:solidFill>
                             <a:schemeClr val="bg1"/>
                           </a:solidFill>
@@ -6650,7 +6677,7 @@
                         <m:t>.</m:t>
                       </m:r>
                       <m:r>
-                        <a:rPr lang="en-US" sz="2000" b="1" i="1" smtClean="0">
+                        <a:rPr lang="en-US" sz="2000" b="1" i="1">
                           <a:solidFill>
                             <a:schemeClr val="bg1"/>
                           </a:solidFill>
@@ -6659,7 +6686,7 @@
                         <m:t>𝟐𝟗</m:t>
                       </m:r>
                       <m:r>
-                        <a:rPr lang="en-US" sz="2000" b="1" i="1" smtClean="0">
+                        <a:rPr lang="en-US" sz="2000" b="1" i="1">
                           <a:solidFill>
                             <a:schemeClr val="bg1"/>
                           </a:solidFill>
@@ -6668,7 +6695,7 @@
                         <m:t>=</m:t>
                       </m:r>
                       <m:r>
-                        <a:rPr lang="en-US" sz="2000" b="1" i="1" smtClean="0">
+                        <a:rPr lang="en-US" sz="2000" b="1" i="1">
                           <a:solidFill>
                             <a:schemeClr val="bg1"/>
                           </a:solidFill>
@@ -6677,7 +6704,7 @@
                         <m:t>𝟏</m:t>
                       </m:r>
                       <m:r>
-                        <a:rPr lang="en-US" sz="2000" b="1" i="1" smtClean="0">
+                        <a:rPr lang="en-US" sz="2000" b="1" i="1">
                           <a:solidFill>
                             <a:schemeClr val="bg1"/>
                           </a:solidFill>
@@ -6686,7 +6713,7 @@
                         <m:t>.</m:t>
                       </m:r>
                       <m:r>
-                        <a:rPr lang="en-US" sz="2000" b="1" i="1" smtClean="0">
+                        <a:rPr lang="en-US" sz="2000" b="1" i="1">
                           <a:solidFill>
                             <a:schemeClr val="bg1"/>
                           </a:solidFill>
@@ -6706,7 +6733,7 @@
             </p:txBody>
           </p:sp>
         </mc:Choice>
-        <mc:Fallback>
+        <mc:Fallback xmlns="">
           <p:sp>
             <p:nvSpPr>
               <p:cNvPr id="14" name="Rectangle 13">
@@ -6723,7 +6750,7 @@
             </p:nvSpPr>
             <p:spPr>
               <a:xfrm>
-                <a:off x="3803219" y="2953852"/>
+                <a:off x="3803221" y="2953852"/>
                 <a:ext cx="5951373" cy="400110"/>
               </a:xfrm>
               <a:prstGeom prst="rect">
@@ -6751,8 +6778,8 @@
           </p:sp>
         </mc:Fallback>
       </mc:AlternateContent>
-      <mc:AlternateContent xmlns:mc="http://schemas.openxmlformats.org/markup-compatibility/2006">
-        <mc:Choice xmlns:a14="http://schemas.microsoft.com/office/drawing/2010/main" Requires="a14">
+      <mc:AlternateContent xmlns:mc="http://schemas.openxmlformats.org/markup-compatibility/2006" xmlns:a14="http://schemas.microsoft.com/office/drawing/2010/main">
+        <mc:Choice Requires="a14">
           <p:sp>
             <p:nvSpPr>
               <p:cNvPr id="15" name="Rectangle 14">
@@ -6767,7 +6794,7 @@
             </p:nvSpPr>
             <p:spPr>
               <a:xfrm>
-                <a:off x="3803219" y="3845451"/>
+                <a:off x="3803220" y="3845452"/>
                 <a:ext cx="3749809" cy="400110"/>
               </a:xfrm>
               <a:prstGeom prst="rect">
@@ -6788,7 +6815,7 @@
                     </m:oMathParaPr>
                     <m:oMath xmlns:m="http://schemas.openxmlformats.org/officeDocument/2006/math">
                       <m:r>
-                        <a:rPr lang="en-US" sz="2000" b="1" i="1" smtClean="0">
+                        <a:rPr lang="en-US" sz="2000" b="1" i="1">
                           <a:solidFill>
                             <a:schemeClr val="bg1"/>
                           </a:solidFill>
@@ -6797,7 +6824,7 @@
                         <m:t>𝟏</m:t>
                       </m:r>
                       <m:r>
-                        <a:rPr lang="en-US" sz="2000" b="1" i="1" smtClean="0">
+                        <a:rPr lang="en-US" sz="2000" b="1" i="1">
                           <a:solidFill>
                             <a:schemeClr val="bg1"/>
                           </a:solidFill>
@@ -6806,7 +6833,7 @@
                         <m:t>.</m:t>
                       </m:r>
                       <m:r>
-                        <a:rPr lang="en-US" sz="2000" b="1" i="1" smtClean="0">
+                        <a:rPr lang="en-US" sz="2000" b="1" i="1">
                           <a:solidFill>
                             <a:schemeClr val="bg1"/>
                           </a:solidFill>
@@ -6815,7 +6842,7 @@
                         <m:t>𝟏𝟐𝟔</m:t>
                       </m:r>
                       <m:r>
-                        <a:rPr lang="en-US" sz="2000" b="1" i="1" smtClean="0">
+                        <a:rPr lang="en-US" sz="2000" b="1" i="1">
                           <a:solidFill>
                             <a:schemeClr val="bg1"/>
                           </a:solidFill>
@@ -6824,7 +6851,7 @@
                         <m:t>−</m:t>
                       </m:r>
                       <m:r>
-                        <a:rPr lang="en-US" sz="2000" b="1" i="1" smtClean="0">
+                        <a:rPr lang="en-US" sz="2000" b="1" i="1">
                           <a:solidFill>
                             <a:schemeClr val="bg1"/>
                           </a:solidFill>
@@ -6833,7 +6860,7 @@
                         <m:t>𝟎</m:t>
                       </m:r>
                       <m:r>
-                        <a:rPr lang="en-US" sz="2000" b="1" i="1" smtClean="0">
+                        <a:rPr lang="en-US" sz="2000" b="1" i="1">
                           <a:solidFill>
                             <a:schemeClr val="bg1"/>
                           </a:solidFill>
@@ -6842,7 +6869,7 @@
                         <m:t>.</m:t>
                       </m:r>
                       <m:r>
-                        <a:rPr lang="en-US" sz="2000" b="1" i="1" smtClean="0">
+                        <a:rPr lang="en-US" sz="2000" b="1" i="1">
                           <a:solidFill>
                             <a:schemeClr val="bg1"/>
                           </a:solidFill>
@@ -6851,7 +6878,7 @@
                         <m:t>𝟗𝟑</m:t>
                       </m:r>
                       <m:r>
-                        <a:rPr lang="en-US" sz="2000" b="1" i="1" smtClean="0">
+                        <a:rPr lang="en-US" sz="2000" b="1" i="1">
                           <a:solidFill>
                             <a:schemeClr val="bg1"/>
                           </a:solidFill>
@@ -6860,7 +6887,7 @@
                         <m:t>=+</m:t>
                       </m:r>
                       <m:r>
-                        <a:rPr lang="en-US" sz="2000" b="1" i="1" smtClean="0">
+                        <a:rPr lang="en-US" sz="2000" b="1" i="1">
                           <a:solidFill>
                             <a:schemeClr val="bg1"/>
                           </a:solidFill>
@@ -6869,7 +6896,7 @@
                         <m:t>𝟎</m:t>
                       </m:r>
                       <m:r>
-                        <a:rPr lang="en-US" sz="2000" b="1" i="1" smtClean="0">
+                        <a:rPr lang="en-US" sz="2000" b="1" i="1">
                           <a:solidFill>
                             <a:schemeClr val="bg1"/>
                           </a:solidFill>
@@ -6878,7 +6905,7 @@
                         <m:t>.</m:t>
                       </m:r>
                       <m:r>
-                        <a:rPr lang="en-US" sz="2000" b="1" i="1" smtClean="0">
+                        <a:rPr lang="en-US" sz="2000" b="1" i="1">
                           <a:solidFill>
                             <a:schemeClr val="bg1"/>
                           </a:solidFill>
@@ -6887,7 +6914,7 @@
                         <m:t>𝟏𝟗𝟔</m:t>
                       </m:r>
                       <m:r>
-                        <a:rPr lang="en-US" sz="2000" b="1" i="1" smtClean="0">
+                        <a:rPr lang="en-US" sz="2000" b="1" i="1">
                           <a:solidFill>
                             <a:schemeClr val="bg1"/>
                           </a:solidFill>
@@ -6896,7 +6923,7 @@
                         <m:t> </m:t>
                       </m:r>
                       <m:r>
-                        <a:rPr lang="en-US" sz="2000" b="1" i="1" smtClean="0">
+                        <a:rPr lang="en-US" sz="2000" b="1" i="1">
                           <a:solidFill>
                             <a:schemeClr val="bg1"/>
                           </a:solidFill>
@@ -6916,7 +6943,7 @@
             </p:txBody>
           </p:sp>
         </mc:Choice>
-        <mc:Fallback>
+        <mc:Fallback xmlns="">
           <p:sp>
             <p:nvSpPr>
               <p:cNvPr id="15" name="Rectangle 14">
@@ -6933,7 +6960,7 @@
             </p:nvSpPr>
             <p:spPr>
               <a:xfrm>
-                <a:off x="3803219" y="3845451"/>
+                <a:off x="3803220" y="3845452"/>
                 <a:ext cx="3749809" cy="400110"/>
               </a:xfrm>
               <a:prstGeom prst="rect">
@@ -7013,8 +7040,8 @@
         </p:nvSpPr>
         <p:spPr>
           <a:xfrm>
-            <a:off x="609224" y="-52157"/>
-            <a:ext cx="12192000" cy="6910157"/>
+            <a:off x="-4" y="-52156"/>
+            <a:ext cx="12192002" cy="6910157"/>
           </a:xfrm>
           <a:prstGeom prst="rect">
             <a:avLst/>
@@ -7075,7 +7102,7 @@
         </p:blipFill>
         <p:spPr>
           <a:xfrm>
-            <a:off x="0" y="-52157"/>
+            <a:off x="2" y="-52156"/>
             <a:ext cx="2684015" cy="3969421"/>
           </a:xfrm>
           <a:prstGeom prst="rect">
@@ -7097,8 +7124,8 @@
         </p:nvSpPr>
         <p:spPr>
           <a:xfrm rot="16200000">
-            <a:off x="782431" y="1849427"/>
-            <a:ext cx="3969421" cy="166254"/>
+            <a:off x="782432" y="1849427"/>
+            <a:ext cx="3969421" cy="166255"/>
           </a:xfrm>
           <a:prstGeom prst="rect">
             <a:avLst/>
@@ -7213,7 +7240,7 @@
         </p:nvSpPr>
         <p:spPr>
           <a:xfrm>
-            <a:off x="3007491" y="137620"/>
+            <a:off x="3007491" y="137621"/>
             <a:ext cx="9341732" cy="1684867"/>
           </a:xfrm>
         </p:spPr>
@@ -7264,7 +7291,7 @@
         </p:blipFill>
         <p:spPr>
           <a:xfrm>
-            <a:off x="417789" y="4380288"/>
+            <a:off x="417790" y="4380290"/>
             <a:ext cx="2014687" cy="2014687"/>
           </a:xfrm>
           <a:prstGeom prst="ellipse">
@@ -7310,8 +7337,8 @@
         </p:nvSpPr>
         <p:spPr>
           <a:xfrm rot="10800000">
-            <a:off x="3007493" y="844062"/>
-            <a:ext cx="9027282" cy="137067"/>
+            <a:off x="3007493" y="844063"/>
+            <a:ext cx="9027283" cy="137067"/>
           </a:xfrm>
           <a:prstGeom prst="rect">
             <a:avLst/>
@@ -7366,8 +7393,8 @@
         </p:nvSpPr>
         <p:spPr>
           <a:xfrm>
-            <a:off x="3102855" y="1505396"/>
-            <a:ext cx="9698369" cy="4524315"/>
+            <a:off x="3102857" y="1505398"/>
+            <a:ext cx="8931919" cy="4832092"/>
           </a:xfrm>
           <a:prstGeom prst="rect">
             <a:avLst/>
@@ -7380,7 +7407,7 @@
           </a:bodyPr>
           <a:lstStyle/>
           <a:p>
-            <a:pPr marL="342900" indent="-342900">
+            <a:pPr marL="342891" indent="-342891">
               <a:buFont typeface="Arial" panose="020B0604020202020204" pitchFamily="34" charset="0"/>
               <a:buChar char="•"/>
             </a:pPr>
@@ -7395,7 +7422,7 @@
             </a:r>
           </a:p>
           <a:p>
-            <a:pPr marL="800100" lvl="1" indent="-342900">
+            <a:pPr marL="800080" lvl="1" indent="-342891">
               <a:buFont typeface="Arial" panose="020B0604020202020204" pitchFamily="34" charset="0"/>
               <a:buChar char="•"/>
             </a:pPr>
@@ -7410,7 +7437,7 @@
             </a:r>
           </a:p>
           <a:p>
-            <a:pPr marL="800100" lvl="1" indent="-342900">
+            <a:pPr marL="800080" lvl="1" indent="-342891">
               <a:buFont typeface="Arial" panose="020B0604020202020204" pitchFamily="34" charset="0"/>
               <a:buChar char="•"/>
             </a:pPr>
@@ -7425,7 +7452,7 @@
             </a:r>
           </a:p>
           <a:p>
-            <a:pPr marL="800100" lvl="1" indent="-342900">
+            <a:pPr marL="800080" lvl="1" indent="-342891">
               <a:buFont typeface="Arial" panose="020B0604020202020204" pitchFamily="34" charset="0"/>
               <a:buChar char="•"/>
             </a:pPr>
@@ -7440,7 +7467,7 @@
             </a:r>
           </a:p>
           <a:p>
-            <a:pPr marL="800100" lvl="1" indent="-342900">
+            <a:pPr marL="800080" lvl="1" indent="-342891">
               <a:buFont typeface="Arial" panose="020B0604020202020204" pitchFamily="34" charset="0"/>
               <a:buChar char="•"/>
             </a:pPr>
@@ -7473,7 +7500,7 @@
             </a:r>
           </a:p>
           <a:p>
-            <a:pPr marL="800100" lvl="1" indent="-342900">
+            <a:pPr marL="800080" lvl="1" indent="-342891">
               <a:buFont typeface="Arial" panose="020B0604020202020204" pitchFamily="34" charset="0"/>
               <a:buChar char="•"/>
             </a:pPr>
@@ -7488,7 +7515,7 @@
             </a:r>
           </a:p>
           <a:p>
-            <a:pPr marL="800100" lvl="1" indent="-342900">
+            <a:pPr marL="800080" lvl="1" indent="-342891">
               <a:buFont typeface="Arial" panose="020B0604020202020204" pitchFamily="34" charset="0"/>
               <a:buChar char="•"/>
             </a:pPr>
@@ -7500,7 +7527,7 @@
             </a:endParaRPr>
           </a:p>
           <a:p>
-            <a:pPr marL="800100" lvl="1" indent="-342900">
+            <a:pPr marL="800080" lvl="1" indent="-342891">
               <a:buFont typeface="Arial" panose="020B0604020202020204" pitchFamily="34" charset="0"/>
               <a:buChar char="•"/>
             </a:pPr>
@@ -7512,7 +7539,7 @@
             </a:endParaRPr>
           </a:p>
           <a:p>
-            <a:pPr marL="800100" lvl="1" indent="-342900">
+            <a:pPr marL="800080" lvl="1" indent="-342891">
               <a:buFont typeface="Arial" panose="020B0604020202020204" pitchFamily="34" charset="0"/>
               <a:buChar char="•"/>
             </a:pPr>
@@ -7545,7 +7572,7 @@
             </a:r>
           </a:p>
           <a:p>
-            <a:pPr marL="800100" lvl="1" indent="-342900">
+            <a:pPr marL="800080" lvl="1" indent="-342891">
               <a:buFont typeface="Arial" panose="020B0604020202020204" pitchFamily="34" charset="0"/>
               <a:buChar char="•"/>
             </a:pPr>
@@ -7560,7 +7587,7 @@
             </a:r>
           </a:p>
           <a:p>
-            <a:pPr marL="800100" lvl="1" indent="-342900">
+            <a:pPr marL="800080" lvl="1" indent="-342891">
               <a:buFont typeface="Arial" panose="020B0604020202020204" pitchFamily="34" charset="0"/>
               <a:buChar char="•"/>
             </a:pPr>
@@ -7593,7 +7620,7 @@
             </a:r>
           </a:p>
           <a:p>
-            <a:pPr marL="800100" lvl="1" indent="-342900">
+            <a:pPr marL="800080" lvl="1" indent="-342891">
               <a:buFont typeface="Arial" panose="020B0604020202020204" pitchFamily="34" charset="0"/>
               <a:buChar char="•"/>
             </a:pPr>
@@ -7606,8 +7633,8 @@
           </a:p>
         </p:txBody>
       </p:sp>
-      <mc:AlternateContent xmlns:mc="http://schemas.openxmlformats.org/markup-compatibility/2006">
-        <mc:Choice xmlns:a14="http://schemas.microsoft.com/office/drawing/2010/main" Requires="a14">
+      <mc:AlternateContent xmlns:mc="http://schemas.openxmlformats.org/markup-compatibility/2006" xmlns:a14="http://schemas.microsoft.com/office/drawing/2010/main">
+        <mc:Choice Requires="a14">
           <p:sp>
             <p:nvSpPr>
               <p:cNvPr id="12" name="Rectangle 11">
@@ -7622,7 +7649,7 @@
             </p:nvSpPr>
             <p:spPr>
               <a:xfrm>
-                <a:off x="3901864" y="3517154"/>
+                <a:off x="3901865" y="3517155"/>
                 <a:ext cx="4139595" cy="400110"/>
               </a:xfrm>
               <a:prstGeom prst="rect">
@@ -7643,7 +7670,7 @@
                     </m:oMathParaPr>
                     <m:oMath xmlns:m="http://schemas.openxmlformats.org/officeDocument/2006/math">
                       <m:r>
-                        <a:rPr lang="en-US" sz="2000" b="1" i="1" smtClean="0">
+                        <a:rPr lang="en-US" sz="2000" b="1" i="1">
                           <a:solidFill>
                             <a:schemeClr val="bg1"/>
                           </a:solidFill>
@@ -7652,7 +7679,7 @@
                         <m:t>𝒑</m:t>
                       </m:r>
                       <m:r>
-                        <a:rPr lang="en-US" sz="2000" b="1" i="1" smtClean="0">
+                        <a:rPr lang="en-US" sz="2000" b="1" i="1">
                           <a:solidFill>
                             <a:schemeClr val="bg1"/>
                           </a:solidFill>
@@ -7661,7 +7688,7 @@
                         <m:t>×</m:t>
                       </m:r>
                       <m:r>
-                        <a:rPr lang="en-US" sz="2000" b="1" i="1" smtClean="0">
+                        <a:rPr lang="en-US" sz="2000" b="1" i="1">
                           <a:solidFill>
                             <a:schemeClr val="bg1"/>
                           </a:solidFill>
@@ -7670,7 +7697,7 @@
                         <m:t>𝟏</m:t>
                       </m:r>
                       <m:r>
-                        <a:rPr lang="en-US" sz="2000" b="1" i="1" smtClean="0">
+                        <a:rPr lang="en-US" sz="2000" b="1" i="1">
                           <a:solidFill>
                             <a:schemeClr val="bg1"/>
                           </a:solidFill>
@@ -7679,7 +7706,7 @@
                         <m:t>.</m:t>
                       </m:r>
                       <m:r>
-                        <a:rPr lang="en-US" sz="2000" b="1" i="1" smtClean="0">
+                        <a:rPr lang="en-US" sz="2000" b="1" i="1">
                           <a:solidFill>
                             <a:schemeClr val="bg1"/>
                           </a:solidFill>
@@ -7688,7 +7715,7 @@
                         <m:t>𝟖𝟔</m:t>
                       </m:r>
                       <m:r>
-                        <a:rPr lang="en-US" sz="2000" b="1" i="1" smtClean="0">
+                        <a:rPr lang="en-US" sz="2000" b="1" i="1">
                           <a:solidFill>
                             <a:schemeClr val="bg1"/>
                           </a:solidFill>
@@ -7699,7 +7726,7 @@
                       <m:d>
                         <m:dPr>
                           <m:ctrlPr>
-                            <a:rPr lang="en-US" sz="2000" b="1" i="1" smtClean="0">
+                            <a:rPr lang="en-US" sz="2000" b="1" i="1">
                               <a:solidFill>
                                 <a:schemeClr val="bg1"/>
                               </a:solidFill>
@@ -7709,7 +7736,7 @@
                         </m:dPr>
                         <m:e>
                           <m:r>
-                            <a:rPr lang="en-US" sz="2000" b="1" i="1" smtClean="0">
+                            <a:rPr lang="en-US" sz="2000" b="1" i="1">
                               <a:solidFill>
                                 <a:schemeClr val="bg1"/>
                               </a:solidFill>
@@ -7718,7 +7745,7 @@
                             <m:t>𝟏</m:t>
                           </m:r>
                           <m:r>
-                            <a:rPr lang="en-US" sz="2000" b="1" i="1" smtClean="0">
+                            <a:rPr lang="en-US" sz="2000" b="1" i="1">
                               <a:solidFill>
                                 <a:schemeClr val="bg1"/>
                               </a:solidFill>
@@ -7727,7 +7754,7 @@
                             <m:t>−</m:t>
                           </m:r>
                           <m:r>
-                            <a:rPr lang="en-US" sz="2000" b="1" i="1" smtClean="0">
+                            <a:rPr lang="en-US" sz="2000" b="1" i="1">
                               <a:solidFill>
                                 <a:schemeClr val="bg1"/>
                               </a:solidFill>
@@ -7738,7 +7765,7 @@
                         </m:e>
                       </m:d>
                       <m:r>
-                        <a:rPr lang="en-US" sz="2000" b="1" i="1" smtClean="0">
+                        <a:rPr lang="en-US" sz="2000" b="1" i="1">
                           <a:solidFill>
                             <a:schemeClr val="bg1"/>
                           </a:solidFill>
@@ -7747,7 +7774,7 @@
                         <m:t>×</m:t>
                       </m:r>
                       <m:r>
-                        <a:rPr lang="en-US" sz="2000" b="1" i="1" smtClean="0">
+                        <a:rPr lang="en-US" sz="2000" b="1" i="1">
                           <a:solidFill>
                             <a:schemeClr val="bg1"/>
                           </a:solidFill>
@@ -7756,7 +7783,7 @@
                         <m:t>𝟎</m:t>
                       </m:r>
                       <m:r>
-                        <a:rPr lang="en-US" sz="2000" b="1" i="1" smtClean="0">
+                        <a:rPr lang="en-US" sz="2000" b="1" i="1">
                           <a:solidFill>
                             <a:schemeClr val="bg1"/>
                           </a:solidFill>
@@ -7765,7 +7792,7 @@
                         <m:t>.</m:t>
                       </m:r>
                       <m:r>
-                        <a:rPr lang="en-US" sz="2000" b="1" i="1" smtClean="0">
+                        <a:rPr lang="en-US" sz="2000" b="1" i="1">
                           <a:solidFill>
                             <a:schemeClr val="bg1"/>
                           </a:solidFill>
@@ -7774,7 +7801,7 @@
                         <m:t>𝟓𝟓</m:t>
                       </m:r>
                       <m:r>
-                        <a:rPr lang="en-US" sz="2000" b="1" i="1" smtClean="0">
+                        <a:rPr lang="en-US" sz="2000" b="1" i="1">
                           <a:solidFill>
                             <a:schemeClr val="bg1"/>
                           </a:solidFill>
@@ -7783,7 +7810,7 @@
                         <m:t>=</m:t>
                       </m:r>
                       <m:r>
-                        <a:rPr lang="en-US" sz="2000" b="1" i="1" smtClean="0">
+                        <a:rPr lang="en-US" sz="2000" b="1" i="1">
                           <a:solidFill>
                             <a:schemeClr val="bg1"/>
                           </a:solidFill>
@@ -7792,7 +7819,7 @@
                         <m:t>𝟏</m:t>
                       </m:r>
                       <m:r>
-                        <a:rPr lang="en-US" sz="2000" b="1" i="1" smtClean="0">
+                        <a:rPr lang="en-US" sz="2000" b="1" i="1">
                           <a:solidFill>
                             <a:schemeClr val="bg1"/>
                           </a:solidFill>
@@ -7801,7 +7828,7 @@
                         <m:t>.</m:t>
                       </m:r>
                       <m:r>
-                        <a:rPr lang="en-US" sz="2000" b="1" i="1" smtClean="0">
+                        <a:rPr lang="en-US" sz="2000" b="1" i="1">
                           <a:solidFill>
                             <a:schemeClr val="bg1"/>
                           </a:solidFill>
@@ -7821,7 +7848,7 @@
             </p:txBody>
           </p:sp>
         </mc:Choice>
-        <mc:Fallback>
+        <mc:Fallback xmlns="">
           <p:sp>
             <p:nvSpPr>
               <p:cNvPr id="12" name="Rectangle 11">
@@ -7838,7 +7865,7 @@
             </p:nvSpPr>
             <p:spPr>
               <a:xfrm>
-                <a:off x="3901864" y="3517154"/>
+                <a:off x="3901865" y="3517155"/>
                 <a:ext cx="4139595" cy="400110"/>
               </a:xfrm>
               <a:prstGeom prst="rect">
@@ -7918,7 +7945,7 @@
         </p:nvSpPr>
         <p:spPr>
           <a:xfrm>
-            <a:off x="609224" y="-52157"/>
+            <a:off x="-2" y="0"/>
             <a:ext cx="12192000" cy="6910157"/>
           </a:xfrm>
           <a:prstGeom prst="rect">
@@ -7980,7 +8007,7 @@
         </p:blipFill>
         <p:spPr>
           <a:xfrm>
-            <a:off x="0" y="-52157"/>
+            <a:off x="2" y="-52156"/>
             <a:ext cx="2684015" cy="3969421"/>
           </a:xfrm>
           <a:prstGeom prst="rect">
@@ -8002,8 +8029,8 @@
         </p:nvSpPr>
         <p:spPr>
           <a:xfrm rot="16200000">
-            <a:off x="782431" y="1849427"/>
-            <a:ext cx="3969421" cy="166254"/>
+            <a:off x="782432" y="1849427"/>
+            <a:ext cx="3969421" cy="166255"/>
           </a:xfrm>
           <a:prstGeom prst="rect">
             <a:avLst/>
@@ -8118,7 +8145,7 @@
         </p:nvSpPr>
         <p:spPr>
           <a:xfrm>
-            <a:off x="3007491" y="137620"/>
+            <a:off x="3007491" y="137621"/>
             <a:ext cx="9341732" cy="1684867"/>
           </a:xfrm>
         </p:spPr>
@@ -8169,7 +8196,7 @@
         </p:blipFill>
         <p:spPr>
           <a:xfrm>
-            <a:off x="417789" y="4380288"/>
+            <a:off x="417790" y="4380290"/>
             <a:ext cx="2014687" cy="2014687"/>
           </a:xfrm>
           <a:prstGeom prst="ellipse">
@@ -8215,8 +8242,8 @@
         </p:nvSpPr>
         <p:spPr>
           <a:xfrm rot="10800000">
-            <a:off x="3007493" y="844062"/>
-            <a:ext cx="9027282" cy="137067"/>
+            <a:off x="3007493" y="844063"/>
+            <a:ext cx="9027283" cy="137067"/>
           </a:xfrm>
           <a:prstGeom prst="rect">
             <a:avLst/>
@@ -8271,7 +8298,7 @@
         </p:nvSpPr>
         <p:spPr>
           <a:xfrm>
-            <a:off x="3102855" y="1505396"/>
+            <a:off x="3102857" y="1505397"/>
             <a:ext cx="9698369" cy="461665"/>
           </a:xfrm>
           <a:prstGeom prst="rect">
@@ -8285,7 +8312,7 @@
           </a:bodyPr>
           <a:lstStyle/>
           <a:p>
-            <a:pPr marL="342900" indent="-342900">
+            <a:pPr marL="342891" indent="-342891">
               <a:buFont typeface="Arial" panose="020B0604020202020204" pitchFamily="34" charset="0"/>
               <a:buChar char="•"/>
             </a:pPr>
@@ -8323,7 +8350,7 @@
         </p:blipFill>
         <p:spPr>
           <a:xfrm>
-            <a:off x="3549112" y="2002589"/>
+            <a:off x="3549114" y="2002590"/>
             <a:ext cx="6312223" cy="4755397"/>
           </a:xfrm>
           <a:prstGeom prst="rect">
@@ -8401,8 +8428,8 @@
         </p:blipFill>
         <p:spPr>
           <a:xfrm>
-            <a:off x="20" y="10"/>
-            <a:ext cx="6024134" cy="6857990"/>
+            <a:off x="21" y="10"/>
+            <a:ext cx="6024135" cy="6857991"/>
           </a:xfrm>
           <a:custGeom>
             <a:avLst/>
@@ -8501,7 +8528,7 @@
         </p:nvSpPr>
         <p:spPr>
           <a:xfrm>
-            <a:off x="4232779" y="359964"/>
+            <a:off x="4232781" y="359965"/>
             <a:ext cx="7834193" cy="1264588"/>
           </a:xfrm>
         </p:spPr>
@@ -8537,7 +8564,7 @@
         </p:nvSpPr>
         <p:spPr>
           <a:xfrm>
-            <a:off x="4780345" y="4357577"/>
+            <a:off x="4780346" y="4357577"/>
             <a:ext cx="7105564" cy="3247008"/>
           </a:xfrm>
           <a:prstGeom prst="rect">
@@ -8811,7 +8838,7 @@
         </p:nvSpPr>
         <p:spPr>
           <a:xfrm>
-            <a:off x="0" y="-52157"/>
+            <a:off x="0" y="-52156"/>
             <a:ext cx="12192000" cy="6910157"/>
           </a:xfrm>
           <a:prstGeom prst="rect">
@@ -8873,7 +8900,7 @@
         </p:blipFill>
         <p:spPr>
           <a:xfrm>
-            <a:off x="0" y="-52157"/>
+            <a:off x="2" y="-52156"/>
             <a:ext cx="2684015" cy="3969421"/>
           </a:xfrm>
           <a:prstGeom prst="rect">
@@ -8895,8 +8922,8 @@
         </p:nvSpPr>
         <p:spPr>
           <a:xfrm rot="16200000">
-            <a:off x="782431" y="1849427"/>
-            <a:ext cx="3969421" cy="166254"/>
+            <a:off x="782432" y="1849427"/>
+            <a:ext cx="3969421" cy="166255"/>
           </a:xfrm>
           <a:prstGeom prst="rect">
             <a:avLst/>
@@ -9011,7 +9038,7 @@
         </p:nvSpPr>
         <p:spPr>
           <a:xfrm>
-            <a:off x="3007491" y="137620"/>
+            <a:off x="3007491" y="137621"/>
             <a:ext cx="9341732" cy="1684867"/>
           </a:xfrm>
         </p:spPr>
@@ -9062,7 +9089,7 @@
         </p:blipFill>
         <p:spPr>
           <a:xfrm>
-            <a:off x="417789" y="4380288"/>
+            <a:off x="417790" y="4380290"/>
             <a:ext cx="2014687" cy="2014687"/>
           </a:xfrm>
           <a:prstGeom prst="ellipse">
@@ -9108,8 +9135,8 @@
         </p:nvSpPr>
         <p:spPr>
           <a:xfrm rot="10800000">
-            <a:off x="3007493" y="844062"/>
-            <a:ext cx="9027282" cy="137067"/>
+            <a:off x="3007493" y="844063"/>
+            <a:ext cx="9027283" cy="137067"/>
           </a:xfrm>
           <a:prstGeom prst="rect">
             <a:avLst/>
@@ -9164,7 +9191,7 @@
         </p:nvSpPr>
         <p:spPr>
           <a:xfrm>
-            <a:off x="3080082" y="1520792"/>
+            <a:off x="3080083" y="1520792"/>
             <a:ext cx="5982895" cy="5139869"/>
           </a:xfrm>
           <a:prstGeom prst="rect">
@@ -9178,7 +9205,7 @@
           </a:bodyPr>
           <a:lstStyle/>
           <a:p>
-            <a:pPr marL="342900" indent="-342900">
+            <a:pPr marL="342891" indent="-342891">
               <a:buFont typeface="Arial" panose="020B0604020202020204" pitchFamily="34" charset="0"/>
               <a:buChar char="•"/>
             </a:pPr>
@@ -9193,7 +9220,7 @@
             </a:r>
           </a:p>
           <a:p>
-            <a:pPr marL="800100" lvl="1" indent="-342900">
+            <a:pPr marL="800080" lvl="1" indent="-342891">
               <a:buFont typeface="Arial" panose="020B0604020202020204" pitchFamily="34" charset="0"/>
               <a:buChar char="•"/>
             </a:pPr>
@@ -9208,7 +9235,7 @@
             </a:r>
           </a:p>
           <a:p>
-            <a:pPr marL="800100" lvl="1" indent="-342900">
+            <a:pPr marL="800080" lvl="1" indent="-342891">
               <a:buFont typeface="Arial" panose="020B0604020202020204" pitchFamily="34" charset="0"/>
               <a:buChar char="•"/>
             </a:pPr>
@@ -9223,7 +9250,7 @@
             </a:r>
           </a:p>
           <a:p>
-            <a:pPr marL="800100" lvl="1" indent="-342900">
+            <a:pPr marL="800080" lvl="1" indent="-342891">
               <a:buFont typeface="Arial" panose="020B0604020202020204" pitchFamily="34" charset="0"/>
               <a:buChar char="•"/>
             </a:pPr>
@@ -9238,7 +9265,7 @@
             </a:r>
           </a:p>
           <a:p>
-            <a:pPr marL="800100" lvl="1" indent="-342900">
+            <a:pPr marL="800080" lvl="1" indent="-342891">
               <a:buFont typeface="Arial" panose="020B0604020202020204" pitchFamily="34" charset="0"/>
               <a:buChar char="•"/>
             </a:pPr>
@@ -9253,7 +9280,7 @@
             </a:r>
           </a:p>
           <a:p>
-            <a:pPr marL="800100" lvl="1" indent="-342900">
+            <a:pPr marL="800080" lvl="1" indent="-342891">
               <a:buFont typeface="Arial" panose="020B0604020202020204" pitchFamily="34" charset="0"/>
               <a:buChar char="•"/>
             </a:pPr>
@@ -9265,7 +9292,7 @@
             </a:endParaRPr>
           </a:p>
           <a:p>
-            <a:pPr marL="342900" indent="-342900">
+            <a:pPr marL="342891" indent="-342891">
               <a:buFont typeface="Arial" panose="020B0604020202020204" pitchFamily="34" charset="0"/>
               <a:buChar char="•"/>
             </a:pPr>
@@ -9280,7 +9307,7 @@
             </a:r>
           </a:p>
           <a:p>
-            <a:pPr marL="800100" lvl="1" indent="-342900">
+            <a:pPr marL="800080" lvl="1" indent="-342891">
               <a:buFont typeface="Arial" panose="020B0604020202020204" pitchFamily="34" charset="0"/>
               <a:buChar char="•"/>
             </a:pPr>
@@ -9295,7 +9322,7 @@
             </a:r>
           </a:p>
           <a:p>
-            <a:pPr marL="800100" lvl="1" indent="-342900">
+            <a:pPr marL="800080" lvl="1" indent="-342891">
               <a:buFont typeface="Arial" panose="020B0604020202020204" pitchFamily="34" charset="0"/>
               <a:buChar char="•"/>
             </a:pPr>
@@ -9310,7 +9337,7 @@
             </a:r>
           </a:p>
           <a:p>
-            <a:pPr marL="800100" lvl="1" indent="-342900">
+            <a:pPr marL="800080" lvl="1" indent="-342891">
               <a:buFont typeface="Arial" panose="020B0604020202020204" pitchFamily="34" charset="0"/>
               <a:buChar char="•"/>
             </a:pPr>
@@ -9343,7 +9370,7 @@
             </a:endParaRPr>
           </a:p>
           <a:p>
-            <a:pPr marL="800100" lvl="1" indent="-342900">
+            <a:pPr marL="800080" lvl="1" indent="-342891">
               <a:buFont typeface="Arial" panose="020B0604020202020204" pitchFamily="34" charset="0"/>
               <a:buChar char="•"/>
             </a:pPr>
@@ -9358,7 +9385,7 @@
             </a:r>
           </a:p>
           <a:p>
-            <a:pPr marL="800100" lvl="1" indent="-342900">
+            <a:pPr marL="800080" lvl="1" indent="-342891">
               <a:buFont typeface="Arial" panose="020B0604020202020204" pitchFamily="34" charset="0"/>
               <a:buChar char="•"/>
             </a:pPr>
@@ -9393,7 +9420,7 @@
         </p:blipFill>
         <p:spPr>
           <a:xfrm>
-            <a:off x="7736232" y="3935650"/>
+            <a:off x="7736232" y="3935651"/>
             <a:ext cx="4298543" cy="2803116"/>
           </a:xfrm>
           <a:prstGeom prst="rect">
@@ -9422,7 +9449,7 @@
             </p:nvSpPr>
             <p:spPr>
               <a:xfrm>
-                <a:off x="1685870" y="5431263"/>
+                <a:off x="1685872" y="5431264"/>
                 <a:ext cx="7214761" cy="400110"/>
               </a:xfrm>
               <a:prstGeom prst="rect">
@@ -9444,7 +9471,7 @@
                     </m:oMathParaPr>
                     <m:oMath xmlns:m="http://schemas.openxmlformats.org/officeDocument/2006/math">
                       <m:r>
-                        <a:rPr lang="en-US" sz="2000" b="1" i="1" smtClean="0">
+                        <a:rPr lang="en-US" sz="2000" b="1" i="1">
                           <a:solidFill>
                             <a:schemeClr val="bg1"/>
                           </a:solidFill>
@@ -9457,7 +9484,7 @@
                           <m:begChr m:val="["/>
                           <m:endChr m:val="]"/>
                           <m:ctrlPr>
-                            <a:rPr lang="en-US" sz="2000" b="1" i="1" smtClean="0">
+                            <a:rPr lang="en-US" sz="2000" b="1" i="1">
                               <a:solidFill>
                                 <a:schemeClr val="bg1"/>
                               </a:solidFill>
@@ -9467,7 +9494,7 @@
                         </m:dPr>
                         <m:e>
                           <m:r>
-                            <a:rPr lang="en-US" sz="2000" b="1" i="1" smtClean="0">
+                            <a:rPr lang="en-US" sz="2000" b="1" i="1">
                               <a:solidFill>
                                 <a:schemeClr val="bg1"/>
                               </a:solidFill>
@@ -9478,7 +9505,7 @@
                         </m:e>
                         <m:e>
                           <m:r>
-                            <a:rPr lang="en-US" sz="2000" b="1" i="1" smtClean="0">
+                            <a:rPr lang="en-US" sz="2000" b="1" i="1">
                               <a:solidFill>
                                 <a:schemeClr val="bg1"/>
                               </a:solidFill>
@@ -9489,7 +9516,7 @@
                         </m:e>
                       </m:d>
                       <m:r>
-                        <a:rPr lang="en-US" sz="2000" b="1" i="1" smtClean="0">
+                        <a:rPr lang="en-US" sz="2000" b="1" i="1">
                           <a:solidFill>
                             <a:schemeClr val="bg1"/>
                           </a:solidFill>
@@ -9498,7 +9525,7 @@
                         <m:t>=</m:t>
                       </m:r>
                       <m:r>
-                        <a:rPr lang="en-US" sz="2000" b="1" i="1" smtClean="0">
+                        <a:rPr lang="en-US" sz="2000" b="1" i="1">
                           <a:solidFill>
                             <a:schemeClr val="bg1"/>
                           </a:solidFill>
@@ -9507,7 +9534,7 @@
                         <m:t>𝟐</m:t>
                       </m:r>
                       <m:r>
-                        <a:rPr lang="en-US" sz="2000" b="1" i="1" smtClean="0">
+                        <a:rPr lang="en-US" sz="2000" b="1" i="1">
                           <a:solidFill>
                             <a:schemeClr val="bg1"/>
                           </a:solidFill>
@@ -9516,7 +9543,7 @@
                         <m:t>.</m:t>
                       </m:r>
                       <m:r>
-                        <a:rPr lang="en-US" sz="2000" b="1" i="1" smtClean="0">
+                        <a:rPr lang="en-US" sz="2000" b="1" i="1">
                           <a:solidFill>
                             <a:schemeClr val="bg1"/>
                           </a:solidFill>
@@ -9553,7 +9580,7 @@
             </p:nvSpPr>
             <p:spPr>
               <a:xfrm>
-                <a:off x="1685870" y="5431263"/>
+                <a:off x="1685872" y="5431264"/>
                 <a:ext cx="7214761" cy="400110"/>
               </a:xfrm>
               <a:prstGeom prst="rect">
@@ -9597,7 +9624,7 @@
             </p:nvSpPr>
             <p:spPr>
               <a:xfrm>
-                <a:off x="1685869" y="6299604"/>
+                <a:off x="1685870" y="6299604"/>
                 <a:ext cx="7214761" cy="400110"/>
               </a:xfrm>
               <a:prstGeom prst="rect">
@@ -9619,7 +9646,7 @@
                     </m:oMathParaPr>
                     <m:oMath xmlns:m="http://schemas.openxmlformats.org/officeDocument/2006/math">
                       <m:r>
-                        <a:rPr lang="en-US" sz="2000" b="1" i="1" smtClean="0">
+                        <a:rPr lang="en-US" sz="2000" b="1" i="1">
                           <a:solidFill>
                             <a:schemeClr val="bg1"/>
                           </a:solidFill>
@@ -9632,7 +9659,7 @@
                           <m:begChr m:val="["/>
                           <m:endChr m:val="]"/>
                           <m:ctrlPr>
-                            <a:rPr lang="en-US" sz="2000" b="1" i="1" smtClean="0">
+                            <a:rPr lang="en-US" sz="2000" b="1" i="1">
                               <a:solidFill>
                                 <a:schemeClr val="bg1"/>
                               </a:solidFill>
@@ -9642,7 +9669,7 @@
                         </m:dPr>
                         <m:e>
                           <m:r>
-                            <a:rPr lang="en-US" sz="2000" b="1" i="1" smtClean="0">
+                            <a:rPr lang="en-US" sz="2000" b="1" i="1">
                               <a:solidFill>
                                 <a:schemeClr val="bg1"/>
                               </a:solidFill>
@@ -9653,7 +9680,7 @@
                         </m:e>
                         <m:e>
                           <m:r>
-                            <a:rPr lang="en-US" sz="2000" b="1" i="1" smtClean="0">
+                            <a:rPr lang="en-US" sz="2000" b="1" i="1">
                               <a:solidFill>
                                 <a:schemeClr val="bg1"/>
                               </a:solidFill>
@@ -9664,7 +9691,7 @@
                         </m:e>
                       </m:d>
                       <m:r>
-                        <a:rPr lang="en-US" sz="2000" b="1" i="1" smtClean="0">
+                        <a:rPr lang="en-US" sz="2000" b="1" i="1">
                           <a:solidFill>
                             <a:schemeClr val="bg1"/>
                           </a:solidFill>
@@ -9673,7 +9700,7 @@
                         <m:t>=</m:t>
                       </m:r>
                       <m:r>
-                        <a:rPr lang="en-US" sz="2000" b="1" i="1" smtClean="0">
+                        <a:rPr lang="en-US" sz="2000" b="1" i="1">
                           <a:solidFill>
                             <a:schemeClr val="bg1"/>
                           </a:solidFill>
@@ -9682,7 +9709,7 @@
                         <m:t>𝟎</m:t>
                       </m:r>
                       <m:r>
-                        <a:rPr lang="en-US" sz="2000" b="1" i="1" smtClean="0">
+                        <a:rPr lang="en-US" sz="2000" b="1" i="1">
                           <a:solidFill>
                             <a:schemeClr val="bg1"/>
                           </a:solidFill>
@@ -9691,7 +9718,7 @@
                         <m:t>.</m:t>
                       </m:r>
                       <m:r>
-                        <a:rPr lang="en-US" sz="2000" b="1" i="1" smtClean="0">
+                        <a:rPr lang="en-US" sz="2000" b="1" i="1">
                           <a:solidFill>
                             <a:schemeClr val="bg1"/>
                           </a:solidFill>
@@ -9728,7 +9755,7 @@
             </p:nvSpPr>
             <p:spPr>
               <a:xfrm>
-                <a:off x="1685869" y="6299604"/>
+                <a:off x="1685870" y="6299604"/>
                 <a:ext cx="7214761" cy="400110"/>
               </a:xfrm>
               <a:prstGeom prst="rect">
@@ -9808,7 +9835,7 @@
         </p:nvSpPr>
         <p:spPr>
           <a:xfrm>
-            <a:off x="0" y="-52157"/>
+            <a:off x="0" y="-52156"/>
             <a:ext cx="12192000" cy="6910157"/>
           </a:xfrm>
           <a:prstGeom prst="rect">
@@ -9870,7 +9897,7 @@
         </p:blipFill>
         <p:spPr>
           <a:xfrm>
-            <a:off x="0" y="-52157"/>
+            <a:off x="2" y="-52156"/>
             <a:ext cx="2684015" cy="3969421"/>
           </a:xfrm>
           <a:prstGeom prst="rect">
@@ -9892,8 +9919,8 @@
         </p:nvSpPr>
         <p:spPr>
           <a:xfrm rot="16200000">
-            <a:off x="782431" y="1849427"/>
-            <a:ext cx="3969421" cy="166254"/>
+            <a:off x="782432" y="1849427"/>
+            <a:ext cx="3969421" cy="166255"/>
           </a:xfrm>
           <a:prstGeom prst="rect">
             <a:avLst/>
@@ -10008,7 +10035,7 @@
         </p:nvSpPr>
         <p:spPr>
           <a:xfrm>
-            <a:off x="3007491" y="137620"/>
+            <a:off x="3007491" y="137621"/>
             <a:ext cx="9341732" cy="1684867"/>
           </a:xfrm>
         </p:spPr>
@@ -10059,7 +10086,7 @@
         </p:blipFill>
         <p:spPr>
           <a:xfrm>
-            <a:off x="417789" y="4380288"/>
+            <a:off x="417790" y="4380290"/>
             <a:ext cx="2014687" cy="2014687"/>
           </a:xfrm>
           <a:prstGeom prst="ellipse">
@@ -10105,8 +10132,8 @@
         </p:nvSpPr>
         <p:spPr>
           <a:xfrm rot="10800000">
-            <a:off x="3007493" y="844062"/>
-            <a:ext cx="9027282" cy="137067"/>
+            <a:off x="3007493" y="844063"/>
+            <a:ext cx="9027283" cy="137067"/>
           </a:xfrm>
           <a:prstGeom prst="rect">
             <a:avLst/>
@@ -10161,7 +10188,7 @@
         </p:nvSpPr>
         <p:spPr>
           <a:xfrm>
-            <a:off x="3080082" y="1520792"/>
+            <a:off x="3080083" y="1520793"/>
             <a:ext cx="5982895" cy="1077218"/>
           </a:xfrm>
           <a:prstGeom prst="rect">
@@ -10175,7 +10202,7 @@
           </a:bodyPr>
           <a:lstStyle/>
           <a:p>
-            <a:pPr marL="342900" indent="-342900">
+            <a:pPr marL="342891" indent="-342891">
               <a:buFont typeface="Arial" panose="020B0604020202020204" pitchFamily="34" charset="0"/>
               <a:buChar char="•"/>
             </a:pPr>
@@ -10190,7 +10217,7 @@
             </a:r>
           </a:p>
           <a:p>
-            <a:pPr marL="800100" lvl="1" indent="-342900">
+            <a:pPr marL="800080" lvl="1" indent="-342891">
               <a:buFont typeface="Arial" panose="020B0604020202020204" pitchFamily="34" charset="0"/>
               <a:buChar char="•"/>
             </a:pPr>
@@ -10205,7 +10232,7 @@
             </a:r>
           </a:p>
           <a:p>
-            <a:pPr marL="800100" lvl="1" indent="-342900">
+            <a:pPr marL="800080" lvl="1" indent="-342891">
               <a:buFont typeface="Arial" panose="020B0604020202020204" pitchFamily="34" charset="0"/>
               <a:buChar char="•"/>
             </a:pPr>
@@ -10240,7 +10267,7 @@
         </p:blipFill>
         <p:spPr>
           <a:xfrm>
-            <a:off x="3981690" y="2362149"/>
+            <a:off x="3981691" y="2362149"/>
             <a:ext cx="5416349" cy="4075408"/>
           </a:xfrm>
           <a:prstGeom prst="rect">
@@ -10305,7 +10332,7 @@
         </p:nvSpPr>
         <p:spPr>
           <a:xfrm>
-            <a:off x="0" y="-52157"/>
+            <a:off x="0" y="-52156"/>
             <a:ext cx="12192000" cy="6910157"/>
           </a:xfrm>
           <a:prstGeom prst="rect">
@@ -10367,7 +10394,7 @@
         </p:blipFill>
         <p:spPr>
           <a:xfrm>
-            <a:off x="0" y="-52157"/>
+            <a:off x="2" y="-52156"/>
             <a:ext cx="2684015" cy="3969421"/>
           </a:xfrm>
           <a:prstGeom prst="rect">
@@ -10389,8 +10416,8 @@
         </p:nvSpPr>
         <p:spPr>
           <a:xfrm rot="16200000">
-            <a:off x="782431" y="1849427"/>
-            <a:ext cx="3969421" cy="166254"/>
+            <a:off x="782432" y="1849427"/>
+            <a:ext cx="3969421" cy="166255"/>
           </a:xfrm>
           <a:prstGeom prst="rect">
             <a:avLst/>
@@ -10505,7 +10532,7 @@
         </p:nvSpPr>
         <p:spPr>
           <a:xfrm>
-            <a:off x="3007491" y="137620"/>
+            <a:off x="3007491" y="137621"/>
             <a:ext cx="9341732" cy="1684867"/>
           </a:xfrm>
         </p:spPr>
@@ -10556,7 +10583,7 @@
         </p:blipFill>
         <p:spPr>
           <a:xfrm>
-            <a:off x="417789" y="4380288"/>
+            <a:off x="417790" y="4380290"/>
             <a:ext cx="2014687" cy="2014687"/>
           </a:xfrm>
           <a:prstGeom prst="ellipse">
@@ -10602,8 +10629,8 @@
         </p:nvSpPr>
         <p:spPr>
           <a:xfrm rot="10800000">
-            <a:off x="3007493" y="844062"/>
-            <a:ext cx="9027282" cy="137067"/>
+            <a:off x="3007493" y="844063"/>
+            <a:ext cx="9027283" cy="137067"/>
           </a:xfrm>
           <a:prstGeom prst="rect">
             <a:avLst/>
@@ -10658,7 +10685,7 @@
         </p:nvSpPr>
         <p:spPr>
           <a:xfrm>
-            <a:off x="3080082" y="1520792"/>
+            <a:off x="3080084" y="1520792"/>
             <a:ext cx="7302409" cy="1908215"/>
           </a:xfrm>
           <a:prstGeom prst="rect">
@@ -10672,7 +10699,7 @@
           </a:bodyPr>
           <a:lstStyle/>
           <a:p>
-            <a:pPr marL="342900" indent="-342900">
+            <a:pPr marL="342891" indent="-342891">
               <a:buFont typeface="Arial" panose="020B0604020202020204" pitchFamily="34" charset="0"/>
               <a:buChar char="•"/>
             </a:pPr>
@@ -10687,7 +10714,7 @@
             </a:r>
           </a:p>
           <a:p>
-            <a:pPr marL="800100" lvl="1" indent="-342900">
+            <a:pPr marL="800080" lvl="1" indent="-342891">
               <a:buFont typeface="Arial" panose="020B0604020202020204" pitchFamily="34" charset="0"/>
               <a:buChar char="•"/>
             </a:pPr>
@@ -10702,7 +10729,7 @@
             </a:r>
           </a:p>
           <a:p>
-            <a:pPr marL="1257300" lvl="2" indent="-342900">
+            <a:pPr marL="1257269" lvl="2" indent="-342891">
               <a:buFont typeface="Arial" panose="020B0604020202020204" pitchFamily="34" charset="0"/>
               <a:buChar char="•"/>
             </a:pPr>
@@ -10717,7 +10744,7 @@
             </a:r>
           </a:p>
           <a:p>
-            <a:pPr marL="1257300" lvl="2" indent="-342900">
+            <a:pPr marL="1257269" lvl="2" indent="-342891">
               <a:buFont typeface="Arial" panose="020B0604020202020204" pitchFamily="34" charset="0"/>
               <a:buChar char="•"/>
             </a:pPr>
@@ -10732,7 +10759,7 @@
             </a:r>
           </a:p>
           <a:p>
-            <a:pPr marL="1257300" lvl="2" indent="-342900">
+            <a:pPr marL="1257269" lvl="2" indent="-342891">
               <a:buFont typeface="Arial" panose="020B0604020202020204" pitchFamily="34" charset="0"/>
               <a:buChar char="•"/>
             </a:pPr>
@@ -10744,7 +10771,7 @@
             </a:endParaRPr>
           </a:p>
           <a:p>
-            <a:pPr marL="800100" lvl="1" indent="-342900">
+            <a:pPr marL="800080" lvl="1" indent="-342891">
               <a:buFont typeface="Arial" panose="020B0604020202020204" pitchFamily="34" charset="0"/>
               <a:buChar char="•"/>
             </a:pPr>
@@ -10779,7 +10806,7 @@
         </p:nvGraphicFramePr>
         <p:xfrm>
           <a:off x="4430357" y="2950387"/>
-          <a:ext cx="2280106" cy="3566160"/>
+          <a:ext cx="2280107" cy="3566160"/>
         </p:xfrm>
         <a:graphic>
           <a:graphicData uri="http://schemas.openxmlformats.org/drawingml/2006/table">
@@ -10788,7 +10815,7 @@
                 <a:tableStyleId>{073A0DAA-6AF3-43AB-8588-CEC1D06C72B9}</a:tableStyleId>
               </a:tblPr>
               <a:tblGrid>
-                <a:gridCol w="2280106">
+                <a:gridCol w="2280107">
                   <a:extLst>
                     <a:ext uri="{9D8B030D-6E8A-4147-A177-3AD203B41FA5}">
                       <a16:colId xmlns:a16="http://schemas.microsoft.com/office/drawing/2014/main" val="2677213698"/>
@@ -10796,7 +10823,7 @@
                   </a:extLst>
                 </a:gridCol>
               </a:tblGrid>
-              <a:tr h="547860">
+              <a:tr h="822960">
                 <a:tc>
                   <a:txBody>
                     <a:bodyPr/>
@@ -10817,7 +10844,7 @@
                   </a:ext>
                 </a:extLst>
               </a:tr>
-              <a:tr h="349776">
+              <a:tr h="457200">
                 <a:tc>
                   <a:txBody>
                     <a:bodyPr/>
@@ -10838,7 +10865,7 @@
                   </a:ext>
                 </a:extLst>
               </a:tr>
-              <a:tr h="349776">
+              <a:tr h="457200">
                 <a:tc>
                   <a:txBody>
                     <a:bodyPr/>
@@ -10859,7 +10886,7 @@
                   </a:ext>
                 </a:extLst>
               </a:tr>
-              <a:tr h="349776">
+              <a:tr h="457200">
                 <a:tc>
                   <a:txBody>
                     <a:bodyPr/>
@@ -10880,7 +10907,7 @@
                   </a:ext>
                 </a:extLst>
               </a:tr>
-              <a:tr h="349776">
+              <a:tr h="457200">
                 <a:tc>
                   <a:txBody>
                     <a:bodyPr/>
@@ -10901,7 +10928,7 @@
                   </a:ext>
                 </a:extLst>
               </a:tr>
-              <a:tr h="349776">
+              <a:tr h="457200">
                 <a:tc>
                   <a:txBody>
                     <a:bodyPr/>
@@ -10922,7 +10949,7 @@
                   </a:ext>
                 </a:extLst>
               </a:tr>
-              <a:tr h="349776">
+              <a:tr h="457200">
                 <a:tc>
                   <a:txBody>
                     <a:bodyPr/>
@@ -10969,7 +10996,7 @@
         </p:nvGraphicFramePr>
         <p:xfrm>
           <a:off x="6943705" y="2950387"/>
-          <a:ext cx="2280106" cy="3566160"/>
+          <a:ext cx="2280107" cy="3566160"/>
         </p:xfrm>
         <a:graphic>
           <a:graphicData uri="http://schemas.openxmlformats.org/drawingml/2006/table">
@@ -10978,7 +11005,7 @@
                 <a:tableStyleId>{073A0DAA-6AF3-43AB-8588-CEC1D06C72B9}</a:tableStyleId>
               </a:tblPr>
               <a:tblGrid>
-                <a:gridCol w="2280106">
+                <a:gridCol w="2280107">
                   <a:extLst>
                     <a:ext uri="{9D8B030D-6E8A-4147-A177-3AD203B41FA5}">
                       <a16:colId xmlns:a16="http://schemas.microsoft.com/office/drawing/2014/main" val="2677213698"/>
@@ -10986,7 +11013,7 @@
                   </a:extLst>
                 </a:gridCol>
               </a:tblGrid>
-              <a:tr h="547860">
+              <a:tr h="822960">
                 <a:tc>
                   <a:txBody>
                     <a:bodyPr/>
@@ -11014,7 +11041,7 @@
                   </a:ext>
                 </a:extLst>
               </a:tr>
-              <a:tr h="349776">
+              <a:tr h="457200">
                 <a:tc>
                   <a:txBody>
                     <a:bodyPr/>
@@ -11035,7 +11062,7 @@
                   </a:ext>
                 </a:extLst>
               </a:tr>
-              <a:tr h="349776">
+              <a:tr h="457200">
                 <a:tc>
                   <a:txBody>
                     <a:bodyPr/>
@@ -11056,7 +11083,7 @@
                   </a:ext>
                 </a:extLst>
               </a:tr>
-              <a:tr h="349776">
+              <a:tr h="457200">
                 <a:tc>
                   <a:txBody>
                     <a:bodyPr/>
@@ -11077,7 +11104,7 @@
                   </a:ext>
                 </a:extLst>
               </a:tr>
-              <a:tr h="349776">
+              <a:tr h="457200">
                 <a:tc>
                   <a:txBody>
                     <a:bodyPr/>
@@ -11098,7 +11125,7 @@
                   </a:ext>
                 </a:extLst>
               </a:tr>
-              <a:tr h="349776">
+              <a:tr h="457200">
                 <a:tc>
                   <a:txBody>
                     <a:bodyPr/>
@@ -11119,7 +11146,7 @@
                   </a:ext>
                 </a:extLst>
               </a:tr>
-              <a:tr h="349776">
+              <a:tr h="457200">
                 <a:tc>
                   <a:txBody>
                     <a:bodyPr/>
@@ -11166,7 +11193,7 @@
         </p:nvGraphicFramePr>
         <p:xfrm>
           <a:off x="9452660" y="2950387"/>
-          <a:ext cx="2280106" cy="3566160"/>
+          <a:ext cx="2280107" cy="3566160"/>
         </p:xfrm>
         <a:graphic>
           <a:graphicData uri="http://schemas.openxmlformats.org/drawingml/2006/table">
@@ -11175,7 +11202,7 @@
                 <a:tableStyleId>{073A0DAA-6AF3-43AB-8588-CEC1D06C72B9}</a:tableStyleId>
               </a:tblPr>
               <a:tblGrid>
-                <a:gridCol w="2280106">
+                <a:gridCol w="2280107">
                   <a:extLst>
                     <a:ext uri="{9D8B030D-6E8A-4147-A177-3AD203B41FA5}">
                       <a16:colId xmlns:a16="http://schemas.microsoft.com/office/drawing/2014/main" val="2677213698"/>
@@ -11183,7 +11210,7 @@
                   </a:extLst>
                 </a:gridCol>
               </a:tblGrid>
-              <a:tr h="547860">
+              <a:tr h="822960">
                 <a:tc>
                   <a:txBody>
                     <a:bodyPr/>
@@ -11211,7 +11238,7 @@
                   </a:ext>
                 </a:extLst>
               </a:tr>
-              <a:tr h="349776">
+              <a:tr h="457200">
                 <a:tc>
                   <a:txBody>
                     <a:bodyPr/>
@@ -11232,7 +11259,7 @@
                   </a:ext>
                 </a:extLst>
               </a:tr>
-              <a:tr h="349776">
+              <a:tr h="457200">
                 <a:tc>
                   <a:txBody>
                     <a:bodyPr/>
@@ -11253,7 +11280,7 @@
                   </a:ext>
                 </a:extLst>
               </a:tr>
-              <a:tr h="349776">
+              <a:tr h="457200">
                 <a:tc>
                   <a:txBody>
                     <a:bodyPr/>
@@ -11274,7 +11301,7 @@
                   </a:ext>
                 </a:extLst>
               </a:tr>
-              <a:tr h="349776">
+              <a:tr h="457200">
                 <a:tc>
                   <a:txBody>
                     <a:bodyPr/>
@@ -11295,7 +11322,7 @@
                   </a:ext>
                 </a:extLst>
               </a:tr>
-              <a:tr h="349776">
+              <a:tr h="457200">
                 <a:tc>
                   <a:txBody>
                     <a:bodyPr/>
@@ -11316,7 +11343,7 @@
                   </a:ext>
                 </a:extLst>
               </a:tr>
-              <a:tr h="349776">
+              <a:tr h="457200">
                 <a:tc>
                   <a:txBody>
                     <a:bodyPr/>
@@ -11393,7 +11420,7 @@
         </p:nvSpPr>
         <p:spPr>
           <a:xfrm>
-            <a:off x="682906" y="-52157"/>
+            <a:off x="-2" y="-52157"/>
             <a:ext cx="12192000" cy="6910157"/>
           </a:xfrm>
           <a:prstGeom prst="rect">
@@ -11455,7 +11482,7 @@
         </p:blipFill>
         <p:spPr>
           <a:xfrm>
-            <a:off x="0" y="-52157"/>
+            <a:off x="2" y="-52156"/>
             <a:ext cx="2684015" cy="3969421"/>
           </a:xfrm>
           <a:prstGeom prst="rect">
@@ -11477,8 +11504,8 @@
         </p:nvSpPr>
         <p:spPr>
           <a:xfrm rot="16200000">
-            <a:off x="782431" y="1849427"/>
-            <a:ext cx="3969421" cy="166254"/>
+            <a:off x="782432" y="1849427"/>
+            <a:ext cx="3969421" cy="166255"/>
           </a:xfrm>
           <a:prstGeom prst="rect">
             <a:avLst/>
@@ -11593,7 +11620,7 @@
         </p:nvSpPr>
         <p:spPr>
           <a:xfrm>
-            <a:off x="3007491" y="137620"/>
+            <a:off x="3007491" y="137621"/>
             <a:ext cx="9341732" cy="1684867"/>
           </a:xfrm>
         </p:spPr>
@@ -11644,7 +11671,7 @@
         </p:blipFill>
         <p:spPr>
           <a:xfrm>
-            <a:off x="417789" y="4380288"/>
+            <a:off x="417790" y="4380290"/>
             <a:ext cx="2014687" cy="2014687"/>
           </a:xfrm>
           <a:prstGeom prst="ellipse">
@@ -11690,8 +11717,8 @@
         </p:nvSpPr>
         <p:spPr>
           <a:xfrm rot="10800000">
-            <a:off x="3007493" y="844062"/>
-            <a:ext cx="9027282" cy="137067"/>
+            <a:off x="3007493" y="844063"/>
+            <a:ext cx="9027283" cy="137067"/>
           </a:xfrm>
           <a:prstGeom prst="rect">
             <a:avLst/>
@@ -11746,7 +11773,7 @@
         </p:nvSpPr>
         <p:spPr>
           <a:xfrm>
-            <a:off x="3080082" y="1520792"/>
+            <a:off x="3080083" y="1520793"/>
             <a:ext cx="7834845" cy="4216539"/>
           </a:xfrm>
           <a:prstGeom prst="rect">
@@ -11760,7 +11787,7 @@
           </a:bodyPr>
           <a:lstStyle/>
           <a:p>
-            <a:pPr marL="342900" indent="-342900">
+            <a:pPr marL="342891" indent="-342891">
               <a:buFont typeface="Arial" panose="020B0604020202020204" pitchFamily="34" charset="0"/>
               <a:buChar char="•"/>
             </a:pPr>
@@ -11775,7 +11802,7 @@
             </a:r>
           </a:p>
           <a:p>
-            <a:pPr marL="800100" lvl="1" indent="-342900">
+            <a:pPr marL="800080" lvl="1" indent="-342891">
               <a:buFont typeface="Arial" panose="020B0604020202020204" pitchFamily="34" charset="0"/>
               <a:buChar char="•"/>
             </a:pPr>
@@ -11790,7 +11817,7 @@
             </a:r>
           </a:p>
           <a:p>
-            <a:pPr marL="800100" lvl="1" indent="-342900">
+            <a:pPr marL="800080" lvl="1" indent="-342891">
               <a:buFont typeface="Arial" panose="020B0604020202020204" pitchFamily="34" charset="0"/>
               <a:buChar char="•"/>
             </a:pPr>
@@ -11805,7 +11832,7 @@
             </a:r>
           </a:p>
           <a:p>
-            <a:pPr marL="800100" lvl="1" indent="-342900">
+            <a:pPr marL="800080" lvl="1" indent="-342891">
               <a:buFont typeface="Arial" panose="020B0604020202020204" pitchFamily="34" charset="0"/>
               <a:buChar char="•"/>
             </a:pPr>
@@ -11820,7 +11847,7 @@
             </a:r>
           </a:p>
           <a:p>
-            <a:pPr marL="800100" lvl="1" indent="-342900">
+            <a:pPr marL="800080" lvl="1" indent="-342891">
               <a:buFont typeface="Arial" panose="020B0604020202020204" pitchFamily="34" charset="0"/>
               <a:buChar char="•"/>
             </a:pPr>
@@ -11832,7 +11859,7 @@
             </a:endParaRPr>
           </a:p>
           <a:p>
-            <a:pPr marL="800100" lvl="1" indent="-342900">
+            <a:pPr marL="800080" lvl="1" indent="-342891">
               <a:buFont typeface="Arial" panose="020B0604020202020204" pitchFamily="34" charset="0"/>
               <a:buChar char="•"/>
             </a:pPr>
@@ -11844,7 +11871,7 @@
             </a:endParaRPr>
           </a:p>
           <a:p>
-            <a:pPr marL="342900" indent="-342900">
+            <a:pPr marL="342891" indent="-342891">
               <a:buFont typeface="Arial" panose="020B0604020202020204" pitchFamily="34" charset="0"/>
               <a:buChar char="•"/>
             </a:pPr>
@@ -11859,7 +11886,7 @@
             </a:r>
           </a:p>
           <a:p>
-            <a:pPr marL="800100" lvl="1" indent="-342900">
+            <a:pPr marL="800080" lvl="1" indent="-342891">
               <a:buFont typeface="Arial" panose="020B0604020202020204" pitchFamily="34" charset="0"/>
               <a:buChar char="•"/>
             </a:pPr>
@@ -11874,7 +11901,7 @@
             </a:r>
           </a:p>
           <a:p>
-            <a:pPr marL="800100" lvl="1" indent="-342900">
+            <a:pPr marL="800080" lvl="1" indent="-342891">
               <a:buFont typeface="Arial" panose="020B0604020202020204" pitchFamily="34" charset="0"/>
               <a:buChar char="•"/>
             </a:pPr>
@@ -11889,7 +11916,7 @@
             </a:r>
           </a:p>
           <a:p>
-            <a:pPr marL="800100" lvl="1" indent="-342900">
+            <a:pPr marL="800080" lvl="1" indent="-342891">
               <a:buFont typeface="Arial" panose="020B0604020202020204" pitchFamily="34" charset="0"/>
               <a:buChar char="•"/>
             </a:pPr>
@@ -11904,7 +11931,7 @@
             </a:r>
           </a:p>
           <a:p>
-            <a:pPr marL="800100" lvl="1" indent="-342900">
+            <a:pPr marL="800080" lvl="1" indent="-342891">
               <a:buFont typeface="Arial" panose="020B0604020202020204" pitchFamily="34" charset="0"/>
               <a:buChar char="•"/>
             </a:pPr>
@@ -11919,7 +11946,7 @@
             </a:r>
           </a:p>
           <a:p>
-            <a:pPr marL="800100" lvl="1" indent="-342900">
+            <a:pPr marL="800080" lvl="1" indent="-342891">
               <a:buFont typeface="Arial" panose="020B0604020202020204" pitchFamily="34" charset="0"/>
               <a:buChar char="•"/>
             </a:pPr>
@@ -11951,7 +11978,7 @@
             </p:nvSpPr>
             <p:spPr>
               <a:xfrm>
-                <a:off x="2684013" y="2892744"/>
+                <a:off x="2684014" y="2892744"/>
                 <a:ext cx="7646868" cy="400110"/>
               </a:xfrm>
               <a:prstGeom prst="rect">
@@ -11973,7 +12000,7 @@
                     </m:oMathParaPr>
                     <m:oMath xmlns:m="http://schemas.openxmlformats.org/officeDocument/2006/math">
                       <m:r>
-                        <a:rPr lang="en-US" sz="2000" b="1" i="1" smtClean="0">
+                        <a:rPr lang="en-US" sz="2000" b="1" i="1">
                           <a:solidFill>
                             <a:schemeClr val="bg1"/>
                           </a:solidFill>
@@ -11982,7 +12009,7 @@
                         <m:t>𝑶</m:t>
                       </m:r>
                       <m:r>
-                        <a:rPr lang="en-US" sz="2000" b="1" i="1" smtClean="0">
+                        <a:rPr lang="en-US" sz="2000" b="1" i="1">
                           <a:solidFill>
                             <a:schemeClr val="bg1"/>
                           </a:solidFill>
@@ -11991,7 +12018,7 @@
                         <m:t>={</m:t>
                       </m:r>
                       <m:r>
-                        <a:rPr lang="en-US" sz="2000" b="1" i="1" smtClean="0">
+                        <a:rPr lang="en-US" sz="2000" b="1" i="1">
                           <a:solidFill>
                             <a:schemeClr val="bg1"/>
                           </a:solidFill>
@@ -12000,7 +12027,7 @@
                         <m:t>𝑺𝒕𝒓𝒊𝒌𝒆</m:t>
                       </m:r>
                       <m:r>
-                        <a:rPr lang="en-US" sz="2000" b="1" i="1" smtClean="0">
+                        <a:rPr lang="en-US" sz="2000" b="1" i="1">
                           <a:solidFill>
                             <a:schemeClr val="bg1"/>
                           </a:solidFill>
@@ -12009,7 +12036,7 @@
                         <m:t>, </m:t>
                       </m:r>
                       <m:r>
-                        <a:rPr lang="en-US" sz="2000" b="1" i="1" smtClean="0">
+                        <a:rPr lang="en-US" sz="2000" b="1" i="1">
                           <a:solidFill>
                             <a:schemeClr val="bg1"/>
                           </a:solidFill>
@@ -12018,7 +12045,7 @@
                         <m:t>𝑩𝒂𝒍𝒍</m:t>
                       </m:r>
                       <m:r>
-                        <a:rPr lang="en-US" sz="2000" b="1" i="1" smtClean="0">
+                        <a:rPr lang="en-US" sz="2000" b="1" i="1">
                           <a:solidFill>
                             <a:schemeClr val="bg1"/>
                           </a:solidFill>
@@ -12027,7 +12054,7 @@
                         <m:t>, </m:t>
                       </m:r>
                       <m:r>
-                        <a:rPr lang="en-US" sz="2000" b="1" i="1" smtClean="0">
+                        <a:rPr lang="en-US" sz="2000" b="1" i="1">
                           <a:solidFill>
                             <a:schemeClr val="bg1"/>
                           </a:solidFill>
@@ -12036,7 +12063,7 @@
                         <m:t>𝑯𝒊𝒕𝒔</m:t>
                       </m:r>
                       <m:r>
-                        <a:rPr lang="en-US" sz="2000" b="1" i="1" smtClean="0">
+                        <a:rPr lang="en-US" sz="2000" b="1" i="1">
                           <a:solidFill>
                             <a:schemeClr val="bg1"/>
                           </a:solidFill>
@@ -12045,7 +12072,7 @@
                         <m:t> </m:t>
                       </m:r>
                       <m:r>
-                        <a:rPr lang="en-US" sz="2000" b="1" i="1" smtClean="0">
+                        <a:rPr lang="en-US" sz="2000" b="1" i="1">
                           <a:solidFill>
                             <a:schemeClr val="bg1"/>
                           </a:solidFill>
@@ -12054,7 +12081,7 @@
                         <m:t>𝑩𝒂𝒕𝒕𝒆𝒓</m:t>
                       </m:r>
                       <m:r>
-                        <a:rPr lang="en-US" sz="2000" b="1" i="1" smtClean="0">
+                        <a:rPr lang="en-US" sz="2000" b="1" i="1">
                           <a:solidFill>
                             <a:schemeClr val="bg1"/>
                           </a:solidFill>
@@ -12063,7 +12090,7 @@
                         <m:t>,</m:t>
                       </m:r>
                       <m:r>
-                        <a:rPr lang="en-US" sz="2000" b="1" i="1" smtClean="0">
+                        <a:rPr lang="en-US" sz="2000" b="1" i="1">
                           <a:solidFill>
                             <a:schemeClr val="bg1"/>
                           </a:solidFill>
@@ -12072,7 +12099,7 @@
                         <m:t>𝑯𝒊𝒕</m:t>
                       </m:r>
                       <m:r>
-                        <a:rPr lang="en-US" sz="2000" b="1" i="1" smtClean="0">
+                        <a:rPr lang="en-US" sz="2000" b="1" i="1">
                           <a:solidFill>
                             <a:schemeClr val="bg1"/>
                           </a:solidFill>
@@ -12081,7 +12108,7 @@
                         <m:t> </m:t>
                       </m:r>
                       <m:r>
-                        <a:rPr lang="en-US" sz="2000" b="1" i="1" smtClean="0">
+                        <a:rPr lang="en-US" sz="2000" b="1" i="1">
                           <a:solidFill>
                             <a:schemeClr val="bg1"/>
                           </a:solidFill>
@@ -12090,7 +12117,7 @@
                         <m:t>𝒊𝒏</m:t>
                       </m:r>
                       <m:r>
-                        <a:rPr lang="en-US" sz="2000" b="1" i="1" smtClean="0">
+                        <a:rPr lang="en-US" sz="2000" b="1" i="1">
                           <a:solidFill>
                             <a:schemeClr val="bg1"/>
                           </a:solidFill>
@@ -12099,7 +12126,7 @@
                         <m:t> </m:t>
                       </m:r>
                       <m:r>
-                        <a:rPr lang="en-US" sz="2000" b="1" i="1" smtClean="0">
+                        <a:rPr lang="en-US" sz="2000" b="1" i="1">
                           <a:solidFill>
                             <a:schemeClr val="bg1"/>
                           </a:solidFill>
@@ -12108,7 +12135,7 @@
                         <m:t>𝑷𝒍𝒂𝒚</m:t>
                       </m:r>
                       <m:r>
-                        <a:rPr lang="en-US" sz="2000" b="1" i="1" smtClean="0">
+                        <a:rPr lang="en-US" sz="2000" b="1" i="1">
                           <a:solidFill>
                             <a:schemeClr val="bg1"/>
                           </a:solidFill>
@@ -12145,7 +12172,7 @@
             </p:nvSpPr>
             <p:spPr>
               <a:xfrm>
-                <a:off x="2684013" y="2892744"/>
+                <a:off x="2684014" y="2892744"/>
                 <a:ext cx="7646868" cy="400110"/>
               </a:xfrm>
               <a:prstGeom prst="rect">
@@ -12189,7 +12216,7 @@
             </p:nvSpPr>
             <p:spPr>
               <a:xfrm>
-                <a:off x="1030259" y="5704986"/>
+                <a:off x="1030259" y="5704987"/>
                 <a:ext cx="7646868" cy="400110"/>
               </a:xfrm>
               <a:prstGeom prst="rect">
@@ -12211,7 +12238,7 @@
                     </m:oMathParaPr>
                     <m:oMath xmlns:m="http://schemas.openxmlformats.org/officeDocument/2006/math">
                       <m:r>
-                        <a:rPr lang="en-US" sz="2000" b="1" i="1" smtClean="0">
+                        <a:rPr lang="en-US" sz="2000" b="1" i="1">
                           <a:solidFill>
                             <a:schemeClr val="bg1"/>
                           </a:solidFill>
@@ -12220,7 +12247,7 @@
                         <m:t>𝑺</m:t>
                       </m:r>
                       <m:r>
-                        <a:rPr lang="en-US" sz="2000" b="1" i="1" smtClean="0">
+                        <a:rPr lang="en-US" sz="2000" b="1" i="1">
                           <a:solidFill>
                             <a:schemeClr val="bg1"/>
                           </a:solidFill>
@@ -12229,7 +12256,7 @@
                         <m:t>={</m:t>
                       </m:r>
                       <m:r>
-                        <a:rPr lang="en-US" sz="2000" b="1" i="1" smtClean="0">
+                        <a:rPr lang="en-US" sz="2000" b="1" i="1">
                           <a:solidFill>
                             <a:schemeClr val="bg1"/>
                           </a:solidFill>
@@ -12238,7 +12265,7 @@
                         <m:t>𝟎</m:t>
                       </m:r>
                       <m:r>
-                        <a:rPr lang="en-US" sz="2000" b="1" i="1" smtClean="0">
+                        <a:rPr lang="en-US" sz="2000" b="1" i="1">
                           <a:solidFill>
                             <a:schemeClr val="bg1"/>
                           </a:solidFill>
@@ -12247,7 +12274,7 @@
                         <m:t>,</m:t>
                       </m:r>
                       <m:r>
-                        <a:rPr lang="en-US" sz="2000" b="1" i="1" smtClean="0">
+                        <a:rPr lang="en-US" sz="2000" b="1" i="1">
                           <a:solidFill>
                             <a:schemeClr val="bg1"/>
                           </a:solidFill>
@@ -12256,7 +12283,7 @@
                         <m:t>𝟏</m:t>
                       </m:r>
                       <m:r>
-                        <a:rPr lang="en-US" sz="2000" b="1" i="1" smtClean="0">
+                        <a:rPr lang="en-US" sz="2000" b="1" i="1">
                           <a:solidFill>
                             <a:schemeClr val="bg1"/>
                           </a:solidFill>
@@ -12265,7 +12292,7 @@
                         <m:t>,</m:t>
                       </m:r>
                       <m:r>
-                        <a:rPr lang="en-US" sz="2000" b="1" i="1" smtClean="0">
+                        <a:rPr lang="en-US" sz="2000" b="1" i="1">
                           <a:solidFill>
                             <a:schemeClr val="bg1"/>
                           </a:solidFill>
@@ -12274,7 +12301,7 @@
                         <m:t>𝟐</m:t>
                       </m:r>
                       <m:r>
-                        <a:rPr lang="en-US" sz="2000" b="1" i="1" smtClean="0">
+                        <a:rPr lang="en-US" sz="2000" b="1" i="1">
                           <a:solidFill>
                             <a:schemeClr val="bg1"/>
                           </a:solidFill>
@@ -12283,7 +12310,7 @@
                         <m:t>,</m:t>
                       </m:r>
                       <m:r>
-                        <a:rPr lang="en-US" sz="2000" b="1" i="1" smtClean="0">
+                        <a:rPr lang="en-US" sz="2000" b="1" i="1">
                           <a:solidFill>
                             <a:schemeClr val="bg1"/>
                           </a:solidFill>
@@ -12292,7 +12319,7 @@
                         <m:t>𝟑</m:t>
                       </m:r>
                       <m:r>
-                        <a:rPr lang="en-US" sz="2000" b="1" i="1" smtClean="0">
+                        <a:rPr lang="en-US" sz="2000" b="1" i="1">
                           <a:solidFill>
                             <a:schemeClr val="bg1"/>
                           </a:solidFill>
@@ -12301,7 +12328,7 @@
                         <m:t>,</m:t>
                       </m:r>
                       <m:r>
-                        <a:rPr lang="en-US" sz="2000" b="1" i="1" smtClean="0">
+                        <a:rPr lang="en-US" sz="2000" b="1" i="1">
                           <a:solidFill>
                             <a:schemeClr val="bg1"/>
                           </a:solidFill>
@@ -12310,7 +12337,7 @@
                         <m:t>𝟒</m:t>
                       </m:r>
                       <m:r>
-                        <a:rPr lang="en-US" sz="2000" b="1" i="1" smtClean="0">
+                        <a:rPr lang="en-US" sz="2000" b="1" i="1">
                           <a:solidFill>
                             <a:schemeClr val="bg1"/>
                           </a:solidFill>
@@ -12347,7 +12374,7 @@
             </p:nvSpPr>
             <p:spPr>
               <a:xfrm>
-                <a:off x="1030259" y="5704986"/>
+                <a:off x="1030259" y="5704987"/>
                 <a:ext cx="7646868" cy="400110"/>
               </a:xfrm>
               <a:prstGeom prst="rect">
@@ -12427,7 +12454,7 @@
         </p:nvSpPr>
         <p:spPr>
           <a:xfrm>
-            <a:off x="725286" y="-52157"/>
+            <a:off x="-2" y="0"/>
             <a:ext cx="12192000" cy="6910157"/>
           </a:xfrm>
           <a:prstGeom prst="rect">
@@ -12489,7 +12516,7 @@
         </p:blipFill>
         <p:spPr>
           <a:xfrm>
-            <a:off x="0" y="-52157"/>
+            <a:off x="2" y="-52156"/>
             <a:ext cx="2684015" cy="3969421"/>
           </a:xfrm>
           <a:prstGeom prst="rect">
@@ -12511,8 +12538,8 @@
         </p:nvSpPr>
         <p:spPr>
           <a:xfrm rot="16200000">
-            <a:off x="782431" y="1849427"/>
-            <a:ext cx="3969421" cy="166254"/>
+            <a:off x="782432" y="1849427"/>
+            <a:ext cx="3969421" cy="166255"/>
           </a:xfrm>
           <a:prstGeom prst="rect">
             <a:avLst/>
@@ -12627,7 +12654,7 @@
         </p:nvSpPr>
         <p:spPr>
           <a:xfrm>
-            <a:off x="3007491" y="137620"/>
+            <a:off x="3007491" y="137621"/>
             <a:ext cx="9341732" cy="1684867"/>
           </a:xfrm>
         </p:spPr>
@@ -12678,7 +12705,7 @@
         </p:blipFill>
         <p:spPr>
           <a:xfrm>
-            <a:off x="417789" y="4380288"/>
+            <a:off x="417790" y="4380290"/>
             <a:ext cx="2014687" cy="2014687"/>
           </a:xfrm>
           <a:prstGeom prst="ellipse">
@@ -12724,8 +12751,8 @@
         </p:nvSpPr>
         <p:spPr>
           <a:xfrm rot="10800000">
-            <a:off x="3007493" y="844062"/>
-            <a:ext cx="9027282" cy="137067"/>
+            <a:off x="3007493" y="844063"/>
+            <a:ext cx="9027283" cy="137067"/>
           </a:xfrm>
           <a:prstGeom prst="rect">
             <a:avLst/>
@@ -12780,7 +12807,7 @@
         </p:nvSpPr>
         <p:spPr>
           <a:xfrm>
-            <a:off x="3080082" y="1520792"/>
+            <a:off x="3080083" y="1520792"/>
             <a:ext cx="7834845" cy="3539430"/>
           </a:xfrm>
           <a:prstGeom prst="rect">
@@ -12794,7 +12821,7 @@
           </a:bodyPr>
           <a:lstStyle/>
           <a:p>
-            <a:pPr marL="342900" indent="-342900">
+            <a:pPr marL="342891" indent="-342891">
               <a:buFont typeface="Arial" panose="020B0604020202020204" pitchFamily="34" charset="0"/>
               <a:buChar char="•"/>
             </a:pPr>
@@ -12809,7 +12836,7 @@
             </a:r>
           </a:p>
           <a:p>
-            <a:pPr marL="800100" lvl="1" indent="-342900">
+            <a:pPr marL="800080" lvl="1" indent="-342891">
               <a:buFont typeface="Arial" panose="020B0604020202020204" pitchFamily="34" charset="0"/>
               <a:buChar char="•"/>
             </a:pPr>
@@ -12824,7 +12851,7 @@
             </a:r>
           </a:p>
           <a:p>
-            <a:pPr marL="800100" lvl="1" indent="-342900">
+            <a:pPr marL="800080" lvl="1" indent="-342891">
               <a:buFont typeface="Arial" panose="020B0604020202020204" pitchFamily="34" charset="0"/>
               <a:buChar char="•"/>
             </a:pPr>
@@ -12839,7 +12866,7 @@
             </a:r>
           </a:p>
           <a:p>
-            <a:pPr marL="800100" lvl="1" indent="-342900">
+            <a:pPr marL="800080" lvl="1" indent="-342891">
               <a:buFont typeface="Arial" panose="020B0604020202020204" pitchFamily="34" charset="0"/>
               <a:buChar char="•"/>
             </a:pPr>
@@ -12851,7 +12878,7 @@
             </a:endParaRPr>
           </a:p>
           <a:p>
-            <a:pPr marL="800100" lvl="1" indent="-342900">
+            <a:pPr marL="800080" lvl="1" indent="-342891">
               <a:buFont typeface="Arial" panose="020B0604020202020204" pitchFamily="34" charset="0"/>
               <a:buChar char="•"/>
             </a:pPr>
@@ -12863,7 +12890,7 @@
             </a:endParaRPr>
           </a:p>
           <a:p>
-            <a:pPr marL="800100" lvl="1" indent="-342900">
+            <a:pPr marL="800080" lvl="1" indent="-342891">
               <a:buFont typeface="Arial" panose="020B0604020202020204" pitchFamily="34" charset="0"/>
               <a:buChar char="•"/>
             </a:pPr>
@@ -12875,7 +12902,7 @@
             </a:endParaRPr>
           </a:p>
           <a:p>
-            <a:pPr marL="800100" lvl="1" indent="-342900">
+            <a:pPr marL="800080" lvl="1" indent="-342891">
               <a:buFont typeface="Arial" panose="020B0604020202020204" pitchFamily="34" charset="0"/>
               <a:buChar char="•"/>
             </a:pPr>
@@ -12890,7 +12917,7 @@
             </a:r>
           </a:p>
           <a:p>
-            <a:pPr marL="800100" lvl="1" indent="-342900">
+            <a:pPr marL="800080" lvl="1" indent="-342891">
               <a:buFont typeface="Arial" panose="020B0604020202020204" pitchFamily="34" charset="0"/>
               <a:buChar char="•"/>
             </a:pPr>
@@ -12902,7 +12929,7 @@
             </a:endParaRPr>
           </a:p>
           <a:p>
-            <a:pPr marL="800100" lvl="1" indent="-342900">
+            <a:pPr marL="800080" lvl="1" indent="-342891">
               <a:buFont typeface="Arial" panose="020B0604020202020204" pitchFamily="34" charset="0"/>
               <a:buChar char="•"/>
             </a:pPr>
@@ -12914,7 +12941,7 @@
             </a:endParaRPr>
           </a:p>
           <a:p>
-            <a:pPr marL="800100" lvl="1" indent="-342900">
+            <a:pPr marL="800080" lvl="1" indent="-342891">
               <a:buFont typeface="Arial" panose="020B0604020202020204" pitchFamily="34" charset="0"/>
               <a:buChar char="•"/>
             </a:pPr>
@@ -12930,8 +12957,8 @@
           </a:p>
         </p:txBody>
       </p:sp>
-      <mc:AlternateContent xmlns:mc="http://schemas.openxmlformats.org/markup-compatibility/2006">
-        <mc:Choice xmlns:a14="http://schemas.microsoft.com/office/drawing/2010/main" Requires="a14">
+      <mc:AlternateContent xmlns:mc="http://schemas.openxmlformats.org/markup-compatibility/2006" xmlns:a14="http://schemas.microsoft.com/office/drawing/2010/main">
+        <mc:Choice Requires="a14">
           <p:sp>
             <p:nvSpPr>
               <p:cNvPr id="12" name="TextBox 11">
@@ -12946,7 +12973,7 @@
             </p:nvSpPr>
             <p:spPr>
               <a:xfrm>
-                <a:off x="1645786" y="2873316"/>
+                <a:off x="1645788" y="2873316"/>
                 <a:ext cx="7214761" cy="839076"/>
               </a:xfrm>
               <a:prstGeom prst="rect">
@@ -12968,7 +12995,7 @@
                     </m:oMathParaPr>
                     <m:oMath xmlns:m="http://schemas.openxmlformats.org/officeDocument/2006/math">
                       <m:r>
-                        <a:rPr lang="en-US" sz="2000" b="1" i="1" smtClean="0">
+                        <a:rPr lang="en-US" sz="2000" b="1" i="1">
                           <a:solidFill>
                             <a:schemeClr val="bg1"/>
                           </a:solidFill>
@@ -12977,7 +13004,7 @@
                         <m:t>𝑬</m:t>
                       </m:r>
                       <m:r>
-                        <a:rPr lang="en-US" sz="2000" b="1" i="1" smtClean="0">
+                        <a:rPr lang="en-US" sz="2000" b="1" i="1">
                           <a:solidFill>
                             <a:schemeClr val="bg1"/>
                           </a:solidFill>
@@ -12986,7 +13013,7 @@
                         <m:t>[</m:t>
                       </m:r>
                       <m:r>
-                        <a:rPr lang="en-US" sz="2000" b="1" i="1" smtClean="0">
+                        <a:rPr lang="en-US" sz="2000" b="1" i="1">
                           <a:solidFill>
                             <a:schemeClr val="bg1"/>
                           </a:solidFill>
@@ -12995,7 +13022,7 @@
                         <m:t>𝑿</m:t>
                       </m:r>
                       <m:r>
-                        <a:rPr lang="en-US" sz="2000" b="1" i="1" smtClean="0">
+                        <a:rPr lang="en-US" sz="2000" b="1" i="1">
                           <a:solidFill>
                             <a:schemeClr val="bg1"/>
                           </a:solidFill>
@@ -13115,7 +13142,7 @@
             </p:txBody>
           </p:sp>
         </mc:Choice>
-        <mc:Fallback>
+        <mc:Fallback xmlns="">
           <p:sp>
             <p:nvSpPr>
               <p:cNvPr id="12" name="TextBox 11">
@@ -13132,7 +13159,7 @@
             </p:nvSpPr>
             <p:spPr>
               <a:xfrm>
-                <a:off x="1645786" y="2873316"/>
+                <a:off x="1645788" y="2873316"/>
                 <a:ext cx="7214761" cy="839076"/>
               </a:xfrm>
               <a:prstGeom prst="rect">
@@ -13175,14 +13202,14 @@
           <p:nvPr>
             <p:extLst>
               <p:ext uri="{D42A27DB-BD31-4B8C-83A1-F6EECF244321}">
-                <p14:modId xmlns:p14="http://schemas.microsoft.com/office/powerpoint/2010/main" val="2463855797"/>
+                <p14:modId xmlns:p14="http://schemas.microsoft.com/office/powerpoint/2010/main" val="1138767422"/>
               </p:ext>
             </p:extLst>
           </p:nvPr>
         </p:nvGraphicFramePr>
         <p:xfrm>
-          <a:off x="10792306" y="3612696"/>
-          <a:ext cx="1919719" cy="3134764"/>
+          <a:off x="10145048" y="4480560"/>
+          <a:ext cx="1919720" cy="2377440"/>
         </p:xfrm>
         <a:graphic>
           <a:graphicData uri="http://schemas.openxmlformats.org/drawingml/2006/table">
@@ -13198,7 +13225,7 @@
                     </a:ext>
                   </a:extLst>
                 </a:gridCol>
-                <a:gridCol w="1189178">
+                <a:gridCol w="1189179">
                   <a:extLst>
                     <a:ext uri="{9D8B030D-6E8A-4147-A177-3AD203B41FA5}">
                       <a16:colId xmlns:a16="http://schemas.microsoft.com/office/drawing/2014/main" val="3179823401"/>
@@ -13206,7 +13233,7 @@
                   </a:extLst>
                 </a:gridCol>
               </a:tblGrid>
-              <a:tr h="848764">
+              <a:tr h="356704">
                 <a:tc>
                   <a:txBody>
                     <a:bodyPr/>
@@ -13214,7 +13241,7 @@
                     <a:p>
                       <a:pPr algn="ctr"/>
                       <a:r>
-                        <a:rPr lang="en-US" sz="2400" dirty="0"/>
+                        <a:rPr lang="en-US" sz="2000" dirty="0"/>
                         <a:t>x</a:t>
                       </a:r>
                     </a:p>
@@ -13228,7 +13255,7 @@
                     <a:p>
                       <a:pPr algn="ctr"/>
                       <a:r>
-                        <a:rPr lang="en-US" sz="2400" dirty="0"/>
+                        <a:rPr lang="en-US" sz="2000" dirty="0"/>
                         <a:t>P(X=x)</a:t>
                       </a:r>
                     </a:p>
@@ -13241,7 +13268,7 @@
                   </a:ext>
                 </a:extLst>
               </a:tr>
-              <a:tr h="349776">
+              <a:tr h="356704">
                 <a:tc>
                   <a:txBody>
                     <a:bodyPr/>
@@ -13249,7 +13276,7 @@
                     <a:p>
                       <a:pPr algn="ctr"/>
                       <a:r>
-                        <a:rPr lang="en-US" sz="2400" dirty="0"/>
+                        <a:rPr lang="en-US" sz="2000" dirty="0"/>
                         <a:t>0</a:t>
                       </a:r>
                     </a:p>
@@ -13263,7 +13290,7 @@
                     <a:p>
                       <a:pPr algn="ctr"/>
                       <a:r>
-                        <a:rPr lang="en-US" sz="2400" dirty="0"/>
+                        <a:rPr lang="en-US" sz="2000" dirty="0"/>
                         <a:t>0.2</a:t>
                       </a:r>
                     </a:p>
@@ -13276,7 +13303,7 @@
                   </a:ext>
                 </a:extLst>
               </a:tr>
-              <a:tr h="349776">
+              <a:tr h="356704">
                 <a:tc>
                   <a:txBody>
                     <a:bodyPr/>
@@ -13284,7 +13311,7 @@
                     <a:p>
                       <a:pPr algn="ctr"/>
                       <a:r>
-                        <a:rPr lang="en-US" sz="2400" dirty="0"/>
+                        <a:rPr lang="en-US" sz="2000" dirty="0"/>
                         <a:t>1</a:t>
                       </a:r>
                     </a:p>
@@ -13298,7 +13325,7 @@
                     <a:p>
                       <a:pPr algn="ctr"/>
                       <a:r>
-                        <a:rPr lang="en-US" sz="2400" dirty="0"/>
+                        <a:rPr lang="en-US" sz="2000" dirty="0"/>
                         <a:t>0.4</a:t>
                       </a:r>
                     </a:p>
@@ -13311,7 +13338,7 @@
                   </a:ext>
                 </a:extLst>
               </a:tr>
-              <a:tr h="349776">
+              <a:tr h="356704">
                 <a:tc>
                   <a:txBody>
                     <a:bodyPr/>
@@ -13319,7 +13346,7 @@
                     <a:p>
                       <a:pPr algn="ctr"/>
                       <a:r>
-                        <a:rPr lang="en-US" sz="2400" dirty="0"/>
+                        <a:rPr lang="en-US" sz="2000" dirty="0"/>
                         <a:t>2</a:t>
                       </a:r>
                     </a:p>
@@ -13333,7 +13360,7 @@
                     <a:p>
                       <a:pPr algn="ctr"/>
                       <a:r>
-                        <a:rPr lang="en-US" sz="2400" dirty="0"/>
+                        <a:rPr lang="en-US" sz="2000" dirty="0"/>
                         <a:t>0.3</a:t>
                       </a:r>
                     </a:p>
@@ -13346,7 +13373,7 @@
                   </a:ext>
                 </a:extLst>
               </a:tr>
-              <a:tr h="349776">
+              <a:tr h="356704">
                 <a:tc>
                   <a:txBody>
                     <a:bodyPr/>
@@ -13354,7 +13381,7 @@
                     <a:p>
                       <a:pPr algn="ctr"/>
                       <a:r>
-                        <a:rPr lang="en-US" sz="2400" dirty="0"/>
+                        <a:rPr lang="en-US" sz="2000" dirty="0"/>
                         <a:t>3</a:t>
                       </a:r>
                     </a:p>
@@ -13368,7 +13395,7 @@
                     <a:p>
                       <a:pPr algn="ctr"/>
                       <a:r>
-                        <a:rPr lang="en-US" sz="2400" dirty="0"/>
+                        <a:rPr lang="en-US" sz="2000" dirty="0"/>
                         <a:t>0.05</a:t>
                       </a:r>
                     </a:p>
@@ -13381,7 +13408,7 @@
                   </a:ext>
                 </a:extLst>
               </a:tr>
-              <a:tr h="349776">
+              <a:tr h="356704">
                 <a:tc>
                   <a:txBody>
                     <a:bodyPr/>
@@ -13389,7 +13416,7 @@
                     <a:p>
                       <a:pPr algn="ctr"/>
                       <a:r>
-                        <a:rPr lang="en-US" sz="2400" dirty="0"/>
+                        <a:rPr lang="en-US" sz="2000" dirty="0"/>
                         <a:t>4</a:t>
                       </a:r>
                     </a:p>
@@ -13403,7 +13430,7 @@
                     <a:p>
                       <a:pPr algn="ctr"/>
                       <a:r>
-                        <a:rPr lang="en-US" sz="2400" dirty="0"/>
+                        <a:rPr lang="en-US" sz="2000" dirty="0"/>
                         <a:t>0.05</a:t>
                       </a:r>
                     </a:p>
@@ -13420,8 +13447,8 @@
           </a:graphicData>
         </a:graphic>
       </p:graphicFrame>
-      <mc:AlternateContent xmlns:mc="http://schemas.openxmlformats.org/markup-compatibility/2006">
-        <mc:Choice xmlns:a14="http://schemas.microsoft.com/office/drawing/2010/main" Requires="a14">
+      <mc:AlternateContent xmlns:mc="http://schemas.openxmlformats.org/markup-compatibility/2006" xmlns:a14="http://schemas.microsoft.com/office/drawing/2010/main">
+        <mc:Choice Requires="a14">
           <p:sp>
             <p:nvSpPr>
               <p:cNvPr id="13" name="TextBox 12">
@@ -13436,7 +13463,7 @@
             </p:nvSpPr>
             <p:spPr>
               <a:xfrm>
-                <a:off x="2890103" y="4180233"/>
+                <a:off x="3839598" y="4080450"/>
                 <a:ext cx="7862367" cy="400110"/>
               </a:xfrm>
               <a:prstGeom prst="rect">
@@ -13458,7 +13485,7 @@
                     </m:oMathParaPr>
                     <m:oMath xmlns:m="http://schemas.openxmlformats.org/officeDocument/2006/math">
                       <m:r>
-                        <a:rPr lang="en-US" sz="2000" b="1" i="1" smtClean="0">
+                        <a:rPr lang="en-US" sz="2000" b="1" i="1">
                           <a:solidFill>
                             <a:schemeClr val="bg1"/>
                           </a:solidFill>
@@ -13471,7 +13498,7 @@
                           <m:begChr m:val="["/>
                           <m:endChr m:val="]"/>
                           <m:ctrlPr>
-                            <a:rPr lang="en-US" sz="2000" b="1" i="1" smtClean="0">
+                            <a:rPr lang="en-US" sz="2000" b="1" i="1">
                               <a:solidFill>
                                 <a:schemeClr val="bg1"/>
                               </a:solidFill>
@@ -13481,7 +13508,7 @@
                         </m:dPr>
                         <m:e>
                           <m:r>
-                            <a:rPr lang="en-US" sz="2000" b="1" i="1" smtClean="0">
+                            <a:rPr lang="en-US" sz="2000" b="1" i="1">
                               <a:solidFill>
                                 <a:schemeClr val="bg1"/>
                               </a:solidFill>
@@ -13492,7 +13519,7 @@
                         </m:e>
                       </m:d>
                       <m:r>
-                        <a:rPr lang="en-US" sz="2000" b="1" i="1" smtClean="0">
+                        <a:rPr lang="en-US" sz="2000" b="1" i="1">
                           <a:solidFill>
                             <a:schemeClr val="bg1"/>
                           </a:solidFill>
@@ -13501,7 +13528,7 @@
                         <m:t>=</m:t>
                       </m:r>
                       <m:r>
-                        <a:rPr lang="en-US" sz="2000" b="1" i="1" smtClean="0">
+                        <a:rPr lang="en-US" sz="2000" b="1" i="1">
                           <a:solidFill>
                             <a:schemeClr val="bg1"/>
                           </a:solidFill>
@@ -13510,7 +13537,7 @@
                         <m:t>𝟎</m:t>
                       </m:r>
                       <m:r>
-                        <a:rPr lang="en-US" sz="2000" b="1" i="1" smtClean="0">
+                        <a:rPr lang="en-US" sz="2000" b="1" i="1">
                           <a:solidFill>
                             <a:schemeClr val="bg1"/>
                           </a:solidFill>
@@ -13519,7 +13546,7 @@
                         <m:t>×</m:t>
                       </m:r>
                       <m:r>
-                        <a:rPr lang="en-US" sz="2000" b="1" i="1" smtClean="0">
+                        <a:rPr lang="en-US" sz="2000" b="1" i="1">
                           <a:solidFill>
                             <a:schemeClr val="bg1"/>
                           </a:solidFill>
@@ -13528,7 +13555,7 @@
                         <m:t>𝟎</m:t>
                       </m:r>
                       <m:r>
-                        <a:rPr lang="en-US" sz="2000" b="1" i="1" smtClean="0">
+                        <a:rPr lang="en-US" sz="2000" b="1" i="1">
                           <a:solidFill>
                             <a:schemeClr val="bg1"/>
                           </a:solidFill>
@@ -13537,7 +13564,7 @@
                         <m:t>.</m:t>
                       </m:r>
                       <m:r>
-                        <a:rPr lang="en-US" sz="2000" b="1" i="1" smtClean="0">
+                        <a:rPr lang="en-US" sz="2000" b="1" i="1">
                           <a:solidFill>
                             <a:schemeClr val="bg1"/>
                           </a:solidFill>
@@ -13546,7 +13573,7 @@
                         <m:t>𝟐</m:t>
                       </m:r>
                       <m:r>
-                        <a:rPr lang="en-US" sz="2000" b="1" i="1" smtClean="0">
+                        <a:rPr lang="en-US" sz="2000" b="1" i="1">
                           <a:solidFill>
                             <a:schemeClr val="bg1"/>
                           </a:solidFill>
@@ -13555,7 +13582,7 @@
                         <m:t>+</m:t>
                       </m:r>
                       <m:r>
-                        <a:rPr lang="en-US" sz="2000" b="1" i="1" smtClean="0">
+                        <a:rPr lang="en-US" sz="2000" b="1" i="1">
                           <a:solidFill>
                             <a:schemeClr val="bg1"/>
                           </a:solidFill>
@@ -13564,7 +13591,7 @@
                         <m:t>𝟏</m:t>
                       </m:r>
                       <m:r>
-                        <a:rPr lang="en-US" sz="2000" b="1" i="1" smtClean="0">
+                        <a:rPr lang="en-US" sz="2000" b="1" i="1">
                           <a:solidFill>
                             <a:schemeClr val="bg1"/>
                           </a:solidFill>
@@ -13573,7 +13600,7 @@
                         <m:t>×</m:t>
                       </m:r>
                       <m:r>
-                        <a:rPr lang="en-US" sz="2000" b="1" i="1" smtClean="0">
+                        <a:rPr lang="en-US" sz="2000" b="1" i="1">
                           <a:solidFill>
                             <a:schemeClr val="bg1"/>
                           </a:solidFill>
@@ -13582,7 +13609,7 @@
                         <m:t>𝟎</m:t>
                       </m:r>
                       <m:r>
-                        <a:rPr lang="en-US" sz="2000" b="1" i="1" smtClean="0">
+                        <a:rPr lang="en-US" sz="2000" b="1" i="1">
                           <a:solidFill>
                             <a:schemeClr val="bg1"/>
                           </a:solidFill>
@@ -13591,7 +13618,7 @@
                         <m:t>.</m:t>
                       </m:r>
                       <m:r>
-                        <a:rPr lang="en-US" sz="2000" b="1" i="1" smtClean="0">
+                        <a:rPr lang="en-US" sz="2000" b="1" i="1">
                           <a:solidFill>
                             <a:schemeClr val="bg1"/>
                           </a:solidFill>
@@ -13600,7 +13627,7 @@
                         <m:t>𝟒</m:t>
                       </m:r>
                       <m:r>
-                        <a:rPr lang="en-US" sz="2000" b="1" i="1" smtClean="0">
+                        <a:rPr lang="en-US" sz="2000" b="1" i="1">
                           <a:solidFill>
                             <a:schemeClr val="bg1"/>
                           </a:solidFill>
@@ -13609,7 +13636,7 @@
                         <m:t>+</m:t>
                       </m:r>
                       <m:r>
-                        <a:rPr lang="en-US" sz="2000" b="1" i="1" smtClean="0">
+                        <a:rPr lang="en-US" sz="2000" b="1" i="1">
                           <a:solidFill>
                             <a:schemeClr val="bg1"/>
                           </a:solidFill>
@@ -13618,7 +13645,7 @@
                         <m:t>𝟐</m:t>
                       </m:r>
                       <m:r>
-                        <a:rPr lang="en-US" sz="2000" b="1" i="1" smtClean="0">
+                        <a:rPr lang="en-US" sz="2000" b="1" i="1">
                           <a:solidFill>
                             <a:schemeClr val="bg1"/>
                           </a:solidFill>
@@ -13627,7 +13654,7 @@
                         <m:t>×</m:t>
                       </m:r>
                       <m:r>
-                        <a:rPr lang="en-US" sz="2000" b="1" i="1" smtClean="0">
+                        <a:rPr lang="en-US" sz="2000" b="1" i="1">
                           <a:solidFill>
                             <a:schemeClr val="bg1"/>
                           </a:solidFill>
@@ -13636,7 +13663,7 @@
                         <m:t>𝟎</m:t>
                       </m:r>
                       <m:r>
-                        <a:rPr lang="en-US" sz="2000" b="1" i="1" smtClean="0">
+                        <a:rPr lang="en-US" sz="2000" b="1" i="1">
                           <a:solidFill>
                             <a:schemeClr val="bg1"/>
                           </a:solidFill>
@@ -13645,7 +13672,7 @@
                         <m:t>.</m:t>
                       </m:r>
                       <m:r>
-                        <a:rPr lang="en-US" sz="2000" b="1" i="1" smtClean="0">
+                        <a:rPr lang="en-US" sz="2000" b="1" i="1">
                           <a:solidFill>
                             <a:schemeClr val="bg1"/>
                           </a:solidFill>
@@ -13654,7 +13681,7 @@
                         <m:t>𝟑</m:t>
                       </m:r>
                       <m:r>
-                        <a:rPr lang="en-US" sz="2000" b="1" i="1" smtClean="0">
+                        <a:rPr lang="en-US" sz="2000" b="1" i="1">
                           <a:solidFill>
                             <a:schemeClr val="bg1"/>
                           </a:solidFill>
@@ -13663,7 +13690,7 @@
                         <m:t>+</m:t>
                       </m:r>
                       <m:r>
-                        <a:rPr lang="en-US" sz="2000" b="1" i="1" smtClean="0">
+                        <a:rPr lang="en-US" sz="2000" b="1" i="1">
                           <a:solidFill>
                             <a:schemeClr val="bg1"/>
                           </a:solidFill>
@@ -13672,7 +13699,7 @@
                         <m:t>𝟑</m:t>
                       </m:r>
                       <m:r>
-                        <a:rPr lang="en-US" sz="2000" b="1" i="1" smtClean="0">
+                        <a:rPr lang="en-US" sz="2000" b="1" i="1">
                           <a:solidFill>
                             <a:schemeClr val="bg1"/>
                           </a:solidFill>
@@ -13681,7 +13708,7 @@
                         <m:t>×</m:t>
                       </m:r>
                       <m:r>
-                        <a:rPr lang="en-US" sz="2000" b="1" i="1" smtClean="0">
+                        <a:rPr lang="en-US" sz="2000" b="1" i="1">
                           <a:solidFill>
                             <a:schemeClr val="bg1"/>
                           </a:solidFill>
@@ -13690,7 +13717,7 @@
                         <m:t>𝟎</m:t>
                       </m:r>
                       <m:r>
-                        <a:rPr lang="en-US" sz="2000" b="1" i="1" smtClean="0">
+                        <a:rPr lang="en-US" sz="2000" b="1" i="1">
                           <a:solidFill>
                             <a:schemeClr val="bg1"/>
                           </a:solidFill>
@@ -13699,7 +13726,7 @@
                         <m:t>.</m:t>
                       </m:r>
                       <m:r>
-                        <a:rPr lang="en-US" sz="2000" b="1" i="1" smtClean="0">
+                        <a:rPr lang="en-US" sz="2000" b="1" i="1">
                           <a:solidFill>
                             <a:schemeClr val="bg1"/>
                           </a:solidFill>
@@ -13708,7 +13735,7 @@
                         <m:t>𝟎𝟓</m:t>
                       </m:r>
                       <m:r>
-                        <a:rPr lang="en-US" sz="2000" b="1" i="1" smtClean="0">
+                        <a:rPr lang="en-US" sz="2000" b="1" i="1">
                           <a:solidFill>
                             <a:schemeClr val="bg1"/>
                           </a:solidFill>
@@ -13717,7 +13744,7 @@
                         <m:t>+</m:t>
                       </m:r>
                       <m:r>
-                        <a:rPr lang="en-US" sz="2000" b="1" i="1" smtClean="0">
+                        <a:rPr lang="en-US" sz="2000" b="1" i="1">
                           <a:solidFill>
                             <a:schemeClr val="bg1"/>
                           </a:solidFill>
@@ -13726,7 +13753,7 @@
                         <m:t>𝟒</m:t>
                       </m:r>
                       <m:r>
-                        <a:rPr lang="en-US" sz="2000" b="1" i="1" smtClean="0">
+                        <a:rPr lang="en-US" sz="2000" b="1" i="1">
                           <a:solidFill>
                             <a:schemeClr val="bg1"/>
                           </a:solidFill>
@@ -13735,7 +13762,7 @@
                         <m:t>×</m:t>
                       </m:r>
                       <m:r>
-                        <a:rPr lang="en-US" sz="2000" b="1" i="1" smtClean="0">
+                        <a:rPr lang="en-US" sz="2000" b="1" i="1">
                           <a:solidFill>
                             <a:schemeClr val="bg1"/>
                           </a:solidFill>
@@ -13744,7 +13771,7 @@
                         <m:t>𝟎</m:t>
                       </m:r>
                       <m:r>
-                        <a:rPr lang="en-US" sz="2000" b="1" i="1" smtClean="0">
+                        <a:rPr lang="en-US" sz="2000" b="1" i="1">
                           <a:solidFill>
                             <a:schemeClr val="bg1"/>
                           </a:solidFill>
@@ -13753,7 +13780,7 @@
                         <m:t>.</m:t>
                       </m:r>
                       <m:r>
-                        <a:rPr lang="en-US" sz="2000" b="1" i="1" smtClean="0">
+                        <a:rPr lang="en-US" sz="2000" b="1" i="1">
                           <a:solidFill>
                             <a:schemeClr val="bg1"/>
                           </a:solidFill>
@@ -13762,7 +13789,7 @@
                         <m:t>𝟎𝟓</m:t>
                       </m:r>
                       <m:r>
-                        <a:rPr lang="en-US" sz="2000" b="1" i="1" smtClean="0">
+                        <a:rPr lang="en-US" sz="2000" b="1" i="1">
                           <a:solidFill>
                             <a:schemeClr val="bg1"/>
                           </a:solidFill>
@@ -13771,7 +13798,7 @@
                         <m:t>=</m:t>
                       </m:r>
                       <m:r>
-                        <a:rPr lang="en-US" sz="2000" b="1" i="1" smtClean="0">
+                        <a:rPr lang="en-US" sz="2000" b="1" i="1">
                           <a:solidFill>
                             <a:schemeClr val="bg1"/>
                           </a:solidFill>
@@ -13780,7 +13807,7 @@
                         <m:t>𝟏</m:t>
                       </m:r>
                       <m:r>
-                        <a:rPr lang="en-US" sz="2000" b="1" i="1" smtClean="0">
+                        <a:rPr lang="en-US" sz="2000" b="1" i="1">
                           <a:solidFill>
                             <a:schemeClr val="bg1"/>
                           </a:solidFill>
@@ -13789,7 +13816,7 @@
                         <m:t>.</m:t>
                       </m:r>
                       <m:r>
-                        <a:rPr lang="en-US" sz="2000" b="1" i="1" smtClean="0">
+                        <a:rPr lang="en-US" sz="2000" b="1" i="1">
                           <a:solidFill>
                             <a:schemeClr val="bg1"/>
                           </a:solidFill>
@@ -13809,7 +13836,7 @@
             </p:txBody>
           </p:sp>
         </mc:Choice>
-        <mc:Fallback>
+        <mc:Fallback xmlns="">
           <p:sp>
             <p:nvSpPr>
               <p:cNvPr id="13" name="TextBox 12">
@@ -13826,7 +13853,7 @@
             </p:nvSpPr>
             <p:spPr>
               <a:xfrm>
-                <a:off x="2890103" y="4180233"/>
+                <a:off x="3839598" y="4080450"/>
                 <a:ext cx="7862367" cy="400110"/>
               </a:xfrm>
               <a:prstGeom prst="rect">
@@ -13854,8 +13881,8 @@
           </p:sp>
         </mc:Fallback>
       </mc:AlternateContent>
-      <mc:AlternateContent xmlns:mc="http://schemas.openxmlformats.org/markup-compatibility/2006">
-        <mc:Choice xmlns:a14="http://schemas.microsoft.com/office/drawing/2010/main" Requires="a14">
+      <mc:AlternateContent xmlns:mc="http://schemas.openxmlformats.org/markup-compatibility/2006" xmlns:a14="http://schemas.microsoft.com/office/drawing/2010/main">
+        <mc:Choice Requires="a14">
           <p:sp>
             <p:nvSpPr>
               <p:cNvPr id="14" name="TextBox 13">
@@ -13870,7 +13897,7 @@
             </p:nvSpPr>
             <p:spPr>
               <a:xfrm>
-                <a:off x="2143249" y="5026293"/>
+                <a:off x="2143250" y="5026293"/>
                 <a:ext cx="7214761" cy="877548"/>
               </a:xfrm>
               <a:prstGeom prst="rect">
@@ -13892,7 +13919,7 @@
                     </m:oMathParaPr>
                     <m:oMath xmlns:m="http://schemas.openxmlformats.org/officeDocument/2006/math">
                       <m:r>
-                        <a:rPr lang="en-US" sz="2000" b="1" i="1" smtClean="0">
+                        <a:rPr lang="en-US" sz="2000" b="1" i="1">
                           <a:solidFill>
                             <a:schemeClr val="bg1"/>
                           </a:solidFill>
@@ -13901,7 +13928,7 @@
                         <m:t>𝑬</m:t>
                       </m:r>
                       <m:r>
-                        <a:rPr lang="en-US" sz="2000" b="1" i="1" smtClean="0">
+                        <a:rPr lang="en-US" sz="2000" b="1" i="1">
                           <a:solidFill>
                             <a:schemeClr val="bg1"/>
                           </a:solidFill>
@@ -13910,7 +13937,7 @@
                         <m:t>[</m:t>
                       </m:r>
                       <m:r>
-                        <a:rPr lang="en-US" sz="2000" b="1" i="1" smtClean="0">
+                        <a:rPr lang="en-US" sz="2000" b="1" i="1">
                           <a:solidFill>
                             <a:schemeClr val="bg1"/>
                           </a:solidFill>
@@ -13919,7 +13946,7 @@
                         <m:t>𝑿</m:t>
                       </m:r>
                       <m:r>
-                        <a:rPr lang="en-US" sz="2000" b="1" i="1" smtClean="0">
+                        <a:rPr lang="en-US" sz="2000" b="1" i="1">
                           <a:solidFill>
                             <a:schemeClr val="bg1"/>
                           </a:solidFill>
@@ -13932,7 +13959,7 @@
                           <m:chr m:val="∑"/>
                           <m:supHide m:val="on"/>
                           <m:ctrlPr>
-                            <a:rPr lang="en-US" sz="2000" b="1" i="1" smtClean="0">
+                            <a:rPr lang="en-US" sz="2000" b="1" i="1">
                               <a:solidFill>
                                 <a:schemeClr val="bg1"/>
                               </a:solidFill>
@@ -13942,7 +13969,7 @@
                         </m:naryPr>
                         <m:sub>
                           <m:r>
-                            <a:rPr lang="en-US" sz="2000" b="1" i="1" smtClean="0">
+                            <a:rPr lang="en-US" sz="2000" b="1" i="1">
                               <a:solidFill>
                                 <a:schemeClr val="bg1"/>
                               </a:solidFill>
@@ -13951,7 +13978,7 @@
                             <m:t>𝒚</m:t>
                           </m:r>
                           <m:r>
-                            <a:rPr lang="en-US" sz="2000" b="1" i="1" smtClean="0">
+                            <a:rPr lang="en-US" sz="2000" b="1" i="1">
                               <a:solidFill>
                                 <a:schemeClr val="bg1"/>
                               </a:solidFill>
@@ -13960,7 +13987,7 @@
                             <m:t>∈</m:t>
                           </m:r>
                           <m:r>
-                            <a:rPr lang="en-US" sz="2000" b="1" i="1" smtClean="0">
+                            <a:rPr lang="en-US" sz="2000" b="1" i="1">
                               <a:solidFill>
                                 <a:schemeClr val="bg1"/>
                               </a:solidFill>
@@ -13972,7 +13999,7 @@
                         <m:sup/>
                         <m:e>
                           <m:r>
-                            <a:rPr lang="en-US" sz="2000" b="1" i="1" smtClean="0">
+                            <a:rPr lang="en-US" sz="2000" b="1" i="1">
                               <a:solidFill>
                                 <a:schemeClr val="bg1"/>
                               </a:solidFill>
@@ -13981,7 +14008,7 @@
                             <m:t>𝑬</m:t>
                           </m:r>
                           <m:r>
-                            <a:rPr lang="en-US" sz="2000" b="1" i="1" smtClean="0">
+                            <a:rPr lang="en-US" sz="2000" b="1" i="1">
                               <a:solidFill>
                                 <a:schemeClr val="bg1"/>
                               </a:solidFill>
@@ -13990,7 +14017,7 @@
                             <m:t>[</m:t>
                           </m:r>
                           <m:r>
-                            <a:rPr lang="en-US" sz="2000" b="1" i="1" smtClean="0">
+                            <a:rPr lang="en-US" sz="2000" b="1" i="1">
                               <a:solidFill>
                                 <a:schemeClr val="bg1"/>
                               </a:solidFill>
@@ -13999,7 +14026,7 @@
                             <m:t>𝑿</m:t>
                           </m:r>
                           <m:r>
-                            <a:rPr lang="en-US" sz="2000" b="1" i="1" smtClean="0">
+                            <a:rPr lang="en-US" sz="2000" b="1" i="1">
                               <a:solidFill>
                                 <a:schemeClr val="bg1"/>
                               </a:solidFill>
@@ -14008,7 +14035,7 @@
                             <m:t>|</m:t>
                           </m:r>
                           <m:r>
-                            <a:rPr lang="en-US" sz="2000" b="1" i="1" smtClean="0">
+                            <a:rPr lang="en-US" sz="2000" b="1" i="1">
                               <a:solidFill>
                                 <a:schemeClr val="bg1"/>
                               </a:solidFill>
@@ -14017,7 +14044,7 @@
                             <m:t>𝒀</m:t>
                           </m:r>
                           <m:r>
-                            <a:rPr lang="en-US" sz="2000" b="1" i="1" smtClean="0">
+                            <a:rPr lang="en-US" sz="2000" b="1" i="1">
                               <a:solidFill>
                                 <a:schemeClr val="bg1"/>
                               </a:solidFill>
@@ -14026,7 +14053,7 @@
                             <m:t>=</m:t>
                           </m:r>
                           <m:r>
-                            <a:rPr lang="en-US" sz="2000" b="1" i="1" smtClean="0">
+                            <a:rPr lang="en-US" sz="2000" b="1" i="1">
                               <a:solidFill>
                                 <a:schemeClr val="bg1"/>
                               </a:solidFill>
@@ -14035,7 +14062,7 @@
                             <m:t>𝒚</m:t>
                           </m:r>
                           <m:r>
-                            <a:rPr lang="en-US" sz="2000" b="1" i="1" smtClean="0">
+                            <a:rPr lang="en-US" sz="2000" b="1" i="1">
                               <a:solidFill>
                                 <a:schemeClr val="bg1"/>
                               </a:solidFill>
@@ -14044,7 +14071,7 @@
                             <m:t>]</m:t>
                           </m:r>
                           <m:r>
-                            <a:rPr lang="en-US" sz="2000" b="1" i="1" smtClean="0">
+                            <a:rPr lang="en-US" sz="2000" b="1" i="1">
                               <a:solidFill>
                                 <a:schemeClr val="bg1"/>
                               </a:solidFill>
@@ -14053,7 +14080,7 @@
                             <m:t>𝑷</m:t>
                           </m:r>
                           <m:r>
-                            <a:rPr lang="en-US" sz="2000" b="1" i="1" smtClean="0">
+                            <a:rPr lang="en-US" sz="2000" b="1" i="1">
                               <a:solidFill>
                                 <a:schemeClr val="bg1"/>
                               </a:solidFill>
@@ -14062,7 +14089,7 @@
                             <m:t>(</m:t>
                           </m:r>
                           <m:r>
-                            <a:rPr lang="en-US" sz="2000" b="1" i="1" smtClean="0">
+                            <a:rPr lang="en-US" sz="2000" b="1" i="1">
                               <a:solidFill>
                                 <a:schemeClr val="bg1"/>
                               </a:solidFill>
@@ -14071,7 +14098,7 @@
                             <m:t>𝒀</m:t>
                           </m:r>
                           <m:r>
-                            <a:rPr lang="en-US" sz="2000" b="1" i="1" smtClean="0">
+                            <a:rPr lang="en-US" sz="2000" b="1" i="1">
                               <a:solidFill>
                                 <a:schemeClr val="bg1"/>
                               </a:solidFill>
@@ -14080,7 +14107,7 @@
                             <m:t>=</m:t>
                           </m:r>
                           <m:r>
-                            <a:rPr lang="en-US" sz="2000" b="1" i="1" smtClean="0">
+                            <a:rPr lang="en-US" sz="2000" b="1" i="1">
                               <a:solidFill>
                                 <a:schemeClr val="bg1"/>
                               </a:solidFill>
@@ -14089,7 +14116,7 @@
                             <m:t>𝒚</m:t>
                           </m:r>
                           <m:r>
-                            <a:rPr lang="en-US" sz="2000" b="1" i="1" smtClean="0">
+                            <a:rPr lang="en-US" sz="2000" b="1" i="1">
                               <a:solidFill>
                                 <a:schemeClr val="bg1"/>
                               </a:solidFill>
@@ -14111,7 +14138,7 @@
             </p:txBody>
           </p:sp>
         </mc:Choice>
-        <mc:Fallback>
+        <mc:Fallback xmlns="">
           <p:sp>
             <p:nvSpPr>
               <p:cNvPr id="14" name="TextBox 13">
@@ -14128,7 +14155,7 @@
             </p:nvSpPr>
             <p:spPr>
               <a:xfrm>
-                <a:off x="2143249" y="5026293"/>
+                <a:off x="2143250" y="5026293"/>
                 <a:ext cx="7214761" cy="877548"/>
               </a:xfrm>
               <a:prstGeom prst="rect">
@@ -14208,7 +14235,7 @@
         </p:nvSpPr>
         <p:spPr>
           <a:xfrm>
-            <a:off x="682906" y="-56850"/>
+            <a:off x="-2" y="-52156"/>
             <a:ext cx="12192000" cy="6910157"/>
           </a:xfrm>
           <a:prstGeom prst="rect">
@@ -14270,7 +14297,7 @@
         </p:blipFill>
         <p:spPr>
           <a:xfrm>
-            <a:off x="0" y="-52157"/>
+            <a:off x="2" y="-52156"/>
             <a:ext cx="2684015" cy="3969421"/>
           </a:xfrm>
           <a:prstGeom prst="rect">
@@ -14292,8 +14319,8 @@
         </p:nvSpPr>
         <p:spPr>
           <a:xfrm rot="16200000">
-            <a:off x="782431" y="1849427"/>
-            <a:ext cx="3969421" cy="166254"/>
+            <a:off x="782432" y="1849427"/>
+            <a:ext cx="3969421" cy="166255"/>
           </a:xfrm>
           <a:prstGeom prst="rect">
             <a:avLst/>
@@ -14408,7 +14435,7 @@
         </p:nvSpPr>
         <p:spPr>
           <a:xfrm>
-            <a:off x="3007491" y="137620"/>
+            <a:off x="3007491" y="137621"/>
             <a:ext cx="9341732" cy="1684867"/>
           </a:xfrm>
         </p:spPr>
@@ -14459,7 +14486,7 @@
         </p:blipFill>
         <p:spPr>
           <a:xfrm>
-            <a:off x="417789" y="4380288"/>
+            <a:off x="417790" y="4380290"/>
             <a:ext cx="2014687" cy="2014687"/>
           </a:xfrm>
           <a:prstGeom prst="ellipse">
@@ -14505,8 +14532,8 @@
         </p:nvSpPr>
         <p:spPr>
           <a:xfrm rot="10800000">
-            <a:off x="3007493" y="844062"/>
-            <a:ext cx="9027282" cy="137067"/>
+            <a:off x="3007493" y="844063"/>
+            <a:ext cx="9027283" cy="137067"/>
           </a:xfrm>
           <a:prstGeom prst="rect">
             <a:avLst/>
@@ -14561,7 +14588,7 @@
         </p:nvSpPr>
         <p:spPr>
           <a:xfrm>
-            <a:off x="3080082" y="1520792"/>
+            <a:off x="3080083" y="1520793"/>
             <a:ext cx="7834845" cy="1877437"/>
           </a:xfrm>
           <a:prstGeom prst="rect">
@@ -14575,7 +14602,7 @@
           </a:bodyPr>
           <a:lstStyle/>
           <a:p>
-            <a:pPr marL="342900" indent="-342900">
+            <a:pPr marL="342891" indent="-342891">
               <a:buFont typeface="Arial" panose="020B0604020202020204" pitchFamily="34" charset="0"/>
               <a:buChar char="•"/>
             </a:pPr>
@@ -14590,7 +14617,7 @@
             </a:r>
           </a:p>
           <a:p>
-            <a:pPr marL="800100" lvl="1" indent="-342900">
+            <a:pPr marL="800080" lvl="1" indent="-342891">
               <a:buFont typeface="Arial" panose="020B0604020202020204" pitchFamily="34" charset="0"/>
               <a:buChar char="•"/>
             </a:pPr>
@@ -14605,7 +14632,7 @@
             </a:r>
           </a:p>
           <a:p>
-            <a:pPr marL="1257300" lvl="2" indent="-342900">
+            <a:pPr marL="1257269" lvl="2" indent="-342891">
               <a:buFont typeface="Arial" panose="020B0604020202020204" pitchFamily="34" charset="0"/>
               <a:buChar char="•"/>
             </a:pPr>
@@ -14620,7 +14647,7 @@
             </a:r>
           </a:p>
           <a:p>
-            <a:pPr marL="1257300" lvl="2" indent="-342900">
+            <a:pPr marL="1257269" lvl="2" indent="-342891">
               <a:buFont typeface="Arial" panose="020B0604020202020204" pitchFamily="34" charset="0"/>
               <a:buChar char="•"/>
             </a:pPr>
@@ -14635,7 +14662,7 @@
             </a:r>
           </a:p>
           <a:p>
-            <a:pPr marL="1257300" lvl="2" indent="-342900">
+            <a:pPr marL="1257269" lvl="2" indent="-342891">
               <a:buFont typeface="Arial" panose="020B0604020202020204" pitchFamily="34" charset="0"/>
               <a:buChar char="•"/>
             </a:pPr>
@@ -14650,7 +14677,7 @@
             </a:r>
           </a:p>
           <a:p>
-            <a:pPr marL="1257300" lvl="2" indent="-342900">
+            <a:pPr marL="1257269" lvl="2" indent="-342891">
               <a:buFont typeface="Arial" panose="020B0604020202020204" pitchFamily="34" charset="0"/>
               <a:buChar char="•"/>
             </a:pPr>
@@ -14687,8 +14714,8 @@
           </p:nvPr>
         </p:nvGraphicFramePr>
         <p:xfrm>
-          <a:off x="4435035" y="3961567"/>
-          <a:ext cx="3573681" cy="1763164"/>
+          <a:off x="4435036" y="3961567"/>
+          <a:ext cx="3573683" cy="1763164"/>
         </p:xfrm>
         <a:graphic>
           <a:graphicData uri="http://schemas.openxmlformats.org/drawingml/2006/table">
@@ -14704,14 +14731,14 @@
                     </a:ext>
                   </a:extLst>
                 </a:gridCol>
-                <a:gridCol w="1366962">
+                <a:gridCol w="1366963">
                   <a:extLst>
                     <a:ext uri="{9D8B030D-6E8A-4147-A177-3AD203B41FA5}">
                       <a16:colId xmlns:a16="http://schemas.microsoft.com/office/drawing/2014/main" val="3179823401"/>
                     </a:ext>
                   </a:extLst>
                 </a:gridCol>
-                <a:gridCol w="1366962">
+                <a:gridCol w="1366963">
                   <a:extLst>
                     <a:ext uri="{9D8B030D-6E8A-4147-A177-3AD203B41FA5}">
                       <a16:colId xmlns:a16="http://schemas.microsoft.com/office/drawing/2014/main" val="3499664135"/>
@@ -14768,7 +14795,7 @@
                   </a:ext>
                 </a:extLst>
               </a:tr>
-              <a:tr h="349776">
+              <a:tr h="457200">
                 <a:tc>
                   <a:txBody>
                     <a:bodyPr/>
@@ -14817,7 +14844,7 @@
                   </a:ext>
                 </a:extLst>
               </a:tr>
-              <a:tr h="349776">
+              <a:tr h="457200">
                 <a:tc>
                   <a:txBody>
                     <a:bodyPr/>
@@ -14886,8 +14913,8 @@
           </a:graphicData>
         </a:graphic>
       </p:graphicFrame>
-      <mc:AlternateContent xmlns:mc="http://schemas.openxmlformats.org/markup-compatibility/2006">
-        <mc:Choice xmlns:a14="http://schemas.microsoft.com/office/drawing/2010/main" Requires="a14">
+      <mc:AlternateContent xmlns:mc="http://schemas.openxmlformats.org/markup-compatibility/2006" xmlns:a14="http://schemas.microsoft.com/office/drawing/2010/main">
+        <mc:Choice Requires="a14">
           <p:sp>
             <p:nvSpPr>
               <p:cNvPr id="15" name="TextBox 14">
@@ -14902,7 +14929,7 @@
             </p:nvSpPr>
             <p:spPr>
               <a:xfrm>
-                <a:off x="3261069" y="3365356"/>
+                <a:off x="3261070" y="3365356"/>
                 <a:ext cx="7214761" cy="400110"/>
               </a:xfrm>
               <a:prstGeom prst="rect">
@@ -14924,7 +14951,7 @@
                     </m:oMathParaPr>
                     <m:oMath xmlns:m="http://schemas.openxmlformats.org/officeDocument/2006/math">
                       <m:r>
-                        <a:rPr lang="en-US" sz="2000" b="1" i="1" smtClean="0">
+                        <a:rPr lang="en-US" sz="2000" b="1" i="1">
                           <a:solidFill>
                             <a:schemeClr val="bg1"/>
                           </a:solidFill>
@@ -14937,7 +14964,7 @@
                           <m:begChr m:val="["/>
                           <m:endChr m:val="]"/>
                           <m:ctrlPr>
-                            <a:rPr lang="en-US" sz="2000" b="1" i="1" smtClean="0">
+                            <a:rPr lang="en-US" sz="2000" b="1" i="1">
                               <a:solidFill>
                                 <a:schemeClr val="bg1"/>
                               </a:solidFill>
@@ -14947,7 +14974,7 @@
                         </m:dPr>
                         <m:e>
                           <m:r>
-                            <a:rPr lang="en-US" sz="2000" b="1" i="1" smtClean="0">
+                            <a:rPr lang="en-US" sz="2000" b="1" i="1">
                               <a:solidFill>
                                 <a:schemeClr val="bg1"/>
                               </a:solidFill>
@@ -14958,7 +14985,7 @@
                         </m:e>
                       </m:d>
                       <m:r>
-                        <a:rPr lang="en-US" sz="2000" b="1" i="1" smtClean="0">
+                        <a:rPr lang="en-US" sz="2000" b="1" i="1">
                           <a:solidFill>
                             <a:schemeClr val="bg1"/>
                           </a:solidFill>
@@ -14967,7 +14994,7 @@
                         <m:t>=</m:t>
                       </m:r>
                       <m:r>
-                        <a:rPr lang="en-US" sz="2000" b="1" i="1" smtClean="0">
+                        <a:rPr lang="en-US" sz="2000" b="1" i="1">
                           <a:solidFill>
                             <a:schemeClr val="bg1"/>
                           </a:solidFill>
@@ -14976,7 +15003,7 @@
                         <m:t>𝟏</m:t>
                       </m:r>
                       <m:r>
-                        <a:rPr lang="en-US" sz="2000" b="1" i="1" smtClean="0">
+                        <a:rPr lang="en-US" sz="2000" b="1" i="1">
                           <a:solidFill>
                             <a:schemeClr val="bg1"/>
                           </a:solidFill>
@@ -14985,7 +15012,7 @@
                         <m:t>.</m:t>
                       </m:r>
                       <m:r>
-                        <a:rPr lang="en-US" sz="2000" b="1" i="1" smtClean="0">
+                        <a:rPr lang="en-US" sz="2000" b="1" i="1">
                           <a:solidFill>
                             <a:schemeClr val="bg1"/>
                           </a:solidFill>
@@ -14994,7 +15021,7 @@
                         <m:t>𝟖𝟑</m:t>
                       </m:r>
                       <m:r>
-                        <a:rPr lang="en-US" sz="2000" b="1" i="1" smtClean="0">
+                        <a:rPr lang="en-US" sz="2000" b="1" i="1">
                           <a:solidFill>
                             <a:schemeClr val="bg1"/>
                           </a:solidFill>
@@ -15003,7 +15030,7 @@
                         <m:t>×</m:t>
                       </m:r>
                       <m:r>
-                        <a:rPr lang="en-US" sz="2000" b="1" i="1" smtClean="0">
+                        <a:rPr lang="en-US" sz="2000" b="1" i="1">
                           <a:solidFill>
                             <a:schemeClr val="bg1"/>
                           </a:solidFill>
@@ -15012,7 +15039,7 @@
                         <m:t>𝟎</m:t>
                       </m:r>
                       <m:r>
-                        <a:rPr lang="en-US" sz="2000" b="1" i="1" smtClean="0">
+                        <a:rPr lang="en-US" sz="2000" b="1" i="1">
                           <a:solidFill>
                             <a:schemeClr val="bg1"/>
                           </a:solidFill>
@@ -15021,7 +15048,7 @@
                         <m:t>.</m:t>
                       </m:r>
                       <m:r>
-                        <a:rPr lang="en-US" sz="2000" b="1" i="1" smtClean="0">
+                        <a:rPr lang="en-US" sz="2000" b="1" i="1">
                           <a:solidFill>
                             <a:schemeClr val="bg1"/>
                           </a:solidFill>
@@ -15030,7 +15057,7 @@
                         <m:t>𝟒𝟑</m:t>
                       </m:r>
                       <m:r>
-                        <a:rPr lang="en-US" sz="2000" b="1" i="1" smtClean="0">
+                        <a:rPr lang="en-US" sz="2000" b="1" i="1">
                           <a:solidFill>
                             <a:schemeClr val="bg1"/>
                           </a:solidFill>
@@ -15039,7 +15066,7 @@
                         <m:t>+</m:t>
                       </m:r>
                       <m:r>
-                        <a:rPr lang="en-US" sz="2000" b="1" i="1" smtClean="0">
+                        <a:rPr lang="en-US" sz="2000" b="1" i="1">
                           <a:solidFill>
                             <a:schemeClr val="bg1"/>
                           </a:solidFill>
@@ -15048,7 +15075,7 @@
                         <m:t>𝟎</m:t>
                       </m:r>
                       <m:r>
-                        <a:rPr lang="en-US" sz="2000" b="1" i="1" smtClean="0">
+                        <a:rPr lang="en-US" sz="2000" b="1" i="1">
                           <a:solidFill>
                             <a:schemeClr val="bg1"/>
                           </a:solidFill>
@@ -15057,7 +15084,7 @@
                         <m:t>.</m:t>
                       </m:r>
                       <m:r>
-                        <a:rPr lang="en-US" sz="2000" b="1" i="1" smtClean="0">
+                        <a:rPr lang="en-US" sz="2000" b="1" i="1">
                           <a:solidFill>
                             <a:schemeClr val="bg1"/>
                           </a:solidFill>
@@ -15066,7 +15093,7 @@
                         <m:t>𝟗𝟗</m:t>
                       </m:r>
                       <m:r>
-                        <a:rPr lang="en-US" sz="2000" b="1" i="1" smtClean="0">
+                        <a:rPr lang="en-US" sz="2000" b="1" i="1">
                           <a:solidFill>
                             <a:schemeClr val="bg1"/>
                           </a:solidFill>
@@ -15075,7 +15102,7 @@
                         <m:t>×</m:t>
                       </m:r>
                       <m:r>
-                        <a:rPr lang="en-US" sz="2000" b="1" i="1" smtClean="0">
+                        <a:rPr lang="en-US" sz="2000" b="1" i="1">
                           <a:solidFill>
                             <a:schemeClr val="bg1"/>
                           </a:solidFill>
@@ -15084,7 +15111,7 @@
                         <m:t>𝟎</m:t>
                       </m:r>
                       <m:r>
-                        <a:rPr lang="en-US" sz="2000" b="1" i="1" smtClean="0">
+                        <a:rPr lang="en-US" sz="2000" b="1" i="1">
                           <a:solidFill>
                             <a:schemeClr val="bg1"/>
                           </a:solidFill>
@@ -15093,7 +15120,7 @@
                         <m:t>.</m:t>
                       </m:r>
                       <m:r>
-                        <a:rPr lang="en-US" sz="2000" b="1" i="1" smtClean="0">
+                        <a:rPr lang="en-US" sz="2000" b="1" i="1">
                           <a:solidFill>
                             <a:schemeClr val="bg1"/>
                           </a:solidFill>
@@ -15102,7 +15129,7 @@
                         <m:t>𝟓𝟕</m:t>
                       </m:r>
                       <m:r>
-                        <a:rPr lang="en-US" sz="2000" b="1" i="1" smtClean="0">
+                        <a:rPr lang="en-US" sz="2000" b="1" i="1">
                           <a:solidFill>
                             <a:schemeClr val="bg1"/>
                           </a:solidFill>
@@ -15111,7 +15138,7 @@
                         <m:t>=</m:t>
                       </m:r>
                       <m:r>
-                        <a:rPr lang="en-US" sz="2000" b="1" i="1" smtClean="0">
+                        <a:rPr lang="en-US" sz="2000" b="1" i="1">
                           <a:solidFill>
                             <a:schemeClr val="bg1"/>
                           </a:solidFill>
@@ -15120,7 +15147,7 @@
                         <m:t>𝟏</m:t>
                       </m:r>
                       <m:r>
-                        <a:rPr lang="en-US" sz="2000" b="1" i="1" smtClean="0">
+                        <a:rPr lang="en-US" sz="2000" b="1" i="1">
                           <a:solidFill>
                             <a:schemeClr val="bg1"/>
                           </a:solidFill>
@@ -15129,7 +15156,7 @@
                         <m:t>.</m:t>
                       </m:r>
                       <m:r>
-                        <a:rPr lang="en-US" sz="2000" b="1" i="1" smtClean="0">
+                        <a:rPr lang="en-US" sz="2000" b="1" i="1">
                           <a:solidFill>
                             <a:schemeClr val="bg1"/>
                           </a:solidFill>
@@ -15149,7 +15176,7 @@
             </p:txBody>
           </p:sp>
         </mc:Choice>
-        <mc:Fallback>
+        <mc:Fallback xmlns="">
           <p:sp>
             <p:nvSpPr>
               <p:cNvPr id="15" name="TextBox 14">
@@ -15166,7 +15193,7 @@
             </p:nvSpPr>
             <p:spPr>
               <a:xfrm>
-                <a:off x="3261069" y="3365356"/>
+                <a:off x="3261070" y="3365356"/>
                 <a:ext cx="7214761" cy="400110"/>
               </a:xfrm>
               <a:prstGeom prst="rect">
@@ -15246,7 +15273,7 @@
         </p:nvSpPr>
         <p:spPr>
           <a:xfrm>
-            <a:off x="682906" y="-52157"/>
+            <a:off x="-2" y="-52157"/>
             <a:ext cx="12192000" cy="6910157"/>
           </a:xfrm>
           <a:prstGeom prst="rect">
@@ -15308,7 +15335,7 @@
         </p:blipFill>
         <p:spPr>
           <a:xfrm>
-            <a:off x="0" y="-52157"/>
+            <a:off x="2" y="-52156"/>
             <a:ext cx="2684015" cy="3969421"/>
           </a:xfrm>
           <a:prstGeom prst="rect">
@@ -15330,8 +15357,8 @@
         </p:nvSpPr>
         <p:spPr>
           <a:xfrm rot="16200000">
-            <a:off x="782431" y="1849427"/>
-            <a:ext cx="3969421" cy="166254"/>
+            <a:off x="782432" y="1849427"/>
+            <a:ext cx="3969421" cy="166255"/>
           </a:xfrm>
           <a:prstGeom prst="rect">
             <a:avLst/>
@@ -15446,7 +15473,7 @@
         </p:nvSpPr>
         <p:spPr>
           <a:xfrm>
-            <a:off x="3007491" y="137620"/>
+            <a:off x="3007491" y="137621"/>
             <a:ext cx="9341732" cy="1684867"/>
           </a:xfrm>
         </p:spPr>
@@ -15497,7 +15524,7 @@
         </p:blipFill>
         <p:spPr>
           <a:xfrm>
-            <a:off x="417789" y="4380288"/>
+            <a:off x="417790" y="4380290"/>
             <a:ext cx="2014687" cy="2014687"/>
           </a:xfrm>
           <a:prstGeom prst="ellipse">
@@ -15543,8 +15570,8 @@
         </p:nvSpPr>
         <p:spPr>
           <a:xfrm rot="10800000">
-            <a:off x="3007493" y="844062"/>
-            <a:ext cx="9027282" cy="137067"/>
+            <a:off x="3007493" y="844063"/>
+            <a:ext cx="9027283" cy="137067"/>
           </a:xfrm>
           <a:prstGeom prst="rect">
             <a:avLst/>
@@ -15599,7 +15626,7 @@
         </p:nvSpPr>
         <p:spPr>
           <a:xfrm>
-            <a:off x="3080082" y="1520792"/>
+            <a:off x="3080083" y="1520793"/>
             <a:ext cx="7834845" cy="1077218"/>
           </a:xfrm>
           <a:prstGeom prst="rect">
@@ -15613,7 +15640,7 @@
           </a:bodyPr>
           <a:lstStyle/>
           <a:p>
-            <a:pPr marL="342900" indent="-342900">
+            <a:pPr marL="342891" indent="-342891">
               <a:buFont typeface="Arial" panose="020B0604020202020204" pitchFamily="34" charset="0"/>
               <a:buChar char="•"/>
             </a:pPr>
@@ -15628,7 +15655,7 @@
             </a:r>
           </a:p>
           <a:p>
-            <a:pPr marL="800100" lvl="1" indent="-342900">
+            <a:pPr marL="800080" lvl="1" indent="-342891">
               <a:buFont typeface="Arial" panose="020B0604020202020204" pitchFamily="34" charset="0"/>
               <a:buChar char="•"/>
             </a:pPr>
@@ -15643,7 +15670,7 @@
             </a:r>
           </a:p>
           <a:p>
-            <a:pPr marL="800100" lvl="1" indent="-342900">
+            <a:pPr marL="800080" lvl="1" indent="-342891">
               <a:buFont typeface="Arial" panose="020B0604020202020204" pitchFamily="34" charset="0"/>
               <a:buChar char="•"/>
             </a:pPr>
@@ -15681,7 +15708,7 @@
         </p:blipFill>
         <p:spPr>
           <a:xfrm>
-            <a:off x="4027989" y="2667035"/>
+            <a:off x="4027990" y="2667037"/>
             <a:ext cx="5668359" cy="4061097"/>
           </a:xfrm>
           <a:prstGeom prst="rect">
@@ -15708,8 +15735,8 @@
         </p:nvSpPr>
         <p:spPr>
           <a:xfrm>
-            <a:off x="8819909" y="3641439"/>
-            <a:ext cx="590309" cy="474562"/>
+            <a:off x="8819910" y="3641439"/>
+            <a:ext cx="590309" cy="474563"/>
           </a:xfrm>
           <a:prstGeom prst="rect">
             <a:avLst/>
@@ -15760,7 +15787,7 @@
         </p:nvSpPr>
         <p:spPr>
           <a:xfrm>
-            <a:off x="7516446" y="3641439"/>
+            <a:off x="7516447" y="3641439"/>
             <a:ext cx="590309" cy="2979280"/>
           </a:xfrm>
           <a:prstGeom prst="rect">
@@ -15812,8 +15839,8 @@
         </p:nvSpPr>
         <p:spPr>
           <a:xfrm>
-            <a:off x="10379254" y="3590554"/>
-            <a:ext cx="1812746" cy="707886"/>
+            <a:off x="10123373" y="3597025"/>
+            <a:ext cx="1812747" cy="707886"/>
           </a:xfrm>
           <a:prstGeom prst="rect">
             <a:avLst/>
@@ -15854,7 +15881,7 @@
         </p:nvCxnSpPr>
         <p:spPr>
           <a:xfrm>
-            <a:off x="9410218" y="3849017"/>
+            <a:off x="9410219" y="3849017"/>
             <a:ext cx="969036" cy="0"/>
           </a:xfrm>
           <a:prstGeom prst="straightConnector1">
@@ -15896,7 +15923,7 @@
         </p:nvSpPr>
         <p:spPr>
           <a:xfrm>
-            <a:off x="10037801" y="4777136"/>
+            <a:off x="9774959" y="4814328"/>
             <a:ext cx="2495652" cy="707886"/>
           </a:xfrm>
           <a:prstGeom prst="rect">
@@ -15939,7 +15966,7 @@
         <p:spPr>
           <a:xfrm>
             <a:off x="8106755" y="5131079"/>
-            <a:ext cx="2032668" cy="0"/>
+            <a:ext cx="1925141" cy="0"/>
           </a:xfrm>
           <a:prstGeom prst="straightConnector1">
             <a:avLst/>
@@ -16018,7 +16045,7 @@
         </p:nvSpPr>
         <p:spPr>
           <a:xfrm>
-            <a:off x="682906" y="-52157"/>
+            <a:off x="0" y="-52156"/>
             <a:ext cx="12192000" cy="6910157"/>
           </a:xfrm>
           <a:prstGeom prst="rect">
@@ -16080,7 +16107,7 @@
         </p:blipFill>
         <p:spPr>
           <a:xfrm>
-            <a:off x="0" y="-52157"/>
+            <a:off x="2" y="-52156"/>
             <a:ext cx="2684015" cy="3969421"/>
           </a:xfrm>
           <a:prstGeom prst="rect">
@@ -16102,8 +16129,8 @@
         </p:nvSpPr>
         <p:spPr>
           <a:xfrm rot="16200000">
-            <a:off x="782431" y="1849427"/>
-            <a:ext cx="3969421" cy="166254"/>
+            <a:off x="782432" y="1849427"/>
+            <a:ext cx="3969421" cy="166255"/>
           </a:xfrm>
           <a:prstGeom prst="rect">
             <a:avLst/>
@@ -16218,7 +16245,7 @@
         </p:nvSpPr>
         <p:spPr>
           <a:xfrm>
-            <a:off x="3007491" y="137620"/>
+            <a:off x="3007491" y="137621"/>
             <a:ext cx="9341732" cy="1684867"/>
           </a:xfrm>
         </p:spPr>
@@ -16269,7 +16296,7 @@
         </p:blipFill>
         <p:spPr>
           <a:xfrm>
-            <a:off x="417789" y="4380288"/>
+            <a:off x="417790" y="4380290"/>
             <a:ext cx="2014687" cy="2014687"/>
           </a:xfrm>
           <a:prstGeom prst="ellipse">
@@ -16315,8 +16342,8 @@
         </p:nvSpPr>
         <p:spPr>
           <a:xfrm rot="10800000">
-            <a:off x="3007493" y="844062"/>
-            <a:ext cx="9027282" cy="137067"/>
+            <a:off x="3007493" y="844063"/>
+            <a:ext cx="9027283" cy="137067"/>
           </a:xfrm>
           <a:prstGeom prst="rect">
             <a:avLst/>
@@ -16371,7 +16398,7 @@
         </p:nvSpPr>
         <p:spPr>
           <a:xfrm>
-            <a:off x="3080082" y="1520792"/>
+            <a:off x="3080083" y="1520794"/>
             <a:ext cx="8158936" cy="4401205"/>
           </a:xfrm>
           <a:prstGeom prst="rect">
@@ -16385,7 +16412,7 @@
           </a:bodyPr>
           <a:lstStyle/>
           <a:p>
-            <a:pPr marL="342900" indent="-342900">
+            <a:pPr marL="342891" indent="-342891">
               <a:buFont typeface="Arial" panose="020B0604020202020204" pitchFamily="34" charset="0"/>
               <a:buChar char="•"/>
             </a:pPr>
@@ -16400,7 +16427,7 @@
             </a:r>
           </a:p>
           <a:p>
-            <a:pPr marL="800100" lvl="1" indent="-342900">
+            <a:pPr marL="800080" lvl="1" indent="-342891">
               <a:buFont typeface="Arial" panose="020B0604020202020204" pitchFamily="34" charset="0"/>
               <a:buChar char="•"/>
             </a:pPr>
@@ -16415,7 +16442,7 @@
             </a:r>
           </a:p>
           <a:p>
-            <a:pPr marL="800100" lvl="1" indent="-342900">
+            <a:pPr marL="800080" lvl="1" indent="-342891">
               <a:buFont typeface="Arial" panose="020B0604020202020204" pitchFamily="34" charset="0"/>
               <a:buChar char="•"/>
             </a:pPr>
@@ -16427,7 +16454,7 @@
             </a:endParaRPr>
           </a:p>
           <a:p>
-            <a:pPr marL="800100" lvl="1" indent="-342900">
+            <a:pPr marL="800080" lvl="1" indent="-342891">
               <a:buFont typeface="Arial" panose="020B0604020202020204" pitchFamily="34" charset="0"/>
               <a:buChar char="•"/>
             </a:pPr>
@@ -16439,7 +16466,7 @@
             </a:endParaRPr>
           </a:p>
           <a:p>
-            <a:pPr marL="800100" lvl="1" indent="-342900">
+            <a:pPr marL="800080" lvl="1" indent="-342891">
               <a:buFont typeface="Arial" panose="020B0604020202020204" pitchFamily="34" charset="0"/>
               <a:buChar char="•"/>
             </a:pPr>
@@ -16454,7 +16481,7 @@
             </a:r>
           </a:p>
           <a:p>
-            <a:pPr marL="1257300" lvl="2" indent="-342900">
+            <a:pPr marL="1257269" lvl="2" indent="-342891">
               <a:buFont typeface="Arial" panose="020B0604020202020204" pitchFamily="34" charset="0"/>
               <a:buChar char="•"/>
             </a:pPr>
@@ -16469,7 +16496,7 @@
             </a:r>
           </a:p>
           <a:p>
-            <a:pPr marL="1257300" lvl="2" indent="-342900">
+            <a:pPr marL="1257269" lvl="2" indent="-342891">
               <a:buFont typeface="Arial" panose="020B0604020202020204" pitchFamily="34" charset="0"/>
               <a:buChar char="•"/>
             </a:pPr>
@@ -16484,7 +16511,7 @@
             </a:r>
           </a:p>
           <a:p>
-            <a:pPr marL="800100" lvl="1" indent="-342900">
+            <a:pPr marL="800080" lvl="1" indent="-342891">
               <a:buFont typeface="Arial" panose="020B0604020202020204" pitchFamily="34" charset="0"/>
               <a:buChar char="•"/>
             </a:pPr>
@@ -16508,7 +16535,7 @@
             </a:r>
           </a:p>
           <a:p>
-            <a:pPr marL="1257300" lvl="2" indent="-342900">
+            <a:pPr marL="1257269" lvl="2" indent="-342891">
               <a:buFont typeface="Arial" panose="020B0604020202020204" pitchFamily="34" charset="0"/>
               <a:buChar char="•"/>
             </a:pPr>
@@ -16520,7 +16547,7 @@
             </a:endParaRPr>
           </a:p>
           <a:p>
-            <a:pPr marL="342900" indent="-342900">
+            <a:pPr marL="342891" indent="-342891">
               <a:buFont typeface="Arial" panose="020B0604020202020204" pitchFamily="34" charset="0"/>
               <a:buChar char="•"/>
             </a:pPr>
@@ -16535,7 +16562,7 @@
             </a:r>
           </a:p>
           <a:p>
-            <a:pPr marL="800100" lvl="1" indent="-342900">
+            <a:pPr marL="800080" lvl="1" indent="-342891">
               <a:buFont typeface="Arial" panose="020B0604020202020204" pitchFamily="34" charset="0"/>
               <a:buChar char="•"/>
             </a:pPr>
@@ -16550,7 +16577,7 @@
             </a:r>
           </a:p>
           <a:p>
-            <a:pPr marL="800100" lvl="1" indent="-342900">
+            <a:pPr marL="800080" lvl="1" indent="-342891">
               <a:buFont typeface="Arial" panose="020B0604020202020204" pitchFamily="34" charset="0"/>
               <a:buChar char="•"/>
             </a:pPr>
@@ -16565,7 +16592,7 @@
             </a:r>
           </a:p>
           <a:p>
-            <a:pPr marL="800100" lvl="1" indent="-342900">
+            <a:pPr marL="800080" lvl="1" indent="-342891">
               <a:buFont typeface="Arial" panose="020B0604020202020204" pitchFamily="34" charset="0"/>
               <a:buChar char="•"/>
             </a:pPr>
@@ -16580,7 +16607,7 @@
             </a:r>
           </a:p>
           <a:p>
-            <a:pPr marL="800100" lvl="1" indent="-342900">
+            <a:pPr marL="800080" lvl="1" indent="-342891">
               <a:buFont typeface="Arial" panose="020B0604020202020204" pitchFamily="34" charset="0"/>
               <a:buChar char="•"/>
             </a:pPr>
@@ -16596,8 +16623,8 @@
           </a:p>
         </p:txBody>
       </p:sp>
-      <mc:AlternateContent xmlns:mc="http://schemas.openxmlformats.org/markup-compatibility/2006">
-        <mc:Choice xmlns:a14="http://schemas.microsoft.com/office/drawing/2010/main" Requires="a14">
+      <mc:AlternateContent xmlns:mc="http://schemas.openxmlformats.org/markup-compatibility/2006" xmlns:a14="http://schemas.microsoft.com/office/drawing/2010/main">
+        <mc:Choice Requires="a14">
           <p:sp>
             <p:nvSpPr>
               <p:cNvPr id="5" name="Rectangle 4">
@@ -16612,8 +16639,8 @@
             </p:nvSpPr>
             <p:spPr>
               <a:xfrm>
-                <a:off x="2850268" y="2362149"/>
-                <a:ext cx="9816021" cy="400110"/>
+                <a:off x="3846034" y="2229627"/>
+                <a:ext cx="5640582" cy="707886"/>
               </a:xfrm>
               <a:prstGeom prst="rect">
                 <a:avLst/>
@@ -16676,16 +16703,259 @@
                         <m:t>=</m:t>
                       </m:r>
                       <m:r>
+                        <a:rPr lang="en-US" sz="2000" b="1" i="1">
+                          <a:solidFill>
+                            <a:schemeClr val="bg1"/>
+                          </a:solidFill>
+                          <a:latin typeface="Cambria Math" panose="02040503050406030204" pitchFamily="18" charset="0"/>
+                        </a:rPr>
+                        <m:t>𝟎</m:t>
+                      </m:r>
+                      <m:r>
+                        <a:rPr lang="en-US" sz="2000" b="1" i="1">
+                          <a:solidFill>
+                            <a:schemeClr val="bg1"/>
+                          </a:solidFill>
+                          <a:latin typeface="Cambria Math" panose="02040503050406030204" pitchFamily="18" charset="0"/>
+                        </a:rPr>
+                        <m:t>.</m:t>
+                      </m:r>
+                      <m:r>
+                        <a:rPr lang="en-US" sz="2000" b="1" i="1">
+                          <a:solidFill>
+                            <a:schemeClr val="bg1"/>
+                          </a:solidFill>
+                          <a:latin typeface="Cambria Math" panose="02040503050406030204" pitchFamily="18" charset="0"/>
+                        </a:rPr>
+                        <m:t>𝟏</m:t>
+                      </m:r>
+                      <m:r>
+                        <a:rPr lang="en-US" sz="2000" b="1" i="1">
+                          <a:solidFill>
+                            <a:schemeClr val="bg1"/>
+                          </a:solidFill>
+                          <a:latin typeface="Cambria Math" panose="02040503050406030204" pitchFamily="18" charset="0"/>
+                        </a:rPr>
+                        <m:t>×</m:t>
+                      </m:r>
+                      <m:r>
+                        <a:rPr lang="en-US" sz="2000" b="1" i="1">
+                          <a:solidFill>
+                            <a:schemeClr val="bg1"/>
+                          </a:solidFill>
+                          <a:latin typeface="Cambria Math" panose="02040503050406030204" pitchFamily="18" charset="0"/>
+                        </a:rPr>
+                        <m:t>𝟏</m:t>
+                      </m:r>
+                      <m:r>
+                        <a:rPr lang="en-US" sz="2000" b="1" i="1">
+                          <a:solidFill>
+                            <a:schemeClr val="bg1"/>
+                          </a:solidFill>
+                          <a:latin typeface="Cambria Math" panose="02040503050406030204" pitchFamily="18" charset="0"/>
+                        </a:rPr>
+                        <m:t>.</m:t>
+                      </m:r>
+                      <m:r>
+                        <a:rPr lang="en-US" sz="2000" b="1" i="1">
+                          <a:solidFill>
+                            <a:schemeClr val="bg1"/>
+                          </a:solidFill>
+                          <a:latin typeface="Cambria Math" panose="02040503050406030204" pitchFamily="18" charset="0"/>
+                        </a:rPr>
+                        <m:t>𝟒𝟗</m:t>
+                      </m:r>
+                      <m:r>
+                        <a:rPr lang="en-US" sz="2000" b="1" i="1">
+                          <a:solidFill>
+                            <a:schemeClr val="bg1"/>
+                          </a:solidFill>
+                          <a:latin typeface="Cambria Math" panose="02040503050406030204" pitchFamily="18" charset="0"/>
+                        </a:rPr>
+                        <m:t>+</m:t>
+                      </m:r>
+                      <m:r>
+                        <a:rPr lang="en-US" sz="2000" b="1" i="1">
+                          <a:solidFill>
+                            <a:schemeClr val="bg1"/>
+                          </a:solidFill>
+                          <a:latin typeface="Cambria Math" panose="02040503050406030204" pitchFamily="18" charset="0"/>
+                        </a:rPr>
+                        <m:t>𝟎</m:t>
+                      </m:r>
+                      <m:r>
+                        <a:rPr lang="en-US" sz="2000" b="1" i="1">
+                          <a:solidFill>
+                            <a:schemeClr val="bg1"/>
+                          </a:solidFill>
+                          <a:latin typeface="Cambria Math" panose="02040503050406030204" pitchFamily="18" charset="0"/>
+                        </a:rPr>
+                        <m:t>.</m:t>
+                      </m:r>
+                      <m:r>
+                        <a:rPr lang="en-US" sz="2000" b="1" i="1">
+                          <a:solidFill>
+                            <a:schemeClr val="bg1"/>
+                          </a:solidFill>
+                          <a:latin typeface="Cambria Math" panose="02040503050406030204" pitchFamily="18" charset="0"/>
+                        </a:rPr>
+                        <m:t>𝟕</m:t>
+                      </m:r>
+                      <m:r>
+                        <a:rPr lang="en-US" sz="2000" b="1" i="1">
+                          <a:solidFill>
+                            <a:schemeClr val="bg1"/>
+                          </a:solidFill>
+                          <a:latin typeface="Cambria Math" panose="02040503050406030204" pitchFamily="18" charset="0"/>
+                        </a:rPr>
+                        <m:t>×</m:t>
+                      </m:r>
+                      <m:r>
+                        <a:rPr lang="en-US" sz="2000" b="1" i="1">
+                          <a:solidFill>
+                            <a:schemeClr val="bg1"/>
+                          </a:solidFill>
+                          <a:latin typeface="Cambria Math" panose="02040503050406030204" pitchFamily="18" charset="0"/>
+                        </a:rPr>
+                        <m:t>𝟎</m:t>
+                      </m:r>
+                      <m:r>
+                        <a:rPr lang="en-US" sz="2000" b="1" i="1">
+                          <a:solidFill>
+                            <a:schemeClr val="bg1"/>
+                          </a:solidFill>
+                          <a:latin typeface="Cambria Math" panose="02040503050406030204" pitchFamily="18" charset="0"/>
+                        </a:rPr>
+                        <m:t>.</m:t>
+                      </m:r>
+                      <m:r>
+                        <a:rPr lang="en-US" sz="2000" b="1" i="1">
+                          <a:solidFill>
+                            <a:schemeClr val="bg1"/>
+                          </a:solidFill>
+                          <a:latin typeface="Cambria Math" panose="02040503050406030204" pitchFamily="18" charset="0"/>
+                        </a:rPr>
+                        <m:t>𝟕𝟏</m:t>
+                      </m:r>
+                      <m:r>
+                        <a:rPr lang="en-US" sz="2000" b="1" i="1">
+                          <a:solidFill>
+                            <a:schemeClr val="bg1"/>
+                          </a:solidFill>
+                          <a:latin typeface="Cambria Math" panose="02040503050406030204" pitchFamily="18" charset="0"/>
+                        </a:rPr>
+                        <m:t>+</m:t>
+                      </m:r>
+                      <m:r>
+                        <a:rPr lang="en-US" sz="2000" b="1" i="1">
+                          <a:solidFill>
+                            <a:schemeClr val="bg1"/>
+                          </a:solidFill>
+                          <a:latin typeface="Cambria Math" panose="02040503050406030204" pitchFamily="18" charset="0"/>
+                        </a:rPr>
+                        <m:t>𝟎</m:t>
+                      </m:r>
+                      <m:r>
+                        <a:rPr lang="en-US" sz="2000" b="1" i="1">
+                          <a:solidFill>
+                            <a:schemeClr val="bg1"/>
+                          </a:solidFill>
+                          <a:latin typeface="Cambria Math" panose="02040503050406030204" pitchFamily="18" charset="0"/>
+                        </a:rPr>
+                        <m:t>.</m:t>
+                      </m:r>
+                      <m:r>
+                        <a:rPr lang="en-US" sz="2000" b="1" i="1">
+                          <a:solidFill>
+                            <a:schemeClr val="bg1"/>
+                          </a:solidFill>
+                          <a:latin typeface="Cambria Math" panose="02040503050406030204" pitchFamily="18" charset="0"/>
+                        </a:rPr>
+                        <m:t>𝟎𝟐</m:t>
+                      </m:r>
+                      <m:r>
+                        <a:rPr lang="en-US" sz="2000" b="1" i="1">
+                          <a:solidFill>
+                            <a:schemeClr val="bg1"/>
+                          </a:solidFill>
+                          <a:latin typeface="Cambria Math" panose="02040503050406030204" pitchFamily="18" charset="0"/>
+                        </a:rPr>
+                        <m:t>×</m:t>
+                      </m:r>
+                      <m:r>
+                        <a:rPr lang="en-US" sz="2000" b="1" i="1">
+                          <a:solidFill>
+                            <a:schemeClr val="bg1"/>
+                          </a:solidFill>
+                          <a:latin typeface="Cambria Math" panose="02040503050406030204" pitchFamily="18" charset="0"/>
+                        </a:rPr>
+                        <m:t>𝟎</m:t>
+                      </m:r>
+                      <m:r>
+                        <a:rPr lang="en-US" sz="2000" b="1" i="1">
+                          <a:solidFill>
+                            <a:schemeClr val="bg1"/>
+                          </a:solidFill>
+                          <a:latin typeface="Cambria Math" panose="02040503050406030204" pitchFamily="18" charset="0"/>
+                        </a:rPr>
+                        <m:t>.</m:t>
+                      </m:r>
+                      <m:r>
+                        <a:rPr lang="en-US" sz="2000" b="1" i="1">
+                          <a:solidFill>
+                            <a:schemeClr val="bg1"/>
+                          </a:solidFill>
+                          <a:latin typeface="Cambria Math" panose="02040503050406030204" pitchFamily="18" charset="0"/>
+                        </a:rPr>
+                        <m:t>𝟏𝟏</m:t>
+                      </m:r>
+                    </m:oMath>
+                  </m:oMathPara>
+                </a14:m>
+                <a:endParaRPr lang="en-US" sz="2000" b="1" i="1" dirty="0">
+                  <a:solidFill>
+                    <a:schemeClr val="bg1"/>
+                  </a:solidFill>
+                  <a:latin typeface="Cambria Math" panose="02040503050406030204" pitchFamily="18" charset="0"/>
+                </a:endParaRPr>
+              </a:p>
+              <a:p>
+                <a:pPr/>
+                <a14:m>
+                  <m:oMathPara xmlns:m="http://schemas.openxmlformats.org/officeDocument/2006/math">
+                    <m:oMathParaPr>
+                      <m:jc m:val="centerGroup"/>
+                    </m:oMathParaPr>
+                    <m:oMath xmlns:m="http://schemas.openxmlformats.org/officeDocument/2006/math">
+                      <m:r>
+                        <a:rPr lang="en-US" sz="2000" b="1" i="1">
+                          <a:solidFill>
+                            <a:schemeClr val="bg1"/>
+                          </a:solidFill>
+                          <a:latin typeface="Cambria Math" panose="02040503050406030204" pitchFamily="18" charset="0"/>
+                        </a:rPr>
+                        <m:t>+</m:t>
+                      </m:r>
+                      <m:r>
                         <a:rPr lang="en-US" sz="2000" b="1" i="1" smtClean="0">
                           <a:solidFill>
                             <a:schemeClr val="bg1"/>
                           </a:solidFill>
                           <a:latin typeface="Cambria Math" panose="02040503050406030204" pitchFamily="18" charset="0"/>
                         </a:rPr>
+                        <m:t> </m:t>
+                      </m:r>
+                      <m:r>
+                        <a:rPr lang="en-US" sz="2000" b="1" i="1">
+                          <a:solidFill>
+                            <a:schemeClr val="bg1"/>
+                          </a:solidFill>
+                          <a:latin typeface="Cambria Math" panose="02040503050406030204" pitchFamily="18" charset="0"/>
+                        </a:rPr>
                         <m:t>𝟎</m:t>
                       </m:r>
                       <m:r>
-                        <a:rPr lang="en-US" sz="2000" b="1" i="1" smtClean="0">
+                        <a:rPr lang="en-US" sz="2000" b="1" i="1">
                           <a:solidFill>
                             <a:schemeClr val="bg1"/>
                           </a:solidFill>
@@ -16694,7 +16964,79 @@
                         <m:t>.</m:t>
                       </m:r>
                       <m:r>
-                        <a:rPr lang="en-US" sz="2000" b="1" i="1" smtClean="0">
+                        <a:rPr lang="en-US" sz="2000" b="1" i="1">
+                          <a:solidFill>
+                            <a:schemeClr val="bg1"/>
+                          </a:solidFill>
+                          <a:latin typeface="Cambria Math" panose="02040503050406030204" pitchFamily="18" charset="0"/>
+                        </a:rPr>
+                        <m:t>𝟎𝟖</m:t>
+                      </m:r>
+                      <m:r>
+                        <a:rPr lang="en-US" sz="2000" b="1" i="1">
+                          <a:solidFill>
+                            <a:schemeClr val="bg1"/>
+                          </a:solidFill>
+                          <a:latin typeface="Cambria Math" panose="02040503050406030204" pitchFamily="18" charset="0"/>
+                        </a:rPr>
+                        <m:t>×</m:t>
+                      </m:r>
+                      <m:r>
+                        <a:rPr lang="en-US" sz="2000" b="1" i="1">
+                          <a:solidFill>
+                            <a:schemeClr val="bg1"/>
+                          </a:solidFill>
+                          <a:latin typeface="Cambria Math" panose="02040503050406030204" pitchFamily="18" charset="0"/>
+                        </a:rPr>
+                        <m:t>𝟎</m:t>
+                      </m:r>
+                      <m:r>
+                        <a:rPr lang="en-US" sz="2000" b="1" i="1">
+                          <a:solidFill>
+                            <a:schemeClr val="bg1"/>
+                          </a:solidFill>
+                          <a:latin typeface="Cambria Math" panose="02040503050406030204" pitchFamily="18" charset="0"/>
+                        </a:rPr>
+                        <m:t>.</m:t>
+                      </m:r>
+                      <m:r>
+                        <a:rPr lang="en-US" sz="2000" b="1" i="1">
+                          <a:solidFill>
+                            <a:schemeClr val="bg1"/>
+                          </a:solidFill>
+                          <a:latin typeface="Cambria Math" panose="02040503050406030204" pitchFamily="18" charset="0"/>
+                        </a:rPr>
+                        <m:t>𝟓𝟓</m:t>
+                      </m:r>
+                      <m:r>
+                        <a:rPr lang="en-US" sz="2000" b="1" i="1">
+                          <a:solidFill>
+                            <a:schemeClr val="bg1"/>
+                          </a:solidFill>
+                          <a:latin typeface="Cambria Math" panose="02040503050406030204" pitchFamily="18" charset="0"/>
+                        </a:rPr>
+                        <m:t>+</m:t>
+                      </m:r>
+                      <m:r>
+                        <a:rPr lang="en-US" sz="2000" b="1" i="1">
+                          <a:solidFill>
+                            <a:schemeClr val="bg1"/>
+                          </a:solidFill>
+                          <a:latin typeface="Cambria Math" panose="02040503050406030204" pitchFamily="18" charset="0"/>
+                        </a:rPr>
+                        <m:t>𝟎</m:t>
+                      </m:r>
+                      <m:r>
+                        <a:rPr lang="en-US" sz="2000" b="1" i="1">
+                          <a:solidFill>
+                            <a:schemeClr val="bg1"/>
+                          </a:solidFill>
+                          <a:latin typeface="Cambria Math" panose="02040503050406030204" pitchFamily="18" charset="0"/>
+                        </a:rPr>
+                        <m:t>.</m:t>
+                      </m:r>
+                      <m:r>
+                        <a:rPr lang="en-US" sz="2000" b="1" i="1">
                           <a:solidFill>
                             <a:schemeClr val="bg1"/>
                           </a:solidFill>
@@ -16703,7 +17045,7 @@
                         <m:t>𝟏</m:t>
                       </m:r>
                       <m:r>
-                        <a:rPr lang="en-US" sz="2000" b="1" i="1" smtClean="0">
+                        <a:rPr lang="en-US" sz="2000" b="1" i="1">
                           <a:solidFill>
                             <a:schemeClr val="bg1"/>
                           </a:solidFill>
@@ -16712,16 +17054,16 @@
                         <m:t>×</m:t>
                       </m:r>
                       <m:r>
-                        <a:rPr lang="en-US" sz="2000" b="1" i="1" smtClean="0">
-                          <a:solidFill>
-                            <a:schemeClr val="bg1"/>
-                          </a:solidFill>
-                          <a:latin typeface="Cambria Math" panose="02040503050406030204" pitchFamily="18" charset="0"/>
-                        </a:rPr>
-                        <m:t>𝟏</m:t>
-                      </m:r>
-                      <m:r>
-                        <a:rPr lang="en-US" sz="2000" b="1" i="1" smtClean="0">
+                        <a:rPr lang="en-US" sz="2000" b="1" i="1">
+                          <a:solidFill>
+                            <a:schemeClr val="bg1"/>
+                          </a:solidFill>
+                          <a:latin typeface="Cambria Math" panose="02040503050406030204" pitchFamily="18" charset="0"/>
+                        </a:rPr>
+                        <m:t>𝟎</m:t>
+                      </m:r>
+                      <m:r>
+                        <a:rPr lang="en-US" sz="2000" b="1" i="1">
                           <a:solidFill>
                             <a:schemeClr val="bg1"/>
                           </a:solidFill>
@@ -16730,25 +17072,25 @@
                         <m:t>.</m:t>
                       </m:r>
                       <m:r>
-                        <a:rPr lang="en-US" sz="2000" b="1" i="1" smtClean="0">
-                          <a:solidFill>
-                            <a:schemeClr val="bg1"/>
-                          </a:solidFill>
-                          <a:latin typeface="Cambria Math" panose="02040503050406030204" pitchFamily="18" charset="0"/>
-                        </a:rPr>
-                        <m:t>𝟒𝟗</m:t>
-                      </m:r>
-                      <m:r>
-                        <a:rPr lang="en-US" sz="2000" b="1" i="1" smtClean="0">
-                          <a:solidFill>
-                            <a:schemeClr val="bg1"/>
-                          </a:solidFill>
-                          <a:latin typeface="Cambria Math" panose="02040503050406030204" pitchFamily="18" charset="0"/>
-                        </a:rPr>
-                        <m:t>+</m:t>
-                      </m:r>
-                      <m:r>
-                        <a:rPr lang="en-US" sz="2000" b="1" i="1" smtClean="0">
+                        <a:rPr lang="en-US" sz="2000" b="1" i="1">
+                          <a:solidFill>
+                            <a:schemeClr val="bg1"/>
+                          </a:solidFill>
+                          <a:latin typeface="Cambria Math" panose="02040503050406030204" pitchFamily="18" charset="0"/>
+                        </a:rPr>
+                        <m:t>𝟓𝟓</m:t>
+                      </m:r>
+                      <m:r>
+                        <a:rPr lang="en-US" sz="2000" b="1" i="1">
+                          <a:solidFill>
+                            <a:schemeClr val="bg1"/>
+                          </a:solidFill>
+                          <a:latin typeface="Cambria Math" panose="02040503050406030204" pitchFamily="18" charset="0"/>
+                        </a:rPr>
+                        <m:t>=</m:t>
+                      </m:r>
+                      <m:r>
+                        <a:rPr lang="en-US" sz="2000" b="1" i="1">
                           <a:solidFill>
                             <a:schemeClr val="bg1"/>
                           </a:solidFill>
@@ -16757,7 +17099,7 @@
                         <m:t>𝟎</m:t>
                       </m:r>
                       <m:r>
-                        <a:rPr lang="en-US" sz="2000" b="1" i="1" smtClean="0">
+                        <a:rPr lang="en-US" sz="2000" b="1" i="1">
                           <a:solidFill>
                             <a:schemeClr val="bg1"/>
                           </a:solidFill>
@@ -16766,295 +17108,7 @@
                         <m:t>.</m:t>
                       </m:r>
                       <m:r>
-                        <a:rPr lang="en-US" sz="2000" b="1" i="1" smtClean="0">
-                          <a:solidFill>
-                            <a:schemeClr val="bg1"/>
-                          </a:solidFill>
-                          <a:latin typeface="Cambria Math" panose="02040503050406030204" pitchFamily="18" charset="0"/>
-                        </a:rPr>
-                        <m:t>𝟕</m:t>
-                      </m:r>
-                      <m:r>
-                        <a:rPr lang="en-US" sz="2000" b="1" i="1" smtClean="0">
-                          <a:solidFill>
-                            <a:schemeClr val="bg1"/>
-                          </a:solidFill>
-                          <a:latin typeface="Cambria Math" panose="02040503050406030204" pitchFamily="18" charset="0"/>
-                        </a:rPr>
-                        <m:t>×</m:t>
-                      </m:r>
-                      <m:r>
-                        <a:rPr lang="en-US" sz="2000" b="1" i="1" smtClean="0">
-                          <a:solidFill>
-                            <a:schemeClr val="bg1"/>
-                          </a:solidFill>
-                          <a:latin typeface="Cambria Math" panose="02040503050406030204" pitchFamily="18" charset="0"/>
-                        </a:rPr>
-                        <m:t>𝟎</m:t>
-                      </m:r>
-                      <m:r>
-                        <a:rPr lang="en-US" sz="2000" b="1" i="1" smtClean="0">
-                          <a:solidFill>
-                            <a:schemeClr val="bg1"/>
-                          </a:solidFill>
-                          <a:latin typeface="Cambria Math" panose="02040503050406030204" pitchFamily="18" charset="0"/>
-                        </a:rPr>
-                        <m:t>.</m:t>
-                      </m:r>
-                      <m:r>
-                        <a:rPr lang="en-US" sz="2000" b="1" i="1" smtClean="0">
-                          <a:solidFill>
-                            <a:schemeClr val="bg1"/>
-                          </a:solidFill>
-                          <a:latin typeface="Cambria Math" panose="02040503050406030204" pitchFamily="18" charset="0"/>
-                        </a:rPr>
-                        <m:t>𝟕𝟏</m:t>
-                      </m:r>
-                      <m:r>
-                        <a:rPr lang="en-US" sz="2000" b="1" i="1" smtClean="0">
-                          <a:solidFill>
-                            <a:schemeClr val="bg1"/>
-                          </a:solidFill>
-                          <a:latin typeface="Cambria Math" panose="02040503050406030204" pitchFamily="18" charset="0"/>
-                        </a:rPr>
-                        <m:t>+</m:t>
-                      </m:r>
-                      <m:r>
-                        <a:rPr lang="en-US" sz="2000" b="1" i="1" smtClean="0">
-                          <a:solidFill>
-                            <a:schemeClr val="bg1"/>
-                          </a:solidFill>
-                          <a:latin typeface="Cambria Math" panose="02040503050406030204" pitchFamily="18" charset="0"/>
-                        </a:rPr>
-                        <m:t>𝟎</m:t>
-                      </m:r>
-                      <m:r>
-                        <a:rPr lang="en-US" sz="2000" b="1" i="1" smtClean="0">
-                          <a:solidFill>
-                            <a:schemeClr val="bg1"/>
-                          </a:solidFill>
-                          <a:latin typeface="Cambria Math" panose="02040503050406030204" pitchFamily="18" charset="0"/>
-                        </a:rPr>
-                        <m:t>.</m:t>
-                      </m:r>
-                      <m:r>
-                        <a:rPr lang="en-US" sz="2000" b="1" i="1" smtClean="0">
-                          <a:solidFill>
-                            <a:schemeClr val="bg1"/>
-                          </a:solidFill>
-                          <a:latin typeface="Cambria Math" panose="02040503050406030204" pitchFamily="18" charset="0"/>
-                        </a:rPr>
-                        <m:t>𝟎𝟐</m:t>
-                      </m:r>
-                      <m:r>
-                        <a:rPr lang="en-US" sz="2000" b="1" i="1" smtClean="0">
-                          <a:solidFill>
-                            <a:schemeClr val="bg1"/>
-                          </a:solidFill>
-                          <a:latin typeface="Cambria Math" panose="02040503050406030204" pitchFamily="18" charset="0"/>
-                        </a:rPr>
-                        <m:t>×</m:t>
-                      </m:r>
-                      <m:r>
-                        <a:rPr lang="en-US" sz="2000" b="1" i="1" smtClean="0">
-                          <a:solidFill>
-                            <a:schemeClr val="bg1"/>
-                          </a:solidFill>
-                          <a:latin typeface="Cambria Math" panose="02040503050406030204" pitchFamily="18" charset="0"/>
-                        </a:rPr>
-                        <m:t>𝟎</m:t>
-                      </m:r>
-                      <m:r>
-                        <a:rPr lang="en-US" sz="2000" b="1" i="1" smtClean="0">
-                          <a:solidFill>
-                            <a:schemeClr val="bg1"/>
-                          </a:solidFill>
-                          <a:latin typeface="Cambria Math" panose="02040503050406030204" pitchFamily="18" charset="0"/>
-                        </a:rPr>
-                        <m:t>.</m:t>
-                      </m:r>
-                      <m:r>
-                        <a:rPr lang="en-US" sz="2000" b="1" i="1" smtClean="0">
-                          <a:solidFill>
-                            <a:schemeClr val="bg1"/>
-                          </a:solidFill>
-                          <a:latin typeface="Cambria Math" panose="02040503050406030204" pitchFamily="18" charset="0"/>
-                        </a:rPr>
-                        <m:t>𝟏𝟏</m:t>
-                      </m:r>
-                      <m:r>
-                        <a:rPr lang="en-US" sz="2000" b="1" i="1" smtClean="0">
-                          <a:solidFill>
-                            <a:schemeClr val="bg1"/>
-                          </a:solidFill>
-                          <a:latin typeface="Cambria Math" panose="02040503050406030204" pitchFamily="18" charset="0"/>
-                        </a:rPr>
-                        <m:t>+</m:t>
-                      </m:r>
-                      <m:r>
-                        <a:rPr lang="en-US" sz="2000" b="1" i="1" smtClean="0">
-                          <a:solidFill>
-                            <a:schemeClr val="bg1"/>
-                          </a:solidFill>
-                          <a:latin typeface="Cambria Math" panose="02040503050406030204" pitchFamily="18" charset="0"/>
-                        </a:rPr>
-                        <m:t>𝟎</m:t>
-                      </m:r>
-                      <m:r>
-                        <a:rPr lang="en-US" sz="2000" b="1" i="1" smtClean="0">
-                          <a:solidFill>
-                            <a:schemeClr val="bg1"/>
-                          </a:solidFill>
-                          <a:latin typeface="Cambria Math" panose="02040503050406030204" pitchFamily="18" charset="0"/>
-                        </a:rPr>
-                        <m:t>.</m:t>
-                      </m:r>
-                      <m:r>
-                        <a:rPr lang="en-US" sz="2000" b="1" i="1" smtClean="0">
-                          <a:solidFill>
-                            <a:schemeClr val="bg1"/>
-                          </a:solidFill>
-                          <a:latin typeface="Cambria Math" panose="02040503050406030204" pitchFamily="18" charset="0"/>
-                        </a:rPr>
-                        <m:t>𝟎𝟖</m:t>
-                      </m:r>
-                      <m:r>
-                        <a:rPr lang="en-US" sz="2000" b="1" i="1" smtClean="0">
-                          <a:solidFill>
-                            <a:schemeClr val="bg1"/>
-                          </a:solidFill>
-                          <a:latin typeface="Cambria Math" panose="02040503050406030204" pitchFamily="18" charset="0"/>
-                        </a:rPr>
-                        <m:t>×</m:t>
-                      </m:r>
-                      <m:r>
-                        <a:rPr lang="en-US" sz="2000" b="1" i="1" smtClean="0">
-                          <a:solidFill>
-                            <a:schemeClr val="bg1"/>
-                          </a:solidFill>
-                          <a:latin typeface="Cambria Math" panose="02040503050406030204" pitchFamily="18" charset="0"/>
-                        </a:rPr>
-                        <m:t>𝟎</m:t>
-                      </m:r>
-                      <m:r>
-                        <a:rPr lang="en-US" sz="2000" b="1" i="1" smtClean="0">
-                          <a:solidFill>
-                            <a:schemeClr val="bg1"/>
-                          </a:solidFill>
-                          <a:latin typeface="Cambria Math" panose="02040503050406030204" pitchFamily="18" charset="0"/>
-                        </a:rPr>
-                        <m:t>.</m:t>
-                      </m:r>
-                      <m:r>
-                        <a:rPr lang="en-US" sz="2000" b="1" i="1" smtClean="0">
-                          <a:solidFill>
-                            <a:schemeClr val="bg1"/>
-                          </a:solidFill>
-                          <a:latin typeface="Cambria Math" panose="02040503050406030204" pitchFamily="18" charset="0"/>
-                        </a:rPr>
-                        <m:t>𝟓𝟓</m:t>
-                      </m:r>
-                      <m:r>
-                        <a:rPr lang="en-US" sz="2000" b="1" i="1" smtClean="0">
-                          <a:solidFill>
-                            <a:schemeClr val="bg1"/>
-                          </a:solidFill>
-                          <a:latin typeface="Cambria Math" panose="02040503050406030204" pitchFamily="18" charset="0"/>
-                        </a:rPr>
-                        <m:t>+</m:t>
-                      </m:r>
-                      <m:r>
-                        <a:rPr lang="en-US" sz="2000" b="1" i="1" smtClean="0">
-                          <a:solidFill>
-                            <a:schemeClr val="bg1"/>
-                          </a:solidFill>
-                          <a:latin typeface="Cambria Math" panose="02040503050406030204" pitchFamily="18" charset="0"/>
-                        </a:rPr>
-                        <m:t>𝟎</m:t>
-                      </m:r>
-                      <m:r>
-                        <a:rPr lang="en-US" sz="2000" b="1" i="1" smtClean="0">
-                          <a:solidFill>
-                            <a:schemeClr val="bg1"/>
-                          </a:solidFill>
-                          <a:latin typeface="Cambria Math" panose="02040503050406030204" pitchFamily="18" charset="0"/>
-                        </a:rPr>
-                        <m:t>.</m:t>
-                      </m:r>
-                      <m:r>
-                        <a:rPr lang="en-US" sz="2000" b="1" i="1" smtClean="0">
-                          <a:solidFill>
-                            <a:schemeClr val="bg1"/>
-                          </a:solidFill>
-                          <a:latin typeface="Cambria Math" panose="02040503050406030204" pitchFamily="18" charset="0"/>
-                        </a:rPr>
-                        <m:t>𝟏</m:t>
-                      </m:r>
-                      <m:r>
-                        <a:rPr lang="en-US" sz="2000" b="1" i="1" smtClean="0">
-                          <a:solidFill>
-                            <a:schemeClr val="bg1"/>
-                          </a:solidFill>
-                          <a:latin typeface="Cambria Math" panose="02040503050406030204" pitchFamily="18" charset="0"/>
-                        </a:rPr>
-                        <m:t>×</m:t>
-                      </m:r>
-                      <m:r>
-                        <a:rPr lang="en-US" sz="2000" b="1" i="1" smtClean="0">
-                          <a:solidFill>
-                            <a:schemeClr val="bg1"/>
-                          </a:solidFill>
-                          <a:latin typeface="Cambria Math" panose="02040503050406030204" pitchFamily="18" charset="0"/>
-                        </a:rPr>
-                        <m:t>𝟎</m:t>
-                      </m:r>
-                      <m:r>
-                        <a:rPr lang="en-US" sz="2000" b="1" i="1" smtClean="0">
-                          <a:solidFill>
-                            <a:schemeClr val="bg1"/>
-                          </a:solidFill>
-                          <a:latin typeface="Cambria Math" panose="02040503050406030204" pitchFamily="18" charset="0"/>
-                        </a:rPr>
-                        <m:t>.</m:t>
-                      </m:r>
-                      <m:r>
-                        <a:rPr lang="en-US" sz="2000" b="1" i="1" smtClean="0">
-                          <a:solidFill>
-                            <a:schemeClr val="bg1"/>
-                          </a:solidFill>
-                          <a:latin typeface="Cambria Math" panose="02040503050406030204" pitchFamily="18" charset="0"/>
-                        </a:rPr>
-                        <m:t>𝟓𝟓</m:t>
-                      </m:r>
-                      <m:r>
-                        <a:rPr lang="en-US" sz="2000" b="1" i="1" smtClean="0">
-                          <a:solidFill>
-                            <a:schemeClr val="bg1"/>
-                          </a:solidFill>
-                          <a:latin typeface="Cambria Math" panose="02040503050406030204" pitchFamily="18" charset="0"/>
-                        </a:rPr>
-                        <m:t>=</m:t>
-                      </m:r>
-                      <m:r>
-                        <a:rPr lang="en-US" sz="2000" b="1" i="1" smtClean="0">
-                          <a:solidFill>
-                            <a:schemeClr val="bg1"/>
-                          </a:solidFill>
-                          <a:latin typeface="Cambria Math" panose="02040503050406030204" pitchFamily="18" charset="0"/>
-                        </a:rPr>
-                        <m:t>𝟎</m:t>
-                      </m:r>
-                      <m:r>
-                        <a:rPr lang="en-US" sz="2000" b="1" i="1" smtClean="0">
-                          <a:solidFill>
-                            <a:schemeClr val="bg1"/>
-                          </a:solidFill>
-                          <a:latin typeface="Cambria Math" panose="02040503050406030204" pitchFamily="18" charset="0"/>
-                        </a:rPr>
-                        <m:t>.</m:t>
-                      </m:r>
-                      <m:r>
-                        <a:rPr lang="en-US" sz="2000" b="1" i="1" smtClean="0">
+                        <a:rPr lang="en-US" sz="2000" b="1" i="1">
                           <a:solidFill>
                             <a:schemeClr val="bg1"/>
                           </a:solidFill>
@@ -17074,7 +17128,7 @@
             </p:txBody>
           </p:sp>
         </mc:Choice>
-        <mc:Fallback>
+        <mc:Fallback xmlns="">
           <p:sp>
             <p:nvSpPr>
               <p:cNvPr id="5" name="Rectangle 4">
@@ -17091,8 +17145,8 @@
             </p:nvSpPr>
             <p:spPr>
               <a:xfrm>
-                <a:off x="2850268" y="2362149"/>
-                <a:ext cx="9816021" cy="400110"/>
+                <a:off x="3846034" y="2229627"/>
+                <a:ext cx="5640582" cy="707886"/>
               </a:xfrm>
               <a:prstGeom prst="rect">
                 <a:avLst/>
@@ -17119,8 +17173,8 @@
           </p:sp>
         </mc:Fallback>
       </mc:AlternateContent>
-      <mc:AlternateContent xmlns:mc="http://schemas.openxmlformats.org/markup-compatibility/2006">
-        <mc:Choice xmlns:a14="http://schemas.microsoft.com/office/drawing/2010/main" Requires="a14">
+      <mc:AlternateContent xmlns:mc="http://schemas.openxmlformats.org/markup-compatibility/2006" xmlns:a14="http://schemas.microsoft.com/office/drawing/2010/main">
+        <mc:Choice Requires="a14">
           <p:sp>
             <p:nvSpPr>
               <p:cNvPr id="18" name="Rectangle 17">
@@ -17135,7 +17189,7 @@
             </p:nvSpPr>
             <p:spPr>
               <a:xfrm>
-                <a:off x="3115382" y="5863363"/>
+                <a:off x="3115383" y="5863364"/>
                 <a:ext cx="9018623" cy="400110"/>
               </a:xfrm>
               <a:prstGeom prst="rect">
@@ -17156,7 +17210,7 @@
                     </m:oMathParaPr>
                     <m:oMath xmlns:m="http://schemas.openxmlformats.org/officeDocument/2006/math">
                       <m:r>
-                        <a:rPr lang="en-US" sz="2000" b="1" i="1" smtClean="0">
+                        <a:rPr lang="en-US" sz="2000" b="1" i="1">
                           <a:solidFill>
                             <a:schemeClr val="bg1"/>
                           </a:solidFill>
@@ -17199,7 +17253,7 @@
                         <m:t>=</m:t>
                       </m:r>
                       <m:r>
-                        <a:rPr lang="en-US" sz="2000" b="1" i="1" smtClean="0">
+                        <a:rPr lang="en-US" sz="2000" b="1" i="1">
                           <a:solidFill>
                             <a:schemeClr val="bg1"/>
                           </a:solidFill>
@@ -17208,7 +17262,7 @@
                         <m:t>𝟎</m:t>
                       </m:r>
                       <m:r>
-                        <a:rPr lang="en-US" sz="2000" b="1" i="1" smtClean="0">
+                        <a:rPr lang="en-US" sz="2000" b="1" i="1">
                           <a:solidFill>
                             <a:schemeClr val="bg1"/>
                           </a:solidFill>
@@ -17217,103 +17271,13 @@
                         <m:t>.</m:t>
                       </m:r>
                       <m:r>
-                        <a:rPr lang="en-US" sz="2000" b="1" i="1" smtClean="0">
+                        <a:rPr lang="en-US" sz="2000" b="1" i="1">
                           <a:solidFill>
                             <a:schemeClr val="bg1"/>
                           </a:solidFill>
                           <a:latin typeface="Cambria Math" panose="02040503050406030204" pitchFamily="18" charset="0"/>
                         </a:rPr>
                         <m:t>𝟖𝟓</m:t>
-                      </m:r>
-                      <m:r>
-                        <a:rPr lang="en-US" sz="2000" b="1" i="1" smtClean="0">
-                          <a:solidFill>
-                            <a:schemeClr val="bg1"/>
-                          </a:solidFill>
-                          <a:latin typeface="Cambria Math" panose="02040503050406030204" pitchFamily="18" charset="0"/>
-                        </a:rPr>
-                        <m:t>×</m:t>
-                      </m:r>
-                      <m:r>
-                        <a:rPr lang="en-US" sz="2000" b="1" i="1" smtClean="0">
-                          <a:solidFill>
-                            <a:schemeClr val="bg1"/>
-                          </a:solidFill>
-                          <a:latin typeface="Cambria Math" panose="02040503050406030204" pitchFamily="18" charset="0"/>
-                        </a:rPr>
-                        <m:t>𝑬</m:t>
-                      </m:r>
-                      <m:d>
-                        <m:dPr>
-                          <m:begChr m:val="["/>
-                          <m:endChr m:val="]"/>
-                          <m:ctrlPr>
-                            <a:rPr lang="en-US" sz="2000" b="1" i="1" smtClean="0">
-                              <a:solidFill>
-                                <a:schemeClr val="bg1"/>
-                              </a:solidFill>
-                              <a:latin typeface="Cambria Math" panose="02040503050406030204" pitchFamily="18" charset="0"/>
-                            </a:rPr>
-                          </m:ctrlPr>
-                        </m:dPr>
-                        <m:e>
-                          <m:r>
-                            <a:rPr lang="en-US" sz="2000" b="1" i="1" smtClean="0">
-                              <a:solidFill>
-                                <a:schemeClr val="bg1"/>
-                              </a:solidFill>
-                              <a:latin typeface="Cambria Math" panose="02040503050406030204" pitchFamily="18" charset="0"/>
-                            </a:rPr>
-                            <m:t>𝑿</m:t>
-                          </m:r>
-                        </m:e>
-                        <m:e>
-                          <m:r>
-                            <a:rPr lang="en-US" sz="2000" b="1" i="1" smtClean="0">
-                              <a:solidFill>
-                                <a:schemeClr val="bg1"/>
-                              </a:solidFill>
-                              <a:latin typeface="Cambria Math" panose="02040503050406030204" pitchFamily="18" charset="0"/>
-                            </a:rPr>
-                            <m:t>𝟏𝟏𝟎𝟎</m:t>
-                          </m:r>
-                        </m:e>
-                      </m:d>
-                      <m:r>
-                        <a:rPr lang="en-US" sz="2000" b="1" i="1" smtClean="0">
-                          <a:solidFill>
-                            <a:schemeClr val="bg1"/>
-                          </a:solidFill>
-                          <a:latin typeface="Cambria Math" panose="02040503050406030204" pitchFamily="18" charset="0"/>
-                        </a:rPr>
-                        <m:t>+</m:t>
-                      </m:r>
-                      <m:r>
-                        <a:rPr lang="en-US" sz="2000" b="1" i="1">
-                          <a:solidFill>
-                            <a:schemeClr val="bg1"/>
-                          </a:solidFill>
-                          <a:latin typeface="Cambria Math" panose="02040503050406030204" pitchFamily="18" charset="0"/>
-                        </a:rPr>
-                        <m:t>𝟎</m:t>
-                      </m:r>
-                      <m:r>
-                        <a:rPr lang="en-US" sz="2000" b="1" i="1">
-                          <a:solidFill>
-                            <a:schemeClr val="bg1"/>
-                          </a:solidFill>
-                          <a:latin typeface="Cambria Math" panose="02040503050406030204" pitchFamily="18" charset="0"/>
-                        </a:rPr>
-                        <m:t>.</m:t>
-                      </m:r>
-                      <m:r>
-                        <a:rPr lang="en-US" sz="2000" b="1" i="1" smtClean="0">
-                          <a:solidFill>
-                            <a:schemeClr val="bg1"/>
-                          </a:solidFill>
-                          <a:latin typeface="Cambria Math" panose="02040503050406030204" pitchFamily="18" charset="0"/>
-                        </a:rPr>
-                        <m:t>𝟏</m:t>
                       </m:r>
                       <m:r>
                         <a:rPr lang="en-US" sz="2000" b="1" i="1">
@@ -17359,18 +17323,18 @@
                         </m:e>
                         <m:e>
                           <m:r>
-                            <a:rPr lang="en-US" sz="2000" b="1" i="1" smtClean="0">
+                            <a:rPr lang="en-US" sz="2000" b="1" i="1">
                               <a:solidFill>
                                 <a:schemeClr val="bg1"/>
                               </a:solidFill>
                               <a:latin typeface="Cambria Math" panose="02040503050406030204" pitchFamily="18" charset="0"/>
                             </a:rPr>
-                            <m:t>𝟎𝟏𝟎𝟏</m:t>
+                            <m:t>𝟏𝟏𝟎𝟎</m:t>
                           </m:r>
                         </m:e>
                       </m:d>
                       <m:r>
-                        <a:rPr lang="en-US" sz="2000" b="1" i="0" smtClean="0">
+                        <a:rPr lang="en-US" sz="2000" b="1" i="1">
                           <a:solidFill>
                             <a:schemeClr val="bg1"/>
                           </a:solidFill>
@@ -17397,13 +17361,13 @@
                         <m:t>.</m:t>
                       </m:r>
                       <m:r>
-                        <a:rPr lang="en-US" sz="2000" b="1" i="1" smtClean="0">
-                          <a:solidFill>
-                            <a:schemeClr val="bg1"/>
-                          </a:solidFill>
-                          <a:latin typeface="Cambria Math" panose="02040503050406030204" pitchFamily="18" charset="0"/>
-                        </a:rPr>
-                        <m:t>𝟎𝟓</m:t>
+                        <a:rPr lang="en-US" sz="2000" b="1" i="1">
+                          <a:solidFill>
+                            <a:schemeClr val="bg1"/>
+                          </a:solidFill>
+                          <a:latin typeface="Cambria Math" panose="02040503050406030204" pitchFamily="18" charset="0"/>
+                        </a:rPr>
+                        <m:t>𝟏</m:t>
                       </m:r>
                       <m:r>
                         <a:rPr lang="en-US" sz="2000" b="1" i="1">
@@ -17422,15 +17386,6 @@
                           <a:latin typeface="Cambria Math" panose="02040503050406030204" pitchFamily="18" charset="0"/>
                         </a:rPr>
                         <m:t>𝑬</m:t>
-                      </m:r>
-                      <m:r>
-                        <a:rPr lang="en-US" sz="2000" b="1" i="1" smtClean="0">
-                          <a:solidFill>
-                            <a:schemeClr val="bg1"/>
-                          </a:solidFill>
-                          <a:latin typeface="Cambria Math" panose="02040503050406030204" pitchFamily="18" charset="0"/>
-                        </a:rPr>
-                        <m:t>=</m:t>
                       </m:r>
                       <m:d>
                         <m:dPr>
@@ -17458,7 +17413,106 @@
                         </m:e>
                         <m:e>
                           <m:r>
-                            <a:rPr lang="en-US" sz="2000" b="1" i="1" smtClean="0">
+                            <a:rPr lang="en-US" sz="2000" b="1" i="1">
+                              <a:solidFill>
+                                <a:schemeClr val="bg1"/>
+                              </a:solidFill>
+                              <a:latin typeface="Cambria Math" panose="02040503050406030204" pitchFamily="18" charset="0"/>
+                            </a:rPr>
+                            <m:t>𝟎𝟏𝟎𝟏</m:t>
+                          </m:r>
+                        </m:e>
+                      </m:d>
+                      <m:r>
+                        <a:rPr lang="en-US" sz="2000" b="1">
+                          <a:solidFill>
+                            <a:schemeClr val="bg1"/>
+                          </a:solidFill>
+                          <a:latin typeface="Cambria Math" panose="02040503050406030204" pitchFamily="18" charset="0"/>
+                        </a:rPr>
+                        <m:t>+</m:t>
+                      </m:r>
+                      <m:r>
+                        <a:rPr lang="en-US" sz="2000" b="1" i="1">
+                          <a:solidFill>
+                            <a:schemeClr val="bg1"/>
+                          </a:solidFill>
+                          <a:latin typeface="Cambria Math" panose="02040503050406030204" pitchFamily="18" charset="0"/>
+                        </a:rPr>
+                        <m:t>𝟎</m:t>
+                      </m:r>
+                      <m:r>
+                        <a:rPr lang="en-US" sz="2000" b="1" i="1">
+                          <a:solidFill>
+                            <a:schemeClr val="bg1"/>
+                          </a:solidFill>
+                          <a:latin typeface="Cambria Math" panose="02040503050406030204" pitchFamily="18" charset="0"/>
+                        </a:rPr>
+                        <m:t>.</m:t>
+                      </m:r>
+                      <m:r>
+                        <a:rPr lang="en-US" sz="2000" b="1" i="1">
+                          <a:solidFill>
+                            <a:schemeClr val="bg1"/>
+                          </a:solidFill>
+                          <a:latin typeface="Cambria Math" panose="02040503050406030204" pitchFamily="18" charset="0"/>
+                        </a:rPr>
+                        <m:t>𝟎𝟓</m:t>
+                      </m:r>
+                      <m:r>
+                        <a:rPr lang="en-US" sz="2000" b="1" i="1">
+                          <a:solidFill>
+                            <a:schemeClr val="bg1"/>
+                          </a:solidFill>
+                          <a:latin typeface="Cambria Math" panose="02040503050406030204" pitchFamily="18" charset="0"/>
+                        </a:rPr>
+                        <m:t>×</m:t>
+                      </m:r>
+                      <m:r>
+                        <a:rPr lang="en-US" sz="2000" b="1" i="1">
+                          <a:solidFill>
+                            <a:schemeClr val="bg1"/>
+                          </a:solidFill>
+                          <a:latin typeface="Cambria Math" panose="02040503050406030204" pitchFamily="18" charset="0"/>
+                        </a:rPr>
+                        <m:t>𝑬</m:t>
+                      </m:r>
+                      <m:r>
+                        <a:rPr lang="en-US" sz="2000" b="1" i="1">
+                          <a:solidFill>
+                            <a:schemeClr val="bg1"/>
+                          </a:solidFill>
+                          <a:latin typeface="Cambria Math" panose="02040503050406030204" pitchFamily="18" charset="0"/>
+                        </a:rPr>
+                        <m:t>=</m:t>
+                      </m:r>
+                      <m:d>
+                        <m:dPr>
+                          <m:begChr m:val="["/>
+                          <m:endChr m:val="]"/>
+                          <m:ctrlPr>
+                            <a:rPr lang="en-US" sz="2000" b="1" i="1">
+                              <a:solidFill>
+                                <a:schemeClr val="bg1"/>
+                              </a:solidFill>
+                              <a:latin typeface="Cambria Math" panose="02040503050406030204" pitchFamily="18" charset="0"/>
+                            </a:rPr>
+                          </m:ctrlPr>
+                        </m:dPr>
+                        <m:e>
+                          <m:r>
+                            <a:rPr lang="en-US" sz="2000" b="1" i="1">
+                              <a:solidFill>
+                                <a:schemeClr val="bg1"/>
+                              </a:solidFill>
+                              <a:latin typeface="Cambria Math" panose="02040503050406030204" pitchFamily="18" charset="0"/>
+                            </a:rPr>
+                            <m:t>𝑿</m:t>
+                          </m:r>
+                        </m:e>
+                        <m:e>
+                          <m:r>
+                            <a:rPr lang="en-US" sz="2000" b="1" i="1">
                               <a:solidFill>
                                 <a:schemeClr val="bg1"/>
                               </a:solidFill>
@@ -17469,7 +17523,7 @@
                         </m:e>
                       </m:d>
                       <m:r>
-                        <a:rPr lang="en-US" sz="2000" b="1" i="1" smtClean="0">
+                        <a:rPr lang="en-US" sz="2000" b="1" i="1">
                           <a:solidFill>
                             <a:schemeClr val="bg1"/>
                           </a:solidFill>
@@ -17478,7 +17532,7 @@
                         <m:t>=</m:t>
                       </m:r>
                       <m:r>
-                        <a:rPr lang="en-US" sz="2000" b="1" i="1" smtClean="0">
+                        <a:rPr lang="en-US" sz="2000" b="1" i="1">
                           <a:solidFill>
                             <a:schemeClr val="bg1"/>
                           </a:solidFill>
@@ -17487,7 +17541,7 @@
                         <m:t>𝟎</m:t>
                       </m:r>
                       <m:r>
-                        <a:rPr lang="en-US" sz="2000" b="1" i="1" smtClean="0">
+                        <a:rPr lang="en-US" sz="2000" b="1" i="1">
                           <a:solidFill>
                             <a:schemeClr val="bg1"/>
                           </a:solidFill>
@@ -17496,7 +17550,7 @@
                         <m:t>.</m:t>
                       </m:r>
                       <m:r>
-                        <a:rPr lang="en-US" sz="2000" b="1" i="1" smtClean="0">
+                        <a:rPr lang="en-US" sz="2000" b="1" i="1">
                           <a:solidFill>
                             <a:schemeClr val="bg1"/>
                           </a:solidFill>
@@ -17516,7 +17570,7 @@
             </p:txBody>
           </p:sp>
         </mc:Choice>
-        <mc:Fallback>
+        <mc:Fallback xmlns="">
           <p:sp>
             <p:nvSpPr>
               <p:cNvPr id="18" name="Rectangle 17">
@@ -17533,7 +17587,7 @@
             </p:nvSpPr>
             <p:spPr>
               <a:xfrm>
-                <a:off x="3115382" y="5863363"/>
+                <a:off x="3115383" y="5863364"/>
                 <a:ext cx="9018623" cy="400110"/>
               </a:xfrm>
               <a:prstGeom prst="rect">
@@ -17575,8 +17629,8 @@
         </p:nvSpPr>
         <p:spPr>
           <a:xfrm flipV="1">
-            <a:off x="7598057" y="6263473"/>
-            <a:ext cx="529060" cy="436286"/>
+            <a:off x="7598058" y="6263474"/>
+            <a:ext cx="529060" cy="436287"/>
           </a:xfrm>
           <a:prstGeom prst="bentArrow">
             <a:avLst/>
@@ -17633,8 +17687,8 @@
         </p:nvSpPr>
         <p:spPr>
           <a:xfrm>
-            <a:off x="7758278" y="6367895"/>
-            <a:ext cx="3857954" cy="400110"/>
+            <a:off x="7758277" y="6367896"/>
+            <a:ext cx="3857955" cy="400110"/>
           </a:xfrm>
           <a:prstGeom prst="rect">
             <a:avLst/>
